--- a/Team 10 - Low Fidelity Presentation.pptx
+++ b/Team 10 - Low Fidelity Presentation.pptx
@@ -4,12 +4,22 @@
   <p:sldMasterIdLst>
     <p:sldMasterId id="2147483648" r:id="rId1"/>
   </p:sldMasterIdLst>
+  <p:notesMasterIdLst>
+    <p:notesMasterId r:id="rId14"/>
+  </p:notesMasterIdLst>
   <p:sldIdLst>
-    <p:sldId id="256" r:id="rId2"/>
-    <p:sldId id="257" r:id="rId3"/>
-    <p:sldId id="258" r:id="rId4"/>
-    <p:sldId id="259" r:id="rId5"/>
-    <p:sldId id="260" r:id="rId6"/>
+    <p:sldId id="261" r:id="rId2"/>
+    <p:sldId id="262" r:id="rId3"/>
+    <p:sldId id="263" r:id="rId4"/>
+    <p:sldId id="264" r:id="rId5"/>
+    <p:sldId id="265" r:id="rId6"/>
+    <p:sldId id="266" r:id="rId7"/>
+    <p:sldId id="267" r:id="rId8"/>
+    <p:sldId id="256" r:id="rId9"/>
+    <p:sldId id="257" r:id="rId10"/>
+    <p:sldId id="258" r:id="rId11"/>
+    <p:sldId id="259" r:id="rId12"/>
+    <p:sldId id="260" r:id="rId13"/>
   </p:sldIdLst>
   <p:sldSz cx="12192000" cy="6858000"/>
   <p:notesSz cx="6858000" cy="9144000"/>
@@ -109,6 +119,1484 @@
     </a:lvl9pPr>
   </p:defaultTextStyle>
 </p:presentation>
+</file>
+
+<file path=ppt/notesMasters/notesMaster1.xml><?xml version="1.0" encoding="utf-8"?>
+<p:notesMaster xmlns:a="http://schemas.openxmlformats.org/drawingml/2006/main" xmlns:r="http://schemas.openxmlformats.org/officeDocument/2006/relationships" xmlns:p="http://schemas.openxmlformats.org/presentationml/2006/main">
+  <p:cSld>
+    <p:bg>
+      <p:bgRef idx="1001">
+        <a:schemeClr val="bg1"/>
+      </p:bgRef>
+    </p:bg>
+    <p:spTree>
+      <p:nvGrpSpPr>
+        <p:cNvPr id="1" name=""/>
+        <p:cNvGrpSpPr/>
+        <p:nvPr/>
+      </p:nvGrpSpPr>
+      <p:grpSpPr>
+        <a:xfrm>
+          <a:off x="0" y="0"/>
+          <a:ext cx="0" cy="0"/>
+          <a:chOff x="0" y="0"/>
+          <a:chExt cx="0" cy="0"/>
+        </a:xfrm>
+      </p:grpSpPr>
+      <p:sp>
+        <p:nvSpPr>
+          <p:cNvPr id="2" name="Header Placeholder 1"/>
+          <p:cNvSpPr>
+            <a:spLocks noGrp="1"/>
+          </p:cNvSpPr>
+          <p:nvPr>
+            <p:ph type="hdr" sz="quarter"/>
+          </p:nvPr>
+        </p:nvSpPr>
+        <p:spPr>
+          <a:xfrm>
+            <a:off x="0" y="0"/>
+            <a:ext cx="2971800" cy="458788"/>
+          </a:xfrm>
+          <a:prstGeom prst="rect">
+            <a:avLst/>
+          </a:prstGeom>
+        </p:spPr>
+        <p:txBody>
+          <a:bodyPr vert="horz" lIns="91440" tIns="45720" rIns="91440" bIns="45720" rtlCol="0"/>
+          <a:lstStyle>
+            <a:lvl1pPr algn="l">
+              <a:defRPr sz="1200"/>
+            </a:lvl1pPr>
+          </a:lstStyle>
+          <a:p>
+            <a:endParaRPr lang="en-US"/>
+          </a:p>
+        </p:txBody>
+      </p:sp>
+      <p:sp>
+        <p:nvSpPr>
+          <p:cNvPr id="3" name="Date Placeholder 2"/>
+          <p:cNvSpPr>
+            <a:spLocks noGrp="1"/>
+          </p:cNvSpPr>
+          <p:nvPr>
+            <p:ph type="dt" idx="1"/>
+          </p:nvPr>
+        </p:nvSpPr>
+        <p:spPr>
+          <a:xfrm>
+            <a:off x="3884613" y="0"/>
+            <a:ext cx="2971800" cy="458788"/>
+          </a:xfrm>
+          <a:prstGeom prst="rect">
+            <a:avLst/>
+          </a:prstGeom>
+        </p:spPr>
+        <p:txBody>
+          <a:bodyPr vert="horz" lIns="91440" tIns="45720" rIns="91440" bIns="45720" rtlCol="0"/>
+          <a:lstStyle>
+            <a:lvl1pPr algn="r">
+              <a:defRPr sz="1200"/>
+            </a:lvl1pPr>
+          </a:lstStyle>
+          <a:p>
+            <a:fld id="{7A4E337C-32E2-B245-B019-AA12709401DC}" type="datetimeFigureOut">
+              <a:rPr lang="en-US" smtClean="0"/>
+              <a:t>2/12/23</a:t>
+            </a:fld>
+            <a:endParaRPr lang="en-US"/>
+          </a:p>
+        </p:txBody>
+      </p:sp>
+      <p:sp>
+        <p:nvSpPr>
+          <p:cNvPr id="4" name="Slide Image Placeholder 3"/>
+          <p:cNvSpPr>
+            <a:spLocks noGrp="1" noRot="1" noChangeAspect="1"/>
+          </p:cNvSpPr>
+          <p:nvPr>
+            <p:ph type="sldImg" idx="2"/>
+          </p:nvPr>
+        </p:nvSpPr>
+        <p:spPr>
+          <a:xfrm>
+            <a:off x="685800" y="1143000"/>
+            <a:ext cx="5486400" cy="3086100"/>
+          </a:xfrm>
+          <a:prstGeom prst="rect">
+            <a:avLst/>
+          </a:prstGeom>
+          <a:noFill/>
+          <a:ln w="12700">
+            <a:solidFill>
+              <a:prstClr val="black"/>
+            </a:solidFill>
+          </a:ln>
+        </p:spPr>
+        <p:txBody>
+          <a:bodyPr vert="horz" lIns="91440" tIns="45720" rIns="91440" bIns="45720" rtlCol="0" anchor="ctr"/>
+          <a:lstStyle/>
+          <a:p>
+            <a:endParaRPr lang="en-US"/>
+          </a:p>
+        </p:txBody>
+      </p:sp>
+      <p:sp>
+        <p:nvSpPr>
+          <p:cNvPr id="5" name="Notes Placeholder 4"/>
+          <p:cNvSpPr>
+            <a:spLocks noGrp="1"/>
+          </p:cNvSpPr>
+          <p:nvPr>
+            <p:ph type="body" sz="quarter" idx="3"/>
+          </p:nvPr>
+        </p:nvSpPr>
+        <p:spPr>
+          <a:xfrm>
+            <a:off x="685800" y="4400550"/>
+            <a:ext cx="5486400" cy="3600450"/>
+          </a:xfrm>
+          <a:prstGeom prst="rect">
+            <a:avLst/>
+          </a:prstGeom>
+        </p:spPr>
+        <p:txBody>
+          <a:bodyPr vert="horz" lIns="91440" tIns="45720" rIns="91440" bIns="45720" rtlCol="0"/>
+          <a:lstStyle/>
+          <a:p>
+            <a:pPr lvl="0"/>
+            <a:r>
+              <a:rPr lang="en-GB"/>
+              <a:t>Click to edit Master text styles</a:t>
+            </a:r>
+          </a:p>
+          <a:p>
+            <a:pPr lvl="1"/>
+            <a:r>
+              <a:rPr lang="en-GB"/>
+              <a:t>Second level</a:t>
+            </a:r>
+          </a:p>
+          <a:p>
+            <a:pPr lvl="2"/>
+            <a:r>
+              <a:rPr lang="en-GB"/>
+              <a:t>Third level</a:t>
+            </a:r>
+          </a:p>
+          <a:p>
+            <a:pPr lvl="3"/>
+            <a:r>
+              <a:rPr lang="en-GB"/>
+              <a:t>Fourth level</a:t>
+            </a:r>
+          </a:p>
+          <a:p>
+            <a:pPr lvl="4"/>
+            <a:r>
+              <a:rPr lang="en-GB"/>
+              <a:t>Fifth level</a:t>
+            </a:r>
+            <a:endParaRPr lang="en-US"/>
+          </a:p>
+        </p:txBody>
+      </p:sp>
+      <p:sp>
+        <p:nvSpPr>
+          <p:cNvPr id="6" name="Footer Placeholder 5"/>
+          <p:cNvSpPr>
+            <a:spLocks noGrp="1"/>
+          </p:cNvSpPr>
+          <p:nvPr>
+            <p:ph type="ftr" sz="quarter" idx="4"/>
+          </p:nvPr>
+        </p:nvSpPr>
+        <p:spPr>
+          <a:xfrm>
+            <a:off x="0" y="8685213"/>
+            <a:ext cx="2971800" cy="458787"/>
+          </a:xfrm>
+          <a:prstGeom prst="rect">
+            <a:avLst/>
+          </a:prstGeom>
+        </p:spPr>
+        <p:txBody>
+          <a:bodyPr vert="horz" lIns="91440" tIns="45720" rIns="91440" bIns="45720" rtlCol="0" anchor="b"/>
+          <a:lstStyle>
+            <a:lvl1pPr algn="l">
+              <a:defRPr sz="1200"/>
+            </a:lvl1pPr>
+          </a:lstStyle>
+          <a:p>
+            <a:endParaRPr lang="en-US"/>
+          </a:p>
+        </p:txBody>
+      </p:sp>
+      <p:sp>
+        <p:nvSpPr>
+          <p:cNvPr id="7" name="Slide Number Placeholder 6"/>
+          <p:cNvSpPr>
+            <a:spLocks noGrp="1"/>
+          </p:cNvSpPr>
+          <p:nvPr>
+            <p:ph type="sldNum" sz="quarter" idx="5"/>
+          </p:nvPr>
+        </p:nvSpPr>
+        <p:spPr>
+          <a:xfrm>
+            <a:off x="3884613" y="8685213"/>
+            <a:ext cx="2971800" cy="458787"/>
+          </a:xfrm>
+          <a:prstGeom prst="rect">
+            <a:avLst/>
+          </a:prstGeom>
+        </p:spPr>
+        <p:txBody>
+          <a:bodyPr vert="horz" lIns="91440" tIns="45720" rIns="91440" bIns="45720" rtlCol="0" anchor="b"/>
+          <a:lstStyle>
+            <a:lvl1pPr algn="r">
+              <a:defRPr sz="1200"/>
+            </a:lvl1pPr>
+          </a:lstStyle>
+          <a:p>
+            <a:fld id="{B57C497C-76FB-B04B-93C0-592769D52C3E}" type="slidenum">
+              <a:rPr lang="en-US" smtClean="0"/>
+              <a:t>‹#›</a:t>
+            </a:fld>
+            <a:endParaRPr lang="en-US"/>
+          </a:p>
+        </p:txBody>
+      </p:sp>
+    </p:spTree>
+    <p:extLst>
+      <p:ext uri="{BB962C8B-B14F-4D97-AF65-F5344CB8AC3E}">
+        <p14:creationId xmlns:p14="http://schemas.microsoft.com/office/powerpoint/2010/main" val="3482182232"/>
+      </p:ext>
+    </p:extLst>
+  </p:cSld>
+  <p:clrMap bg1="lt1" tx1="dk1" bg2="lt2" tx2="dk2" accent1="accent1" accent2="accent2" accent3="accent3" accent4="accent4" accent5="accent5" accent6="accent6" hlink="hlink" folHlink="folHlink"/>
+  <p:notesStyle>
+    <a:lvl1pPr marL="0" algn="l" defTabSz="914400" rtl="0" eaLnBrk="1" latinLnBrk="0" hangingPunct="1">
+      <a:defRPr sz="1200" kern="1200">
+        <a:solidFill>
+          <a:schemeClr val="tx1"/>
+        </a:solidFill>
+        <a:latin typeface="+mn-lt"/>
+        <a:ea typeface="+mn-ea"/>
+        <a:cs typeface="+mn-cs"/>
+      </a:defRPr>
+    </a:lvl1pPr>
+    <a:lvl2pPr marL="457200" algn="l" defTabSz="914400" rtl="0" eaLnBrk="1" latinLnBrk="0" hangingPunct="1">
+      <a:defRPr sz="1200" kern="1200">
+        <a:solidFill>
+          <a:schemeClr val="tx1"/>
+        </a:solidFill>
+        <a:latin typeface="+mn-lt"/>
+        <a:ea typeface="+mn-ea"/>
+        <a:cs typeface="+mn-cs"/>
+      </a:defRPr>
+    </a:lvl2pPr>
+    <a:lvl3pPr marL="914400" algn="l" defTabSz="914400" rtl="0" eaLnBrk="1" latinLnBrk="0" hangingPunct="1">
+      <a:defRPr sz="1200" kern="1200">
+        <a:solidFill>
+          <a:schemeClr val="tx1"/>
+        </a:solidFill>
+        <a:latin typeface="+mn-lt"/>
+        <a:ea typeface="+mn-ea"/>
+        <a:cs typeface="+mn-cs"/>
+      </a:defRPr>
+    </a:lvl3pPr>
+    <a:lvl4pPr marL="1371600" algn="l" defTabSz="914400" rtl="0" eaLnBrk="1" latinLnBrk="0" hangingPunct="1">
+      <a:defRPr sz="1200" kern="1200">
+        <a:solidFill>
+          <a:schemeClr val="tx1"/>
+        </a:solidFill>
+        <a:latin typeface="+mn-lt"/>
+        <a:ea typeface="+mn-ea"/>
+        <a:cs typeface="+mn-cs"/>
+      </a:defRPr>
+    </a:lvl4pPr>
+    <a:lvl5pPr marL="1828800" algn="l" defTabSz="914400" rtl="0" eaLnBrk="1" latinLnBrk="0" hangingPunct="1">
+      <a:defRPr sz="1200" kern="1200">
+        <a:solidFill>
+          <a:schemeClr val="tx1"/>
+        </a:solidFill>
+        <a:latin typeface="+mn-lt"/>
+        <a:ea typeface="+mn-ea"/>
+        <a:cs typeface="+mn-cs"/>
+      </a:defRPr>
+    </a:lvl5pPr>
+    <a:lvl6pPr marL="2286000" algn="l" defTabSz="914400" rtl="0" eaLnBrk="1" latinLnBrk="0" hangingPunct="1">
+      <a:defRPr sz="1200" kern="1200">
+        <a:solidFill>
+          <a:schemeClr val="tx1"/>
+        </a:solidFill>
+        <a:latin typeface="+mn-lt"/>
+        <a:ea typeface="+mn-ea"/>
+        <a:cs typeface="+mn-cs"/>
+      </a:defRPr>
+    </a:lvl6pPr>
+    <a:lvl7pPr marL="2743200" algn="l" defTabSz="914400" rtl="0" eaLnBrk="1" latinLnBrk="0" hangingPunct="1">
+      <a:defRPr sz="1200" kern="1200">
+        <a:solidFill>
+          <a:schemeClr val="tx1"/>
+        </a:solidFill>
+        <a:latin typeface="+mn-lt"/>
+        <a:ea typeface="+mn-ea"/>
+        <a:cs typeface="+mn-cs"/>
+      </a:defRPr>
+    </a:lvl7pPr>
+    <a:lvl8pPr marL="3200400" algn="l" defTabSz="914400" rtl="0" eaLnBrk="1" latinLnBrk="0" hangingPunct="1">
+      <a:defRPr sz="1200" kern="1200">
+        <a:solidFill>
+          <a:schemeClr val="tx1"/>
+        </a:solidFill>
+        <a:latin typeface="+mn-lt"/>
+        <a:ea typeface="+mn-ea"/>
+        <a:cs typeface="+mn-cs"/>
+      </a:defRPr>
+    </a:lvl8pPr>
+    <a:lvl9pPr marL="3657600" algn="l" defTabSz="914400" rtl="0" eaLnBrk="1" latinLnBrk="0" hangingPunct="1">
+      <a:defRPr sz="1200" kern="1200">
+        <a:solidFill>
+          <a:schemeClr val="tx1"/>
+        </a:solidFill>
+        <a:latin typeface="+mn-lt"/>
+        <a:ea typeface="+mn-ea"/>
+        <a:cs typeface="+mn-cs"/>
+      </a:defRPr>
+    </a:lvl9pPr>
+  </p:notesStyle>
+</p:notesMaster>
+</file>
+
+<file path=ppt/notesSlides/notesSlide1.xml><?xml version="1.0" encoding="utf-8"?>
+<p:notes xmlns:a="http://schemas.openxmlformats.org/drawingml/2006/main" xmlns:r="http://schemas.openxmlformats.org/officeDocument/2006/relationships" xmlns:p="http://schemas.openxmlformats.org/presentationml/2006/main">
+  <p:cSld>
+    <p:spTree>
+      <p:nvGrpSpPr>
+        <p:cNvPr id="1" name=""/>
+        <p:cNvGrpSpPr/>
+        <p:nvPr/>
+      </p:nvGrpSpPr>
+      <p:grpSpPr>
+        <a:xfrm>
+          <a:off x="0" y="0"/>
+          <a:ext cx="0" cy="0"/>
+          <a:chOff x="0" y="0"/>
+          <a:chExt cx="0" cy="0"/>
+        </a:xfrm>
+      </p:grpSpPr>
+      <p:sp>
+        <p:nvSpPr>
+          <p:cNvPr id="2" name="Slide Image Placeholder 1"/>
+          <p:cNvSpPr>
+            <a:spLocks noGrp="1" noRot="1" noChangeAspect="1"/>
+          </p:cNvSpPr>
+          <p:nvPr>
+            <p:ph type="sldImg"/>
+          </p:nvPr>
+        </p:nvSpPr>
+        <p:spPr/>
+      </p:sp>
+      <p:sp>
+        <p:nvSpPr>
+          <p:cNvPr id="3" name="Notes Placeholder 2"/>
+          <p:cNvSpPr>
+            <a:spLocks noGrp="1"/>
+          </p:cNvSpPr>
+          <p:nvPr>
+            <p:ph type="body" idx="1"/>
+          </p:nvPr>
+        </p:nvSpPr>
+        <p:spPr/>
+        <p:txBody>
+          <a:bodyPr/>
+          <a:lstStyle/>
+          <a:p>
+            <a:pPr marL="285750" indent="-285750" algn="l">
+              <a:buFont typeface="Arial" panose="020B0604020202020204" pitchFamily="34" charset="0"/>
+              <a:buChar char="•"/>
+            </a:pPr>
+            <a:r>
+              <a:rPr lang="en-GB" sz="1200" b="0" i="0" dirty="0">
+                <a:solidFill>
+                  <a:srgbClr val="393D3E"/>
+                </a:solidFill>
+                <a:effectLst/>
+                <a:latin typeface="Roboto" panose="020F0502020204030204" pitchFamily="34" charset="0"/>
+              </a:rPr>
+              <a:t>Describe the purpose of the analysis, </a:t>
+            </a:r>
+          </a:p>
+          <a:p>
+            <a:pPr marL="285750" indent="-285750" algn="l">
+              <a:buFont typeface="Arial" panose="020B0604020202020204" pitchFamily="34" charset="0"/>
+              <a:buChar char="•"/>
+            </a:pPr>
+            <a:r>
+              <a:rPr lang="en-GB" sz="1200" dirty="0">
+                <a:solidFill>
+                  <a:srgbClr val="393D3E"/>
+                </a:solidFill>
+                <a:latin typeface="Roboto" panose="020F0502020204030204" pitchFamily="34" charset="0"/>
+              </a:rPr>
+              <a:t>I</a:t>
+            </a:r>
+            <a:r>
+              <a:rPr lang="en-GB" sz="1200" b="0" i="0" dirty="0">
+                <a:solidFill>
+                  <a:srgbClr val="393D3E"/>
+                </a:solidFill>
+                <a:effectLst/>
+                <a:latin typeface="Roboto" panose="020F0502020204030204" pitchFamily="34" charset="0"/>
+              </a:rPr>
+              <a:t>ncluding the business question and the intended audience. </a:t>
+            </a:r>
+          </a:p>
+          <a:p>
+            <a:pPr marL="285750" indent="-285750" algn="l">
+              <a:buFont typeface="Arial" panose="020B0604020202020204" pitchFamily="34" charset="0"/>
+              <a:buChar char="•"/>
+            </a:pPr>
+            <a:r>
+              <a:rPr lang="en-GB" sz="1200" b="0" i="0" dirty="0">
+                <a:solidFill>
+                  <a:srgbClr val="393D3E"/>
+                </a:solidFill>
+                <a:effectLst/>
+                <a:latin typeface="Roboto" panose="020F0502020204030204" pitchFamily="34" charset="0"/>
+              </a:rPr>
+              <a:t>Present as though you’re speaking directly to the client in your chosen scenario.</a:t>
+            </a:r>
+          </a:p>
+          <a:p>
+            <a:endParaRPr lang="en-US" dirty="0"/>
+          </a:p>
+        </p:txBody>
+      </p:sp>
+      <p:sp>
+        <p:nvSpPr>
+          <p:cNvPr id="4" name="Slide Number Placeholder 3"/>
+          <p:cNvSpPr>
+            <a:spLocks noGrp="1"/>
+          </p:cNvSpPr>
+          <p:nvPr>
+            <p:ph type="sldNum" sz="quarter" idx="5"/>
+          </p:nvPr>
+        </p:nvSpPr>
+        <p:spPr/>
+        <p:txBody>
+          <a:bodyPr/>
+          <a:lstStyle/>
+          <a:p>
+            <a:fld id="{B57C497C-76FB-B04B-93C0-592769D52C3E}" type="slidenum">
+              <a:rPr lang="en-US" smtClean="0"/>
+              <a:t>1</a:t>
+            </a:fld>
+            <a:endParaRPr lang="en-US"/>
+          </a:p>
+        </p:txBody>
+      </p:sp>
+    </p:spTree>
+    <p:extLst>
+      <p:ext uri="{BB962C8B-B14F-4D97-AF65-F5344CB8AC3E}">
+        <p14:creationId xmlns:p14="http://schemas.microsoft.com/office/powerpoint/2010/main" val="108352426"/>
+      </p:ext>
+    </p:extLst>
+  </p:cSld>
+  <p:clrMapOvr>
+    <a:masterClrMapping/>
+  </p:clrMapOvr>
+</p:notes>
+</file>
+
+<file path=ppt/notesSlides/notesSlide2.xml><?xml version="1.0" encoding="utf-8"?>
+<p:notes xmlns:a="http://schemas.openxmlformats.org/drawingml/2006/main" xmlns:r="http://schemas.openxmlformats.org/officeDocument/2006/relationships" xmlns:p="http://schemas.openxmlformats.org/presentationml/2006/main">
+  <p:cSld>
+    <p:spTree>
+      <p:nvGrpSpPr>
+        <p:cNvPr id="1" name=""/>
+        <p:cNvGrpSpPr/>
+        <p:nvPr/>
+      </p:nvGrpSpPr>
+      <p:grpSpPr>
+        <a:xfrm>
+          <a:off x="0" y="0"/>
+          <a:ext cx="0" cy="0"/>
+          <a:chOff x="0" y="0"/>
+          <a:chExt cx="0" cy="0"/>
+        </a:xfrm>
+      </p:grpSpPr>
+      <p:sp>
+        <p:nvSpPr>
+          <p:cNvPr id="2" name="Slide Image Placeholder 1"/>
+          <p:cNvSpPr>
+            <a:spLocks noGrp="1" noRot="1" noChangeAspect="1"/>
+          </p:cNvSpPr>
+          <p:nvPr>
+            <p:ph type="sldImg"/>
+          </p:nvPr>
+        </p:nvSpPr>
+        <p:spPr/>
+      </p:sp>
+      <p:sp>
+        <p:nvSpPr>
+          <p:cNvPr id="3" name="Notes Placeholder 2"/>
+          <p:cNvSpPr>
+            <a:spLocks noGrp="1"/>
+          </p:cNvSpPr>
+          <p:nvPr>
+            <p:ph type="body" idx="1"/>
+          </p:nvPr>
+        </p:nvSpPr>
+        <p:spPr/>
+        <p:txBody>
+          <a:bodyPr/>
+          <a:lstStyle/>
+          <a:p>
+            <a:pPr marL="285750" indent="-285750" algn="l">
+              <a:buFont typeface="Arial" panose="020B0604020202020204" pitchFamily="34" charset="0"/>
+              <a:buChar char="•"/>
+            </a:pPr>
+            <a:r>
+              <a:rPr lang="en-GB" sz="1200" b="0" i="0" dirty="0">
+                <a:solidFill>
+                  <a:srgbClr val="393D3E"/>
+                </a:solidFill>
+                <a:effectLst/>
+                <a:latin typeface="Roboto" panose="020F0502020204030204" pitchFamily="34" charset="0"/>
+              </a:rPr>
+              <a:t>Describe the purpose of the analysis, </a:t>
+            </a:r>
+          </a:p>
+          <a:p>
+            <a:pPr marL="285750" indent="-285750" algn="l">
+              <a:buFont typeface="Arial" panose="020B0604020202020204" pitchFamily="34" charset="0"/>
+              <a:buChar char="•"/>
+            </a:pPr>
+            <a:r>
+              <a:rPr lang="en-GB" sz="1200" dirty="0">
+                <a:solidFill>
+                  <a:srgbClr val="393D3E"/>
+                </a:solidFill>
+                <a:latin typeface="Roboto" panose="020F0502020204030204" pitchFamily="34" charset="0"/>
+              </a:rPr>
+              <a:t>I</a:t>
+            </a:r>
+            <a:r>
+              <a:rPr lang="en-GB" sz="1200" b="0" i="0" dirty="0">
+                <a:solidFill>
+                  <a:srgbClr val="393D3E"/>
+                </a:solidFill>
+                <a:effectLst/>
+                <a:latin typeface="Roboto" panose="020F0502020204030204" pitchFamily="34" charset="0"/>
+              </a:rPr>
+              <a:t>ncluding the business question and the intended audience. </a:t>
+            </a:r>
+          </a:p>
+          <a:p>
+            <a:pPr marL="285750" indent="-285750" algn="l">
+              <a:buFont typeface="Arial" panose="020B0604020202020204" pitchFamily="34" charset="0"/>
+              <a:buChar char="•"/>
+            </a:pPr>
+            <a:r>
+              <a:rPr lang="en-GB" sz="1200" b="0" i="0" dirty="0">
+                <a:solidFill>
+                  <a:srgbClr val="393D3E"/>
+                </a:solidFill>
+                <a:effectLst/>
+                <a:latin typeface="Roboto" panose="020F0502020204030204" pitchFamily="34" charset="0"/>
+              </a:rPr>
+              <a:t>Present as though you’re speaking directly to the client in your chosen scenario.</a:t>
+            </a:r>
+          </a:p>
+          <a:p>
+            <a:endParaRPr lang="en-US" dirty="0"/>
+          </a:p>
+        </p:txBody>
+      </p:sp>
+      <p:sp>
+        <p:nvSpPr>
+          <p:cNvPr id="4" name="Slide Number Placeholder 3"/>
+          <p:cNvSpPr>
+            <a:spLocks noGrp="1"/>
+          </p:cNvSpPr>
+          <p:nvPr>
+            <p:ph type="sldNum" sz="quarter" idx="5"/>
+          </p:nvPr>
+        </p:nvSpPr>
+        <p:spPr/>
+        <p:txBody>
+          <a:bodyPr/>
+          <a:lstStyle/>
+          <a:p>
+            <a:fld id="{B57C497C-76FB-B04B-93C0-592769D52C3E}" type="slidenum">
+              <a:rPr lang="en-US" smtClean="0"/>
+              <a:t>2</a:t>
+            </a:fld>
+            <a:endParaRPr lang="en-US"/>
+          </a:p>
+        </p:txBody>
+      </p:sp>
+    </p:spTree>
+    <p:extLst>
+      <p:ext uri="{BB962C8B-B14F-4D97-AF65-F5344CB8AC3E}">
+        <p14:creationId xmlns:p14="http://schemas.microsoft.com/office/powerpoint/2010/main" val="1209126722"/>
+      </p:ext>
+    </p:extLst>
+  </p:cSld>
+  <p:clrMapOvr>
+    <a:masterClrMapping/>
+  </p:clrMapOvr>
+</p:notes>
+</file>
+
+<file path=ppt/notesSlides/notesSlide3.xml><?xml version="1.0" encoding="utf-8"?>
+<p:notes xmlns:a="http://schemas.openxmlformats.org/drawingml/2006/main" xmlns:r="http://schemas.openxmlformats.org/officeDocument/2006/relationships" xmlns:p="http://schemas.openxmlformats.org/presentationml/2006/main">
+  <p:cSld>
+    <p:spTree>
+      <p:nvGrpSpPr>
+        <p:cNvPr id="1" name=""/>
+        <p:cNvGrpSpPr/>
+        <p:nvPr/>
+      </p:nvGrpSpPr>
+      <p:grpSpPr>
+        <a:xfrm>
+          <a:off x="0" y="0"/>
+          <a:ext cx="0" cy="0"/>
+          <a:chOff x="0" y="0"/>
+          <a:chExt cx="0" cy="0"/>
+        </a:xfrm>
+      </p:grpSpPr>
+      <p:sp>
+        <p:nvSpPr>
+          <p:cNvPr id="2" name="Slide Image Placeholder 1"/>
+          <p:cNvSpPr>
+            <a:spLocks noGrp="1" noRot="1" noChangeAspect="1"/>
+          </p:cNvSpPr>
+          <p:nvPr>
+            <p:ph type="sldImg"/>
+          </p:nvPr>
+        </p:nvSpPr>
+        <p:spPr/>
+      </p:sp>
+      <p:sp>
+        <p:nvSpPr>
+          <p:cNvPr id="3" name="Notes Placeholder 2"/>
+          <p:cNvSpPr>
+            <a:spLocks noGrp="1"/>
+          </p:cNvSpPr>
+          <p:nvPr>
+            <p:ph type="body" idx="1"/>
+          </p:nvPr>
+        </p:nvSpPr>
+        <p:spPr/>
+        <p:txBody>
+          <a:bodyPr/>
+          <a:lstStyle/>
+          <a:p>
+            <a:pPr marL="285750" indent="-285750" algn="l">
+              <a:buFont typeface="Arial" panose="020B0604020202020204" pitchFamily="34" charset="0"/>
+              <a:buChar char="•"/>
+            </a:pPr>
+            <a:r>
+              <a:rPr lang="en-GB" sz="1200" b="0" i="0" dirty="0">
+                <a:solidFill>
+                  <a:srgbClr val="393D3E"/>
+                </a:solidFill>
+                <a:effectLst/>
+                <a:latin typeface="Roboto" panose="020F0502020204030204" pitchFamily="34" charset="0"/>
+              </a:rPr>
+              <a:t>Describe the purpose of the analysis, </a:t>
+            </a:r>
+          </a:p>
+          <a:p>
+            <a:pPr marL="285750" indent="-285750" algn="l">
+              <a:buFont typeface="Arial" panose="020B0604020202020204" pitchFamily="34" charset="0"/>
+              <a:buChar char="•"/>
+            </a:pPr>
+            <a:r>
+              <a:rPr lang="en-GB" sz="1200" dirty="0">
+                <a:solidFill>
+                  <a:srgbClr val="393D3E"/>
+                </a:solidFill>
+                <a:latin typeface="Roboto" panose="020F0502020204030204" pitchFamily="34" charset="0"/>
+              </a:rPr>
+              <a:t>I</a:t>
+            </a:r>
+            <a:r>
+              <a:rPr lang="en-GB" sz="1200" b="0" i="0" dirty="0">
+                <a:solidFill>
+                  <a:srgbClr val="393D3E"/>
+                </a:solidFill>
+                <a:effectLst/>
+                <a:latin typeface="Roboto" panose="020F0502020204030204" pitchFamily="34" charset="0"/>
+              </a:rPr>
+              <a:t>ncluding the business question and the intended audience. </a:t>
+            </a:r>
+          </a:p>
+          <a:p>
+            <a:pPr marL="285750" indent="-285750" algn="l">
+              <a:buFont typeface="Arial" panose="020B0604020202020204" pitchFamily="34" charset="0"/>
+              <a:buChar char="•"/>
+            </a:pPr>
+            <a:r>
+              <a:rPr lang="en-GB" sz="1200" b="0" i="0" dirty="0">
+                <a:solidFill>
+                  <a:srgbClr val="393D3E"/>
+                </a:solidFill>
+                <a:effectLst/>
+                <a:latin typeface="Roboto" panose="020F0502020204030204" pitchFamily="34" charset="0"/>
+              </a:rPr>
+              <a:t>Present as though you’re speaking directly to the client in your chosen scenario.</a:t>
+            </a:r>
+          </a:p>
+          <a:p>
+            <a:endParaRPr lang="en-US" dirty="0"/>
+          </a:p>
+        </p:txBody>
+      </p:sp>
+      <p:sp>
+        <p:nvSpPr>
+          <p:cNvPr id="4" name="Slide Number Placeholder 3"/>
+          <p:cNvSpPr>
+            <a:spLocks noGrp="1"/>
+          </p:cNvSpPr>
+          <p:nvPr>
+            <p:ph type="sldNum" sz="quarter" idx="5"/>
+          </p:nvPr>
+        </p:nvSpPr>
+        <p:spPr/>
+        <p:txBody>
+          <a:bodyPr/>
+          <a:lstStyle/>
+          <a:p>
+            <a:fld id="{B57C497C-76FB-B04B-93C0-592769D52C3E}" type="slidenum">
+              <a:rPr lang="en-US" smtClean="0"/>
+              <a:t>3</a:t>
+            </a:fld>
+            <a:endParaRPr lang="en-US"/>
+          </a:p>
+        </p:txBody>
+      </p:sp>
+    </p:spTree>
+    <p:extLst>
+      <p:ext uri="{BB962C8B-B14F-4D97-AF65-F5344CB8AC3E}">
+        <p14:creationId xmlns:p14="http://schemas.microsoft.com/office/powerpoint/2010/main" val="2959875356"/>
+      </p:ext>
+    </p:extLst>
+  </p:cSld>
+  <p:clrMapOvr>
+    <a:masterClrMapping/>
+  </p:clrMapOvr>
+</p:notes>
+</file>
+
+<file path=ppt/notesSlides/notesSlide4.xml><?xml version="1.0" encoding="utf-8"?>
+<p:notes xmlns:a="http://schemas.openxmlformats.org/drawingml/2006/main" xmlns:r="http://schemas.openxmlformats.org/officeDocument/2006/relationships" xmlns:p="http://schemas.openxmlformats.org/presentationml/2006/main">
+  <p:cSld>
+    <p:spTree>
+      <p:nvGrpSpPr>
+        <p:cNvPr id="1" name=""/>
+        <p:cNvGrpSpPr/>
+        <p:nvPr/>
+      </p:nvGrpSpPr>
+      <p:grpSpPr>
+        <a:xfrm>
+          <a:off x="0" y="0"/>
+          <a:ext cx="0" cy="0"/>
+          <a:chOff x="0" y="0"/>
+          <a:chExt cx="0" cy="0"/>
+        </a:xfrm>
+      </p:grpSpPr>
+      <p:sp>
+        <p:nvSpPr>
+          <p:cNvPr id="2" name="Slide Image Placeholder 1"/>
+          <p:cNvSpPr>
+            <a:spLocks noGrp="1" noRot="1" noChangeAspect="1"/>
+          </p:cNvSpPr>
+          <p:nvPr>
+            <p:ph type="sldImg"/>
+          </p:nvPr>
+        </p:nvSpPr>
+        <p:spPr/>
+      </p:sp>
+      <p:sp>
+        <p:nvSpPr>
+          <p:cNvPr id="3" name="Notes Placeholder 2"/>
+          <p:cNvSpPr>
+            <a:spLocks noGrp="1"/>
+          </p:cNvSpPr>
+          <p:nvPr>
+            <p:ph type="body" idx="1"/>
+          </p:nvPr>
+        </p:nvSpPr>
+        <p:spPr/>
+        <p:txBody>
+          <a:bodyPr/>
+          <a:lstStyle/>
+          <a:p>
+            <a:pPr marL="285750" indent="-285750" algn="l">
+              <a:buFont typeface="Arial" panose="020B0604020202020204" pitchFamily="34" charset="0"/>
+              <a:buChar char="•"/>
+            </a:pPr>
+            <a:r>
+              <a:rPr lang="en-GB" sz="1200" b="0" i="0" dirty="0">
+                <a:solidFill>
+                  <a:srgbClr val="393D3E"/>
+                </a:solidFill>
+                <a:effectLst/>
+                <a:latin typeface="Roboto" panose="020F0502020204030204" pitchFamily="34" charset="0"/>
+              </a:rPr>
+              <a:t>Describe the purpose of the analysis, </a:t>
+            </a:r>
+          </a:p>
+          <a:p>
+            <a:pPr marL="285750" indent="-285750" algn="l">
+              <a:buFont typeface="Arial" panose="020B0604020202020204" pitchFamily="34" charset="0"/>
+              <a:buChar char="•"/>
+            </a:pPr>
+            <a:r>
+              <a:rPr lang="en-GB" sz="1200" dirty="0">
+                <a:solidFill>
+                  <a:srgbClr val="393D3E"/>
+                </a:solidFill>
+                <a:latin typeface="Roboto" panose="020F0502020204030204" pitchFamily="34" charset="0"/>
+              </a:rPr>
+              <a:t>I</a:t>
+            </a:r>
+            <a:r>
+              <a:rPr lang="en-GB" sz="1200" b="0" i="0" dirty="0">
+                <a:solidFill>
+                  <a:srgbClr val="393D3E"/>
+                </a:solidFill>
+                <a:effectLst/>
+                <a:latin typeface="Roboto" panose="020F0502020204030204" pitchFamily="34" charset="0"/>
+              </a:rPr>
+              <a:t>ncluding the business question and the intended audience. </a:t>
+            </a:r>
+          </a:p>
+          <a:p>
+            <a:pPr marL="285750" indent="-285750" algn="l">
+              <a:buFont typeface="Arial" panose="020B0604020202020204" pitchFamily="34" charset="0"/>
+              <a:buChar char="•"/>
+            </a:pPr>
+            <a:r>
+              <a:rPr lang="en-GB" sz="1200" b="0" i="0" dirty="0">
+                <a:solidFill>
+                  <a:srgbClr val="393D3E"/>
+                </a:solidFill>
+                <a:effectLst/>
+                <a:latin typeface="Roboto" panose="020F0502020204030204" pitchFamily="34" charset="0"/>
+              </a:rPr>
+              <a:t>Present as though you’re speaking directly to the client in your chosen scenario.</a:t>
+            </a:r>
+          </a:p>
+          <a:p>
+            <a:endParaRPr lang="en-US" dirty="0"/>
+          </a:p>
+        </p:txBody>
+      </p:sp>
+      <p:sp>
+        <p:nvSpPr>
+          <p:cNvPr id="4" name="Slide Number Placeholder 3"/>
+          <p:cNvSpPr>
+            <a:spLocks noGrp="1"/>
+          </p:cNvSpPr>
+          <p:nvPr>
+            <p:ph type="sldNum" sz="quarter" idx="5"/>
+          </p:nvPr>
+        </p:nvSpPr>
+        <p:spPr/>
+        <p:txBody>
+          <a:bodyPr/>
+          <a:lstStyle/>
+          <a:p>
+            <a:fld id="{B57C497C-76FB-B04B-93C0-592769D52C3E}" type="slidenum">
+              <a:rPr lang="en-US" smtClean="0"/>
+              <a:t>4</a:t>
+            </a:fld>
+            <a:endParaRPr lang="en-US"/>
+          </a:p>
+        </p:txBody>
+      </p:sp>
+    </p:spTree>
+    <p:extLst>
+      <p:ext uri="{BB962C8B-B14F-4D97-AF65-F5344CB8AC3E}">
+        <p14:creationId xmlns:p14="http://schemas.microsoft.com/office/powerpoint/2010/main" val="2632113468"/>
+      </p:ext>
+    </p:extLst>
+  </p:cSld>
+  <p:clrMapOvr>
+    <a:masterClrMapping/>
+  </p:clrMapOvr>
+</p:notes>
+</file>
+
+<file path=ppt/notesSlides/notesSlide5.xml><?xml version="1.0" encoding="utf-8"?>
+<p:notes xmlns:a="http://schemas.openxmlformats.org/drawingml/2006/main" xmlns:r="http://schemas.openxmlformats.org/officeDocument/2006/relationships" xmlns:p="http://schemas.openxmlformats.org/presentationml/2006/main">
+  <p:cSld>
+    <p:spTree>
+      <p:nvGrpSpPr>
+        <p:cNvPr id="1" name=""/>
+        <p:cNvGrpSpPr/>
+        <p:nvPr/>
+      </p:nvGrpSpPr>
+      <p:grpSpPr>
+        <a:xfrm>
+          <a:off x="0" y="0"/>
+          <a:ext cx="0" cy="0"/>
+          <a:chOff x="0" y="0"/>
+          <a:chExt cx="0" cy="0"/>
+        </a:xfrm>
+      </p:grpSpPr>
+      <p:sp>
+        <p:nvSpPr>
+          <p:cNvPr id="2" name="Slide Image Placeholder 1"/>
+          <p:cNvSpPr>
+            <a:spLocks noGrp="1" noRot="1" noChangeAspect="1"/>
+          </p:cNvSpPr>
+          <p:nvPr>
+            <p:ph type="sldImg"/>
+          </p:nvPr>
+        </p:nvSpPr>
+        <p:spPr/>
+      </p:sp>
+      <p:sp>
+        <p:nvSpPr>
+          <p:cNvPr id="3" name="Notes Placeholder 2"/>
+          <p:cNvSpPr>
+            <a:spLocks noGrp="1"/>
+          </p:cNvSpPr>
+          <p:nvPr>
+            <p:ph type="body" idx="1"/>
+          </p:nvPr>
+        </p:nvSpPr>
+        <p:spPr/>
+        <p:txBody>
+          <a:bodyPr/>
+          <a:lstStyle/>
+          <a:p>
+            <a:pPr marL="285750" indent="-285750" algn="l">
+              <a:buFont typeface="Arial" panose="020B0604020202020204" pitchFamily="34" charset="0"/>
+              <a:buChar char="•"/>
+            </a:pPr>
+            <a:r>
+              <a:rPr lang="en-GB" sz="1200" b="0" i="0" dirty="0">
+                <a:solidFill>
+                  <a:srgbClr val="393D3E"/>
+                </a:solidFill>
+                <a:effectLst/>
+                <a:latin typeface="Roboto" panose="020F0502020204030204" pitchFamily="34" charset="0"/>
+              </a:rPr>
+              <a:t>Describe the purpose of the analysis, </a:t>
+            </a:r>
+          </a:p>
+          <a:p>
+            <a:pPr marL="285750" indent="-285750" algn="l">
+              <a:buFont typeface="Arial" panose="020B0604020202020204" pitchFamily="34" charset="0"/>
+              <a:buChar char="•"/>
+            </a:pPr>
+            <a:r>
+              <a:rPr lang="en-GB" sz="1200" dirty="0">
+                <a:solidFill>
+                  <a:srgbClr val="393D3E"/>
+                </a:solidFill>
+                <a:latin typeface="Roboto" panose="020F0502020204030204" pitchFamily="34" charset="0"/>
+              </a:rPr>
+              <a:t>I</a:t>
+            </a:r>
+            <a:r>
+              <a:rPr lang="en-GB" sz="1200" b="0" i="0" dirty="0">
+                <a:solidFill>
+                  <a:srgbClr val="393D3E"/>
+                </a:solidFill>
+                <a:effectLst/>
+                <a:latin typeface="Roboto" panose="020F0502020204030204" pitchFamily="34" charset="0"/>
+              </a:rPr>
+              <a:t>ncluding the business question and the intended audience. </a:t>
+            </a:r>
+          </a:p>
+          <a:p>
+            <a:pPr marL="285750" indent="-285750" algn="l">
+              <a:buFont typeface="Arial" panose="020B0604020202020204" pitchFamily="34" charset="0"/>
+              <a:buChar char="•"/>
+            </a:pPr>
+            <a:r>
+              <a:rPr lang="en-GB" sz="1200" b="0" i="0" dirty="0">
+                <a:solidFill>
+                  <a:srgbClr val="393D3E"/>
+                </a:solidFill>
+                <a:effectLst/>
+                <a:latin typeface="Roboto" panose="020F0502020204030204" pitchFamily="34" charset="0"/>
+              </a:rPr>
+              <a:t>Present as though you’re speaking directly to the client in your chosen scenario.</a:t>
+            </a:r>
+          </a:p>
+          <a:p>
+            <a:endParaRPr lang="en-US" dirty="0"/>
+          </a:p>
+        </p:txBody>
+      </p:sp>
+      <p:sp>
+        <p:nvSpPr>
+          <p:cNvPr id="4" name="Slide Number Placeholder 3"/>
+          <p:cNvSpPr>
+            <a:spLocks noGrp="1"/>
+          </p:cNvSpPr>
+          <p:nvPr>
+            <p:ph type="sldNum" sz="quarter" idx="5"/>
+          </p:nvPr>
+        </p:nvSpPr>
+        <p:spPr/>
+        <p:txBody>
+          <a:bodyPr/>
+          <a:lstStyle/>
+          <a:p>
+            <a:fld id="{B57C497C-76FB-B04B-93C0-592769D52C3E}" type="slidenum">
+              <a:rPr lang="en-US" smtClean="0"/>
+              <a:t>5</a:t>
+            </a:fld>
+            <a:endParaRPr lang="en-US"/>
+          </a:p>
+        </p:txBody>
+      </p:sp>
+    </p:spTree>
+    <p:extLst>
+      <p:ext uri="{BB962C8B-B14F-4D97-AF65-F5344CB8AC3E}">
+        <p14:creationId xmlns:p14="http://schemas.microsoft.com/office/powerpoint/2010/main" val="1392343978"/>
+      </p:ext>
+    </p:extLst>
+  </p:cSld>
+  <p:clrMapOvr>
+    <a:masterClrMapping/>
+  </p:clrMapOvr>
+</p:notes>
+</file>
+
+<file path=ppt/notesSlides/notesSlide6.xml><?xml version="1.0" encoding="utf-8"?>
+<p:notes xmlns:a="http://schemas.openxmlformats.org/drawingml/2006/main" xmlns:r="http://schemas.openxmlformats.org/officeDocument/2006/relationships" xmlns:p="http://schemas.openxmlformats.org/presentationml/2006/main">
+  <p:cSld>
+    <p:spTree>
+      <p:nvGrpSpPr>
+        <p:cNvPr id="1" name=""/>
+        <p:cNvGrpSpPr/>
+        <p:nvPr/>
+      </p:nvGrpSpPr>
+      <p:grpSpPr>
+        <a:xfrm>
+          <a:off x="0" y="0"/>
+          <a:ext cx="0" cy="0"/>
+          <a:chOff x="0" y="0"/>
+          <a:chExt cx="0" cy="0"/>
+        </a:xfrm>
+      </p:grpSpPr>
+      <p:sp>
+        <p:nvSpPr>
+          <p:cNvPr id="2" name="Slide Image Placeholder 1"/>
+          <p:cNvSpPr>
+            <a:spLocks noGrp="1" noRot="1" noChangeAspect="1"/>
+          </p:cNvSpPr>
+          <p:nvPr>
+            <p:ph type="sldImg"/>
+          </p:nvPr>
+        </p:nvSpPr>
+        <p:spPr/>
+      </p:sp>
+      <p:sp>
+        <p:nvSpPr>
+          <p:cNvPr id="3" name="Notes Placeholder 2"/>
+          <p:cNvSpPr>
+            <a:spLocks noGrp="1"/>
+          </p:cNvSpPr>
+          <p:nvPr>
+            <p:ph type="body" idx="1"/>
+          </p:nvPr>
+        </p:nvSpPr>
+        <p:spPr/>
+        <p:txBody>
+          <a:bodyPr/>
+          <a:lstStyle/>
+          <a:p>
+            <a:pPr marL="285750" indent="-285750" algn="l">
+              <a:buFont typeface="Arial" panose="020B0604020202020204" pitchFamily="34" charset="0"/>
+              <a:buChar char="•"/>
+            </a:pPr>
+            <a:r>
+              <a:rPr lang="en-GB" sz="1200" b="0" i="0" dirty="0">
+                <a:solidFill>
+                  <a:srgbClr val="393D3E"/>
+                </a:solidFill>
+                <a:effectLst/>
+                <a:latin typeface="Roboto" panose="020F0502020204030204" pitchFamily="34" charset="0"/>
+              </a:rPr>
+              <a:t>Describe the purpose of the analysis, </a:t>
+            </a:r>
+          </a:p>
+          <a:p>
+            <a:pPr marL="285750" indent="-285750" algn="l">
+              <a:buFont typeface="Arial" panose="020B0604020202020204" pitchFamily="34" charset="0"/>
+              <a:buChar char="•"/>
+            </a:pPr>
+            <a:r>
+              <a:rPr lang="en-GB" sz="1200" dirty="0">
+                <a:solidFill>
+                  <a:srgbClr val="393D3E"/>
+                </a:solidFill>
+                <a:latin typeface="Roboto" panose="020F0502020204030204" pitchFamily="34" charset="0"/>
+              </a:rPr>
+              <a:t>I</a:t>
+            </a:r>
+            <a:r>
+              <a:rPr lang="en-GB" sz="1200" b="0" i="0" dirty="0">
+                <a:solidFill>
+                  <a:srgbClr val="393D3E"/>
+                </a:solidFill>
+                <a:effectLst/>
+                <a:latin typeface="Roboto" panose="020F0502020204030204" pitchFamily="34" charset="0"/>
+              </a:rPr>
+              <a:t>ncluding the business question and the intended audience. </a:t>
+            </a:r>
+          </a:p>
+          <a:p>
+            <a:pPr marL="285750" indent="-285750" algn="l">
+              <a:buFont typeface="Arial" panose="020B0604020202020204" pitchFamily="34" charset="0"/>
+              <a:buChar char="•"/>
+            </a:pPr>
+            <a:r>
+              <a:rPr lang="en-GB" sz="1200" b="0" i="0" dirty="0">
+                <a:solidFill>
+                  <a:srgbClr val="393D3E"/>
+                </a:solidFill>
+                <a:effectLst/>
+                <a:latin typeface="Roboto" panose="020F0502020204030204" pitchFamily="34" charset="0"/>
+              </a:rPr>
+              <a:t>Present as though you’re speaking directly to the client in your chosen scenario.</a:t>
+            </a:r>
+          </a:p>
+          <a:p>
+            <a:endParaRPr lang="en-US" dirty="0"/>
+          </a:p>
+        </p:txBody>
+      </p:sp>
+      <p:sp>
+        <p:nvSpPr>
+          <p:cNvPr id="4" name="Slide Number Placeholder 3"/>
+          <p:cNvSpPr>
+            <a:spLocks noGrp="1"/>
+          </p:cNvSpPr>
+          <p:nvPr>
+            <p:ph type="sldNum" sz="quarter" idx="5"/>
+          </p:nvPr>
+        </p:nvSpPr>
+        <p:spPr/>
+        <p:txBody>
+          <a:bodyPr/>
+          <a:lstStyle/>
+          <a:p>
+            <a:fld id="{B57C497C-76FB-B04B-93C0-592769D52C3E}" type="slidenum">
+              <a:rPr lang="en-US" smtClean="0"/>
+              <a:t>6</a:t>
+            </a:fld>
+            <a:endParaRPr lang="en-US"/>
+          </a:p>
+        </p:txBody>
+      </p:sp>
+    </p:spTree>
+    <p:extLst>
+      <p:ext uri="{BB962C8B-B14F-4D97-AF65-F5344CB8AC3E}">
+        <p14:creationId xmlns:p14="http://schemas.microsoft.com/office/powerpoint/2010/main" val="2200710989"/>
+      </p:ext>
+    </p:extLst>
+  </p:cSld>
+  <p:clrMapOvr>
+    <a:masterClrMapping/>
+  </p:clrMapOvr>
+</p:notes>
+</file>
+
+<file path=ppt/notesSlides/notesSlide7.xml><?xml version="1.0" encoding="utf-8"?>
+<p:notes xmlns:a="http://schemas.openxmlformats.org/drawingml/2006/main" xmlns:r="http://schemas.openxmlformats.org/officeDocument/2006/relationships" xmlns:p="http://schemas.openxmlformats.org/presentationml/2006/main">
+  <p:cSld>
+    <p:spTree>
+      <p:nvGrpSpPr>
+        <p:cNvPr id="1" name=""/>
+        <p:cNvGrpSpPr/>
+        <p:nvPr/>
+      </p:nvGrpSpPr>
+      <p:grpSpPr>
+        <a:xfrm>
+          <a:off x="0" y="0"/>
+          <a:ext cx="0" cy="0"/>
+          <a:chOff x="0" y="0"/>
+          <a:chExt cx="0" cy="0"/>
+        </a:xfrm>
+      </p:grpSpPr>
+      <p:sp>
+        <p:nvSpPr>
+          <p:cNvPr id="2" name="Slide Image Placeholder 1"/>
+          <p:cNvSpPr>
+            <a:spLocks noGrp="1" noRot="1" noChangeAspect="1"/>
+          </p:cNvSpPr>
+          <p:nvPr>
+            <p:ph type="sldImg"/>
+          </p:nvPr>
+        </p:nvSpPr>
+        <p:spPr/>
+      </p:sp>
+      <p:sp>
+        <p:nvSpPr>
+          <p:cNvPr id="3" name="Notes Placeholder 2"/>
+          <p:cNvSpPr>
+            <a:spLocks noGrp="1"/>
+          </p:cNvSpPr>
+          <p:nvPr>
+            <p:ph type="body" idx="1"/>
+          </p:nvPr>
+        </p:nvSpPr>
+        <p:spPr/>
+        <p:txBody>
+          <a:bodyPr/>
+          <a:lstStyle/>
+          <a:p>
+            <a:pPr marL="285750" indent="-285750" algn="l">
+              <a:buFont typeface="Arial" panose="020B0604020202020204" pitchFamily="34" charset="0"/>
+              <a:buChar char="•"/>
+            </a:pPr>
+            <a:r>
+              <a:rPr lang="en-GB" sz="1200" b="0" i="0" dirty="0">
+                <a:solidFill>
+                  <a:srgbClr val="393D3E"/>
+                </a:solidFill>
+                <a:effectLst/>
+                <a:latin typeface="Roboto" panose="020F0502020204030204" pitchFamily="34" charset="0"/>
+              </a:rPr>
+              <a:t>Describe the purpose of the analysis, </a:t>
+            </a:r>
+          </a:p>
+          <a:p>
+            <a:pPr marL="285750" indent="-285750" algn="l">
+              <a:buFont typeface="Arial" panose="020B0604020202020204" pitchFamily="34" charset="0"/>
+              <a:buChar char="•"/>
+            </a:pPr>
+            <a:r>
+              <a:rPr lang="en-GB" sz="1200" dirty="0">
+                <a:solidFill>
+                  <a:srgbClr val="393D3E"/>
+                </a:solidFill>
+                <a:latin typeface="Roboto" panose="020F0502020204030204" pitchFamily="34" charset="0"/>
+              </a:rPr>
+              <a:t>I</a:t>
+            </a:r>
+            <a:r>
+              <a:rPr lang="en-GB" sz="1200" b="0" i="0" dirty="0">
+                <a:solidFill>
+                  <a:srgbClr val="393D3E"/>
+                </a:solidFill>
+                <a:effectLst/>
+                <a:latin typeface="Roboto" panose="020F0502020204030204" pitchFamily="34" charset="0"/>
+              </a:rPr>
+              <a:t>ncluding the business question and the intended audience. </a:t>
+            </a:r>
+          </a:p>
+          <a:p>
+            <a:pPr marL="285750" indent="-285750" algn="l">
+              <a:buFont typeface="Arial" panose="020B0604020202020204" pitchFamily="34" charset="0"/>
+              <a:buChar char="•"/>
+            </a:pPr>
+            <a:r>
+              <a:rPr lang="en-GB" sz="1200" b="0" i="0" dirty="0">
+                <a:solidFill>
+                  <a:srgbClr val="393D3E"/>
+                </a:solidFill>
+                <a:effectLst/>
+                <a:latin typeface="Roboto" panose="020F0502020204030204" pitchFamily="34" charset="0"/>
+              </a:rPr>
+              <a:t>Present as though you’re speaking directly to the client in your chosen scenario.</a:t>
+            </a:r>
+          </a:p>
+          <a:p>
+            <a:endParaRPr lang="en-US" dirty="0"/>
+          </a:p>
+        </p:txBody>
+      </p:sp>
+      <p:sp>
+        <p:nvSpPr>
+          <p:cNvPr id="4" name="Slide Number Placeholder 3"/>
+          <p:cNvSpPr>
+            <a:spLocks noGrp="1"/>
+          </p:cNvSpPr>
+          <p:nvPr>
+            <p:ph type="sldNum" sz="quarter" idx="5"/>
+          </p:nvPr>
+        </p:nvSpPr>
+        <p:spPr/>
+        <p:txBody>
+          <a:bodyPr/>
+          <a:lstStyle/>
+          <a:p>
+            <a:fld id="{B57C497C-76FB-B04B-93C0-592769D52C3E}" type="slidenum">
+              <a:rPr lang="en-US" smtClean="0"/>
+              <a:t>7</a:t>
+            </a:fld>
+            <a:endParaRPr lang="en-US"/>
+          </a:p>
+        </p:txBody>
+      </p:sp>
+    </p:spTree>
+    <p:extLst>
+      <p:ext uri="{BB962C8B-B14F-4D97-AF65-F5344CB8AC3E}">
+        <p14:creationId xmlns:p14="http://schemas.microsoft.com/office/powerpoint/2010/main" val="1656356179"/>
+      </p:ext>
+    </p:extLst>
+  </p:cSld>
+  <p:clrMapOvr>
+    <a:masterClrMapping/>
+  </p:clrMapOvr>
+</p:notes>
+</file>
+
+<file path=ppt/notesSlides/notesSlide8.xml><?xml version="1.0" encoding="utf-8"?>
+<p:notes xmlns:a="http://schemas.openxmlformats.org/drawingml/2006/main" xmlns:r="http://schemas.openxmlformats.org/officeDocument/2006/relationships" xmlns:p="http://schemas.openxmlformats.org/presentationml/2006/main">
+  <p:cSld>
+    <p:spTree>
+      <p:nvGrpSpPr>
+        <p:cNvPr id="1" name=""/>
+        <p:cNvGrpSpPr/>
+        <p:nvPr/>
+      </p:nvGrpSpPr>
+      <p:grpSpPr>
+        <a:xfrm>
+          <a:off x="0" y="0"/>
+          <a:ext cx="0" cy="0"/>
+          <a:chOff x="0" y="0"/>
+          <a:chExt cx="0" cy="0"/>
+        </a:xfrm>
+      </p:grpSpPr>
+      <p:sp>
+        <p:nvSpPr>
+          <p:cNvPr id="2" name="Slide Image Placeholder 1"/>
+          <p:cNvSpPr>
+            <a:spLocks noGrp="1" noRot="1" noChangeAspect="1"/>
+          </p:cNvSpPr>
+          <p:nvPr>
+            <p:ph type="sldImg"/>
+          </p:nvPr>
+        </p:nvSpPr>
+        <p:spPr/>
+      </p:sp>
+      <p:sp>
+        <p:nvSpPr>
+          <p:cNvPr id="3" name="Notes Placeholder 2"/>
+          <p:cNvSpPr>
+            <a:spLocks noGrp="1"/>
+          </p:cNvSpPr>
+          <p:nvPr>
+            <p:ph type="body" idx="1"/>
+          </p:nvPr>
+        </p:nvSpPr>
+        <p:spPr/>
+        <p:txBody>
+          <a:bodyPr/>
+          <a:lstStyle/>
+          <a:p>
+            <a:pPr marL="285750" indent="-285750" algn="l">
+              <a:buFont typeface="Arial" panose="020B0604020202020204" pitchFamily="34" charset="0"/>
+              <a:buChar char="•"/>
+            </a:pPr>
+            <a:r>
+              <a:rPr lang="en-GB" sz="1200" b="0" i="0" dirty="0">
+                <a:solidFill>
+                  <a:srgbClr val="393D3E"/>
+                </a:solidFill>
+                <a:effectLst/>
+                <a:latin typeface="Roboto" panose="020F0502020204030204" pitchFamily="34" charset="0"/>
+              </a:rPr>
+              <a:t>Describe the purpose of the analysis, </a:t>
+            </a:r>
+          </a:p>
+          <a:p>
+            <a:pPr marL="285750" indent="-285750" algn="l">
+              <a:buFont typeface="Arial" panose="020B0604020202020204" pitchFamily="34" charset="0"/>
+              <a:buChar char="•"/>
+            </a:pPr>
+            <a:r>
+              <a:rPr lang="en-GB" sz="1200" dirty="0">
+                <a:solidFill>
+                  <a:srgbClr val="393D3E"/>
+                </a:solidFill>
+                <a:latin typeface="Roboto" panose="020F0502020204030204" pitchFamily="34" charset="0"/>
+              </a:rPr>
+              <a:t>I</a:t>
+            </a:r>
+            <a:r>
+              <a:rPr lang="en-GB" sz="1200" b="0" i="0" dirty="0">
+                <a:solidFill>
+                  <a:srgbClr val="393D3E"/>
+                </a:solidFill>
+                <a:effectLst/>
+                <a:latin typeface="Roboto" panose="020F0502020204030204" pitchFamily="34" charset="0"/>
+              </a:rPr>
+              <a:t>ncluding the business question and the intended audience. </a:t>
+            </a:r>
+          </a:p>
+          <a:p>
+            <a:pPr marL="285750" indent="-285750" algn="l">
+              <a:buFont typeface="Arial" panose="020B0604020202020204" pitchFamily="34" charset="0"/>
+              <a:buChar char="•"/>
+            </a:pPr>
+            <a:r>
+              <a:rPr lang="en-GB" sz="1200" b="0" i="0" dirty="0">
+                <a:solidFill>
+                  <a:srgbClr val="393D3E"/>
+                </a:solidFill>
+                <a:effectLst/>
+                <a:latin typeface="Roboto" panose="020F0502020204030204" pitchFamily="34" charset="0"/>
+              </a:rPr>
+              <a:t>Present as though you’re speaking directly to the client in your chosen scenario.</a:t>
+            </a:r>
+          </a:p>
+          <a:p>
+            <a:endParaRPr lang="en-US" dirty="0"/>
+          </a:p>
+        </p:txBody>
+      </p:sp>
+      <p:sp>
+        <p:nvSpPr>
+          <p:cNvPr id="4" name="Slide Number Placeholder 3"/>
+          <p:cNvSpPr>
+            <a:spLocks noGrp="1"/>
+          </p:cNvSpPr>
+          <p:nvPr>
+            <p:ph type="sldNum" sz="quarter" idx="5"/>
+          </p:nvPr>
+        </p:nvSpPr>
+        <p:spPr/>
+        <p:txBody>
+          <a:bodyPr/>
+          <a:lstStyle/>
+          <a:p>
+            <a:fld id="{B57C497C-76FB-B04B-93C0-592769D52C3E}" type="slidenum">
+              <a:rPr lang="en-US" smtClean="0"/>
+              <a:t>9</a:t>
+            </a:fld>
+            <a:endParaRPr lang="en-US"/>
+          </a:p>
+        </p:txBody>
+      </p:sp>
+    </p:spTree>
+    <p:extLst>
+      <p:ext uri="{BB962C8B-B14F-4D97-AF65-F5344CB8AC3E}">
+        <p14:creationId xmlns:p14="http://schemas.microsoft.com/office/powerpoint/2010/main" val="877768049"/>
+      </p:ext>
+    </p:extLst>
+  </p:cSld>
+  <p:clrMapOvr>
+    <a:masterClrMapping/>
+  </p:clrMapOvr>
+</p:notes>
 </file>
 
 <file path=ppt/slideLayouts/slideLayout1.xml><?xml version="1.0" encoding="utf-8"?>
@@ -3348,6 +4836,600 @@
       </p:grpSpPr>
       <p:sp>
         <p:nvSpPr>
+          <p:cNvPr id="2" name="Rectangle 1">
+            <a:extLst>
+              <a:ext uri="{FF2B5EF4-FFF2-40B4-BE49-F238E27FC236}">
+                <a16:creationId xmlns:a16="http://schemas.microsoft.com/office/drawing/2014/main" id="{6F6FE05F-656B-A9A1-45C7-43B8843F5F20}"/>
+              </a:ext>
+            </a:extLst>
+          </p:cNvPr>
+          <p:cNvSpPr/>
+          <p:nvPr/>
+        </p:nvSpPr>
+        <p:spPr>
+          <a:xfrm>
+            <a:off x="622300" y="1384300"/>
+            <a:ext cx="10896600" cy="5143500"/>
+          </a:xfrm>
+          <a:prstGeom prst="rect">
+            <a:avLst/>
+          </a:prstGeom>
+          <a:solidFill>
+            <a:schemeClr val="bg1">
+              <a:lumMod val="95000"/>
+            </a:schemeClr>
+          </a:solidFill>
+          <a:ln>
+            <a:noFill/>
+          </a:ln>
+        </p:spPr>
+        <p:style>
+          <a:lnRef idx="2">
+            <a:schemeClr val="accent1">
+              <a:shade val="50000"/>
+            </a:schemeClr>
+          </a:lnRef>
+          <a:fillRef idx="1">
+            <a:schemeClr val="accent1"/>
+          </a:fillRef>
+          <a:effectRef idx="0">
+            <a:schemeClr val="accent1"/>
+          </a:effectRef>
+          <a:fontRef idx="minor">
+            <a:schemeClr val="lt1"/>
+          </a:fontRef>
+        </p:style>
+        <p:txBody>
+          <a:bodyPr rtlCol="0" anchor="t"/>
+          <a:lstStyle/>
+          <a:p>
+            <a:r>
+              <a:rPr lang="en-GB" sz="1800" b="1" dirty="0">
+                <a:solidFill>
+                  <a:srgbClr val="FF0000"/>
+                </a:solidFill>
+                <a:effectLst/>
+                <a:latin typeface="Helvetica" pitchFamily="2" charset="0"/>
+                <a:ea typeface="Calibri" panose="020F0502020204030204" pitchFamily="34" charset="0"/>
+                <a:cs typeface="Times New Roman" panose="02020603050405020304" pitchFamily="18" charset="0"/>
+              </a:rPr>
+              <a:t>London School of Economics</a:t>
+            </a:r>
+            <a:endParaRPr lang="en-GB" sz="1800" dirty="0">
+              <a:solidFill>
+                <a:srgbClr val="FF0000"/>
+              </a:solidFill>
+              <a:effectLst/>
+              <a:latin typeface="Helvetica" pitchFamily="2" charset="0"/>
+              <a:ea typeface="Calibri" panose="020F0502020204030204" pitchFamily="34" charset="0"/>
+              <a:cs typeface="Times New Roman" panose="02020603050405020304" pitchFamily="18" charset="0"/>
+            </a:endParaRPr>
+          </a:p>
+          <a:p>
+            <a:r>
+              <a:rPr lang="en-GB" sz="1800" b="1" u="sng" dirty="0">
+                <a:solidFill>
+                  <a:schemeClr val="tx1"/>
+                </a:solidFill>
+                <a:effectLst/>
+                <a:latin typeface="Helvetica" pitchFamily="2" charset="0"/>
+                <a:ea typeface="Calibri" panose="020F0502020204030204" pitchFamily="34" charset="0"/>
+                <a:cs typeface="Times New Roman" panose="02020603050405020304" pitchFamily="18" charset="0"/>
+              </a:rPr>
+              <a:t>Data Analytics Accelerator Programme – Summer Cohort CO3</a:t>
+            </a:r>
+            <a:endParaRPr lang="en-GB" sz="1800" dirty="0">
+              <a:solidFill>
+                <a:schemeClr val="tx1"/>
+              </a:solidFill>
+              <a:effectLst/>
+              <a:latin typeface="Helvetica" pitchFamily="2" charset="0"/>
+              <a:ea typeface="Calibri" panose="020F0502020204030204" pitchFamily="34" charset="0"/>
+              <a:cs typeface="Times New Roman" panose="02020603050405020304" pitchFamily="18" charset="0"/>
+            </a:endParaRPr>
+          </a:p>
+          <a:p>
+            <a:r>
+              <a:rPr lang="en-GB" sz="1800" b="1" dirty="0">
+                <a:solidFill>
+                  <a:schemeClr val="tx1"/>
+                </a:solidFill>
+                <a:effectLst/>
+                <a:latin typeface="Helvetica" pitchFamily="2" charset="0"/>
+                <a:ea typeface="Calibri" panose="020F0502020204030204" pitchFamily="34" charset="0"/>
+                <a:cs typeface="Times New Roman" panose="02020603050405020304" pitchFamily="18" charset="0"/>
+              </a:rPr>
+              <a:t>Course:</a:t>
+            </a:r>
+            <a:r>
+              <a:rPr lang="en-GB" sz="1800" dirty="0">
+                <a:solidFill>
+                  <a:schemeClr val="tx1"/>
+                </a:solidFill>
+                <a:effectLst/>
+                <a:latin typeface="Helvetica" pitchFamily="2" charset="0"/>
+                <a:ea typeface="Calibri" panose="020F0502020204030204" pitchFamily="34" charset="0"/>
+                <a:cs typeface="Times New Roman" panose="02020603050405020304" pitchFamily="18" charset="0"/>
+              </a:rPr>
+              <a:t> 	CO4 </a:t>
+            </a:r>
+            <a:r>
+              <a:rPr lang="en-GB" dirty="0">
+                <a:solidFill>
+                  <a:schemeClr val="tx1"/>
+                </a:solidFill>
+                <a:latin typeface="Helvetica" pitchFamily="2" charset="0"/>
+                <a:ea typeface="Calibri" panose="020F0502020204030204" pitchFamily="34" charset="0"/>
+                <a:cs typeface="Times New Roman" panose="02020603050405020304" pitchFamily="18" charset="0"/>
+              </a:rPr>
+              <a:t>LSE </a:t>
+            </a:r>
+            <a:r>
+              <a:rPr lang="en-GB" sz="1800" dirty="0">
+                <a:solidFill>
+                  <a:schemeClr val="tx1"/>
+                </a:solidFill>
+                <a:effectLst/>
+                <a:latin typeface="Helvetica" pitchFamily="2" charset="0"/>
+                <a:ea typeface="Calibri" panose="020F0502020204030204" pitchFamily="34" charset="0"/>
+                <a:cs typeface="Times New Roman" panose="02020603050405020304" pitchFamily="18" charset="0"/>
+              </a:rPr>
+              <a:t>Employer Project</a:t>
+            </a:r>
+          </a:p>
+          <a:p>
+            <a:r>
+              <a:rPr lang="en-GB" sz="1800" b="1" dirty="0">
+                <a:solidFill>
+                  <a:schemeClr val="tx1"/>
+                </a:solidFill>
+                <a:effectLst/>
+                <a:latin typeface="Helvetica" pitchFamily="2" charset="0"/>
+                <a:ea typeface="Calibri" panose="020F0502020204030204" pitchFamily="34" charset="0"/>
+                <a:cs typeface="Times New Roman" panose="02020603050405020304" pitchFamily="18" charset="0"/>
+              </a:rPr>
+              <a:t>Assignment: 	</a:t>
+            </a:r>
+            <a:r>
+              <a:rPr lang="en-GB" sz="1800" dirty="0">
+                <a:solidFill>
+                  <a:schemeClr val="tx1"/>
+                </a:solidFill>
+                <a:effectLst/>
+                <a:latin typeface="Helvetica" pitchFamily="2" charset="0"/>
+                <a:ea typeface="Calibri" panose="020F0502020204030204" pitchFamily="34" charset="0"/>
+                <a:cs typeface="Times New Roman" panose="02020603050405020304" pitchFamily="18" charset="0"/>
+              </a:rPr>
+              <a:t>Low-fi recommendation pitch</a:t>
+            </a:r>
+          </a:p>
+          <a:p>
+            <a:r>
+              <a:rPr lang="en-GB" sz="1800" b="1" dirty="0">
+                <a:solidFill>
+                  <a:schemeClr val="tx1"/>
+                </a:solidFill>
+                <a:effectLst/>
+                <a:latin typeface="Helvetica" pitchFamily="2" charset="0"/>
+                <a:ea typeface="Calibri" panose="020F0502020204030204" pitchFamily="34" charset="0"/>
+                <a:cs typeface="Times New Roman" panose="02020603050405020304" pitchFamily="18" charset="0"/>
+              </a:rPr>
+              <a:t>Prepared by: 	</a:t>
+            </a:r>
+            <a:r>
+              <a:rPr lang="en-GB" sz="1800" dirty="0">
+                <a:solidFill>
+                  <a:schemeClr val="tx1"/>
+                </a:solidFill>
+                <a:effectLst/>
+                <a:latin typeface="Helvetica" pitchFamily="2" charset="0"/>
+                <a:ea typeface="Calibri" panose="020F0502020204030204" pitchFamily="34" charset="0"/>
+                <a:cs typeface="Times New Roman" panose="02020603050405020304" pitchFamily="18" charset="0"/>
+              </a:rPr>
+              <a:t>Team A</a:t>
+            </a:r>
+            <a:endParaRPr lang="en-GB" b="1" dirty="0">
+              <a:solidFill>
+                <a:schemeClr val="tx1"/>
+              </a:solidFill>
+              <a:latin typeface="Helvetica" pitchFamily="2" charset="0"/>
+              <a:cs typeface="Times New Roman" panose="02020603050405020304" pitchFamily="18" charset="0"/>
+            </a:endParaRPr>
+          </a:p>
+          <a:p>
+            <a:r>
+              <a:rPr lang="en-GB" b="1" dirty="0">
+                <a:solidFill>
+                  <a:schemeClr val="tx1"/>
+                </a:solidFill>
+                <a:latin typeface="Helvetica" pitchFamily="2" charset="0"/>
+                <a:ea typeface="Calibri" panose="020F0502020204030204" pitchFamily="34" charset="0"/>
+                <a:cs typeface="Times New Roman" panose="02020603050405020304" pitchFamily="18" charset="0"/>
+              </a:rPr>
+              <a:t>Prepared for: </a:t>
+            </a:r>
+            <a:r>
+              <a:rPr lang="en-GB" dirty="0">
+                <a:solidFill>
+                  <a:schemeClr val="tx1"/>
+                </a:solidFill>
+                <a:latin typeface="Helvetica" pitchFamily="2" charset="0"/>
+                <a:ea typeface="Calibri" panose="020F0502020204030204" pitchFamily="34" charset="0"/>
+                <a:cs typeface="Times New Roman" panose="02020603050405020304" pitchFamily="18" charset="0"/>
+              </a:rPr>
+              <a:t>	</a:t>
+            </a:r>
+            <a:r>
+              <a:rPr lang="en-GB" dirty="0" err="1">
+                <a:solidFill>
+                  <a:schemeClr val="tx1"/>
+                </a:solidFill>
+                <a:latin typeface="Helvetica" pitchFamily="2" charset="0"/>
+                <a:ea typeface="Calibri" panose="020F0502020204030204" pitchFamily="34" charset="0"/>
+                <a:cs typeface="Times New Roman" panose="02020603050405020304" pitchFamily="18" charset="0"/>
+              </a:rPr>
+              <a:t>Thoughtworks</a:t>
+            </a:r>
+            <a:endParaRPr lang="en-GB" sz="1800" dirty="0">
+              <a:solidFill>
+                <a:schemeClr val="tx1"/>
+              </a:solidFill>
+              <a:effectLst/>
+              <a:latin typeface="Helvetica" pitchFamily="2" charset="0"/>
+              <a:ea typeface="Calibri" panose="020F0502020204030204" pitchFamily="34" charset="0"/>
+              <a:cs typeface="Times New Roman" panose="02020603050405020304" pitchFamily="18" charset="0"/>
+            </a:endParaRPr>
+          </a:p>
+          <a:p>
+            <a:r>
+              <a:rPr lang="en-GB" sz="1800" b="1" dirty="0">
+                <a:solidFill>
+                  <a:schemeClr val="tx1"/>
+                </a:solidFill>
+                <a:effectLst/>
+                <a:latin typeface="Helvetica" pitchFamily="2" charset="0"/>
+                <a:ea typeface="Calibri" panose="020F0502020204030204" pitchFamily="34" charset="0"/>
+                <a:cs typeface="Times New Roman" panose="02020603050405020304" pitchFamily="18" charset="0"/>
+              </a:rPr>
+              <a:t>Date:</a:t>
+            </a:r>
+            <a:r>
+              <a:rPr lang="en-GB" sz="1800" dirty="0">
+                <a:solidFill>
+                  <a:schemeClr val="tx1"/>
+                </a:solidFill>
+                <a:effectLst/>
+                <a:latin typeface="Helvetica" pitchFamily="2" charset="0"/>
+                <a:ea typeface="Calibri" panose="020F0502020204030204" pitchFamily="34" charset="0"/>
+                <a:cs typeface="Times New Roman" panose="02020603050405020304" pitchFamily="18" charset="0"/>
+              </a:rPr>
+              <a:t> 		13 February 2023</a:t>
+            </a:r>
+          </a:p>
+        </p:txBody>
+      </p:sp>
+      <p:sp>
+        <p:nvSpPr>
+          <p:cNvPr id="3" name="Rectangle 2">
+            <a:extLst>
+              <a:ext uri="{FF2B5EF4-FFF2-40B4-BE49-F238E27FC236}">
+                <a16:creationId xmlns:a16="http://schemas.microsoft.com/office/drawing/2014/main" id="{042EE00F-7B79-37C4-4E37-9C785884F00F}"/>
+              </a:ext>
+            </a:extLst>
+          </p:cNvPr>
+          <p:cNvSpPr/>
+          <p:nvPr/>
+        </p:nvSpPr>
+        <p:spPr>
+          <a:xfrm>
+            <a:off x="622300" y="330200"/>
+            <a:ext cx="10896600" cy="914400"/>
+          </a:xfrm>
+          <a:prstGeom prst="rect">
+            <a:avLst/>
+          </a:prstGeom>
+          <a:solidFill>
+            <a:schemeClr val="bg1">
+              <a:lumMod val="95000"/>
+            </a:schemeClr>
+          </a:solidFill>
+          <a:ln>
+            <a:noFill/>
+          </a:ln>
+        </p:spPr>
+        <p:style>
+          <a:lnRef idx="2">
+            <a:schemeClr val="accent1">
+              <a:shade val="50000"/>
+            </a:schemeClr>
+          </a:lnRef>
+          <a:fillRef idx="1">
+            <a:schemeClr val="accent1"/>
+          </a:fillRef>
+          <a:effectRef idx="0">
+            <a:schemeClr val="accent1"/>
+          </a:effectRef>
+          <a:fontRef idx="minor">
+            <a:schemeClr val="lt1"/>
+          </a:fontRef>
+        </p:style>
+        <p:txBody>
+          <a:bodyPr rtlCol="0" anchor="ctr"/>
+          <a:lstStyle/>
+          <a:p>
+            <a:pPr algn="ctr"/>
+            <a:r>
+              <a:rPr lang="en-US" b="1" dirty="0">
+                <a:solidFill>
+                  <a:schemeClr val="tx1"/>
+                </a:solidFill>
+                <a:latin typeface="Helvetica" pitchFamily="2" charset="0"/>
+                <a:cs typeface="Times New Roman" panose="02020603050405020304" pitchFamily="18" charset="0"/>
+              </a:rPr>
+              <a:t>Introduction, who we are and who we are presenting to</a:t>
+            </a:r>
+          </a:p>
+        </p:txBody>
+      </p:sp>
+      <p:pic>
+        <p:nvPicPr>
+          <p:cNvPr id="5" name="Picture 4">
+            <a:extLst>
+              <a:ext uri="{FF2B5EF4-FFF2-40B4-BE49-F238E27FC236}">
+                <a16:creationId xmlns:a16="http://schemas.microsoft.com/office/drawing/2014/main" id="{1F2F78AD-B68A-1CBD-7C84-5DAF25D640C7}"/>
+              </a:ext>
+            </a:extLst>
+          </p:cNvPr>
+          <p:cNvPicPr>
+            <a:picLocks noChangeAspect="1"/>
+          </p:cNvPicPr>
+          <p:nvPr/>
+        </p:nvPicPr>
+        <p:blipFill>
+          <a:blip r:embed="rId3">
+            <a:extLst>
+              <a:ext uri="{28A0092B-C50C-407E-A947-70E740481C1C}">
+                <a14:useLocalDpi xmlns:a14="http://schemas.microsoft.com/office/drawing/2010/main" val="0"/>
+              </a:ext>
+            </a:extLst>
+          </a:blip>
+          <a:stretch>
+            <a:fillRect/>
+          </a:stretch>
+        </p:blipFill>
+        <p:spPr>
+          <a:xfrm>
+            <a:off x="10231755" y="601345"/>
+            <a:ext cx="1058545" cy="372110"/>
+          </a:xfrm>
+          <a:prstGeom prst="rect">
+            <a:avLst/>
+          </a:prstGeom>
+        </p:spPr>
+      </p:pic>
+      <p:sp>
+        <p:nvSpPr>
+          <p:cNvPr id="7" name="Round Same-side Corner of Rectangle 6">
+            <a:extLst>
+              <a:ext uri="{FF2B5EF4-FFF2-40B4-BE49-F238E27FC236}">
+                <a16:creationId xmlns:a16="http://schemas.microsoft.com/office/drawing/2014/main" id="{8BE8FF13-042D-D531-8A88-7552E80C58CA}"/>
+              </a:ext>
+            </a:extLst>
+          </p:cNvPr>
+          <p:cNvSpPr/>
+          <p:nvPr/>
+        </p:nvSpPr>
+        <p:spPr>
+          <a:xfrm rot="10800000" flipV="1">
+            <a:off x="4394200" y="3429000"/>
+            <a:ext cx="3632200" cy="1905000"/>
+          </a:xfrm>
+          <a:prstGeom prst="round2SameRect">
+            <a:avLst/>
+          </a:prstGeom>
+          <a:solidFill>
+            <a:schemeClr val="bg1"/>
+          </a:solidFill>
+          <a:ln>
+            <a:noFill/>
+          </a:ln>
+        </p:spPr>
+        <p:style>
+          <a:lnRef idx="2">
+            <a:schemeClr val="accent1">
+              <a:shade val="50000"/>
+            </a:schemeClr>
+          </a:lnRef>
+          <a:fillRef idx="1">
+            <a:schemeClr val="accent1"/>
+          </a:fillRef>
+          <a:effectRef idx="0">
+            <a:schemeClr val="accent1"/>
+          </a:effectRef>
+          <a:fontRef idx="minor">
+            <a:schemeClr val="lt1"/>
+          </a:fontRef>
+        </p:style>
+        <p:txBody>
+          <a:bodyPr rtlCol="0" anchor="ctr"/>
+          <a:lstStyle/>
+          <a:p>
+            <a:pPr algn="ctr"/>
+            <a:r>
+              <a:rPr lang="en-US" dirty="0">
+                <a:solidFill>
+                  <a:schemeClr val="tx1"/>
+                </a:solidFill>
+                <a:latin typeface="Helvetica" pitchFamily="2" charset="0"/>
+                <a:cs typeface="Times New Roman" panose="02020603050405020304" pitchFamily="18" charset="0"/>
+              </a:rPr>
+              <a:t>Oksana</a:t>
+            </a:r>
+          </a:p>
+          <a:p>
+            <a:pPr algn="ctr"/>
+            <a:r>
+              <a:rPr lang="en-US" dirty="0">
+                <a:solidFill>
+                  <a:schemeClr val="tx1"/>
+                </a:solidFill>
+                <a:latin typeface="Helvetica" pitchFamily="2" charset="0"/>
+                <a:cs typeface="Times New Roman" panose="02020603050405020304" pitchFamily="18" charset="0"/>
+              </a:rPr>
+              <a:t>Irina</a:t>
+            </a:r>
+          </a:p>
+          <a:p>
+            <a:pPr algn="ctr"/>
+            <a:r>
+              <a:rPr lang="en-US" dirty="0">
+                <a:solidFill>
+                  <a:schemeClr val="tx1"/>
+                </a:solidFill>
+                <a:latin typeface="Helvetica" pitchFamily="2" charset="0"/>
+                <a:cs typeface="Times New Roman" panose="02020603050405020304" pitchFamily="18" charset="0"/>
+              </a:rPr>
+              <a:t>Dom</a:t>
+            </a:r>
+          </a:p>
+          <a:p>
+            <a:pPr algn="ctr"/>
+            <a:r>
+              <a:rPr lang="en-US" dirty="0">
+                <a:solidFill>
+                  <a:schemeClr val="tx1"/>
+                </a:solidFill>
+                <a:latin typeface="Helvetica" pitchFamily="2" charset="0"/>
+                <a:cs typeface="Times New Roman" panose="02020603050405020304" pitchFamily="18" charset="0"/>
+              </a:rPr>
+              <a:t>Shin</a:t>
+            </a:r>
+          </a:p>
+          <a:p>
+            <a:pPr algn="ctr"/>
+            <a:r>
+              <a:rPr lang="en-US" dirty="0">
+                <a:solidFill>
+                  <a:schemeClr val="tx1"/>
+                </a:solidFill>
+                <a:latin typeface="Helvetica" pitchFamily="2" charset="0"/>
+                <a:cs typeface="Times New Roman" panose="02020603050405020304" pitchFamily="18" charset="0"/>
+              </a:rPr>
+              <a:t>Yash</a:t>
+            </a:r>
+          </a:p>
+          <a:p>
+            <a:pPr algn="ctr"/>
+            <a:r>
+              <a:rPr lang="en-US" dirty="0">
+                <a:solidFill>
+                  <a:schemeClr val="tx1"/>
+                </a:solidFill>
+                <a:latin typeface="Helvetica" pitchFamily="2" charset="0"/>
+                <a:cs typeface="Times New Roman" panose="02020603050405020304" pitchFamily="18" charset="0"/>
+              </a:rPr>
+              <a:t>Christos</a:t>
+            </a:r>
+          </a:p>
+        </p:txBody>
+      </p:sp>
+      <p:sp>
+        <p:nvSpPr>
+          <p:cNvPr id="8" name="Rounded Rectangle 7">
+            <a:extLst>
+              <a:ext uri="{FF2B5EF4-FFF2-40B4-BE49-F238E27FC236}">
+                <a16:creationId xmlns:a16="http://schemas.microsoft.com/office/drawing/2014/main" id="{0E25169F-3763-58F7-5C0D-9CDCFC5A2560}"/>
+              </a:ext>
+            </a:extLst>
+          </p:cNvPr>
+          <p:cNvSpPr/>
+          <p:nvPr/>
+        </p:nvSpPr>
+        <p:spPr>
+          <a:xfrm>
+            <a:off x="4394199" y="5452745"/>
+            <a:ext cx="3632201" cy="478155"/>
+          </a:xfrm>
+          <a:prstGeom prst="roundRect">
+            <a:avLst>
+              <a:gd name="adj" fmla="val 0"/>
+            </a:avLst>
+          </a:prstGeom>
+          <a:solidFill>
+            <a:schemeClr val="bg1">
+              <a:lumMod val="65000"/>
+              <a:alpha val="41089"/>
+            </a:schemeClr>
+          </a:solidFill>
+          <a:ln>
+            <a:noFill/>
+          </a:ln>
+        </p:spPr>
+        <p:style>
+          <a:lnRef idx="2">
+            <a:schemeClr val="accent1">
+              <a:shade val="50000"/>
+            </a:schemeClr>
+          </a:lnRef>
+          <a:fillRef idx="1">
+            <a:schemeClr val="accent1"/>
+          </a:fillRef>
+          <a:effectRef idx="0">
+            <a:schemeClr val="accent1"/>
+          </a:effectRef>
+          <a:fontRef idx="minor">
+            <a:schemeClr val="lt1"/>
+          </a:fontRef>
+        </p:style>
+        <p:txBody>
+          <a:bodyPr rtlCol="0" anchor="ctr"/>
+          <a:lstStyle/>
+          <a:p>
+            <a:pPr algn="ctr"/>
+            <a:r>
+              <a:rPr lang="en-US" sz="1600" b="1" dirty="0">
+                <a:solidFill>
+                  <a:schemeClr val="tx1"/>
+                </a:solidFill>
+                <a:latin typeface="Helvetica" pitchFamily="2" charset="0"/>
+              </a:rPr>
+              <a:t>Team A</a:t>
+            </a:r>
+          </a:p>
+        </p:txBody>
+      </p:sp>
+    </p:spTree>
+    <p:extLst>
+      <p:ext uri="{BB962C8B-B14F-4D97-AF65-F5344CB8AC3E}">
+        <p14:creationId xmlns:p14="http://schemas.microsoft.com/office/powerpoint/2010/main" val="1217119408"/>
+      </p:ext>
+    </p:extLst>
+  </p:cSld>
+  <p:clrMapOvr>
+    <a:masterClrMapping/>
+  </p:clrMapOvr>
+</p:sld>
+</file>
+
+<file path=ppt/slides/slide10.xml><?xml version="1.0" encoding="utf-8"?>
+<p:sld xmlns:a="http://schemas.openxmlformats.org/drawingml/2006/main" xmlns:r="http://schemas.openxmlformats.org/officeDocument/2006/relationships" xmlns:p="http://schemas.openxmlformats.org/presentationml/2006/main">
+  <p:cSld>
+    <p:spTree>
+      <p:nvGrpSpPr>
+        <p:cNvPr id="1" name=""/>
+        <p:cNvGrpSpPr/>
+        <p:nvPr/>
+      </p:nvGrpSpPr>
+      <p:grpSpPr>
+        <a:xfrm>
+          <a:off x="0" y="0"/>
+          <a:ext cx="0" cy="0"/>
+          <a:chOff x="0" y="0"/>
+          <a:chExt cx="0" cy="0"/>
+        </a:xfrm>
+      </p:grpSpPr>
+      <p:sp>
+        <p:nvSpPr>
           <p:cNvPr id="4" name="TextBox 3">
             <a:extLst>
               <a:ext uri="{FF2B5EF4-FFF2-40B4-BE49-F238E27FC236}">
@@ -3361,7 +5443,7 @@
         <p:spPr>
           <a:xfrm>
             <a:off x="1182028" y="1115123"/>
-            <a:ext cx="10326030" cy="5078313"/>
+            <a:ext cx="10326030" cy="4524315"/>
           </a:xfrm>
           <a:prstGeom prst="rect">
             <a:avLst/>
@@ -3374,10 +5456,7 @@
           </a:bodyPr>
           <a:lstStyle/>
           <a:p>
-            <a:pPr marL="342900" indent="-342900" algn="l">
-              <a:buFont typeface="+mj-lt"/>
-              <a:buAutoNum type="arabicPeriod"/>
-            </a:pPr>
+            <a:pPr algn="l"/>
             <a:r>
               <a:rPr lang="en-GB" b="1" i="0" dirty="0">
                 <a:solidFill>
@@ -3386,7 +5465,7 @@
                 <a:effectLst/>
                 <a:latin typeface="Roboto" panose="020F0502020204030204" pitchFamily="34" charset="0"/>
               </a:rPr>
-              <a:t>Background or context (1 minute) </a:t>
+              <a:t>2. Summary of the data analysis and visualisation approach (~3 minutes)</a:t>
             </a:r>
             <a:endParaRPr lang="en-GB" b="1" dirty="0">
               <a:solidFill>
@@ -3408,7 +5487,7 @@
                 <a:effectLst/>
                 <a:latin typeface="Roboto" panose="020F0502020204030204" pitchFamily="34" charset="0"/>
               </a:rPr>
-              <a:t>Describe the purpose of the analysis, </a:t>
+              <a:t>Walk through the approach you took as a team. </a:t>
             </a:r>
           </a:p>
           <a:p>
@@ -3417,23 +5496,14 @@
               <a:buChar char="•"/>
             </a:pPr>
             <a:r>
-              <a:rPr lang="en-GB" dirty="0">
+              <a:rPr lang="en-GB" b="0" i="0" dirty="0">
                 <a:solidFill>
                   <a:srgbClr val="393D3E"/>
                 </a:solidFill>
+                <a:effectLst/>
                 <a:latin typeface="Roboto" panose="020F0502020204030204" pitchFamily="34" charset="0"/>
               </a:rPr>
-              <a:t>I</a:t>
-            </a:r>
-            <a:r>
-              <a:rPr lang="en-GB" b="0" i="0" dirty="0">
-                <a:solidFill>
-                  <a:srgbClr val="393D3E"/>
-                </a:solidFill>
-                <a:effectLst/>
-                <a:latin typeface="Roboto" panose="020F0502020204030204" pitchFamily="34" charset="0"/>
-              </a:rPr>
-              <a:t>ncluding the business question and the intended audience. </a:t>
+              <a:t>Consider what the audience may need to know in terms of the data presented. </a:t>
             </a:r>
           </a:p>
           <a:p>
@@ -3449,7 +5519,7 @@
                 <a:effectLst/>
                 <a:latin typeface="Roboto" panose="020F0502020204030204" pitchFamily="34" charset="0"/>
               </a:rPr>
-              <a:t>Present as though you’re speaking directly to the client in your chosen scenario.</a:t>
+              <a:t>Describe any decisions you made about the visualisations.</a:t>
             </a:r>
           </a:p>
           <a:p>
@@ -3460,73 +5530,6 @@
               </a:solidFill>
               <a:latin typeface="Roboto" panose="020F0502020204030204" pitchFamily="34" charset="0"/>
             </a:endParaRPr>
-          </a:p>
-          <a:p>
-            <a:pPr algn="l"/>
-            <a:r>
-              <a:rPr lang="en-GB" b="1" i="0" dirty="0">
-                <a:solidFill>
-                  <a:srgbClr val="393D3E"/>
-                </a:solidFill>
-                <a:effectLst/>
-                <a:latin typeface="Roboto" panose="020F0502020204030204" pitchFamily="34" charset="0"/>
-              </a:rPr>
-              <a:t>2. Summary of the data analysis and visualisation approach (~3 minutes)</a:t>
-            </a:r>
-            <a:endParaRPr lang="en-GB" b="1" dirty="0">
-              <a:solidFill>
-                <a:srgbClr val="393D3E"/>
-              </a:solidFill>
-              <a:latin typeface="Roboto" panose="020F0502020204030204" pitchFamily="34" charset="0"/>
-            </a:endParaRPr>
-          </a:p>
-          <a:p>
-            <a:pPr marL="285750" indent="-285750" algn="l">
-              <a:buFont typeface="Arial" panose="020B0604020202020204" pitchFamily="34" charset="0"/>
-              <a:buChar char="•"/>
-            </a:pPr>
-            <a:r>
-              <a:rPr lang="en-GB" b="0" i="0" dirty="0">
-                <a:solidFill>
-                  <a:srgbClr val="393D3E"/>
-                </a:solidFill>
-                <a:effectLst/>
-                <a:latin typeface="Roboto" panose="020F0502020204030204" pitchFamily="34" charset="0"/>
-              </a:rPr>
-              <a:t>Walk through the approach you took as a team. </a:t>
-            </a:r>
-          </a:p>
-          <a:p>
-            <a:pPr marL="285750" indent="-285750" algn="l">
-              <a:buFont typeface="Arial" panose="020B0604020202020204" pitchFamily="34" charset="0"/>
-              <a:buChar char="•"/>
-            </a:pPr>
-            <a:r>
-              <a:rPr lang="en-GB" b="0" i="0" dirty="0">
-                <a:solidFill>
-                  <a:srgbClr val="393D3E"/>
-                </a:solidFill>
-                <a:effectLst/>
-                <a:latin typeface="Roboto" panose="020F0502020204030204" pitchFamily="34" charset="0"/>
-              </a:rPr>
-              <a:t>Consider what the audience may need to know in terms of the data presented. </a:t>
-            </a:r>
-          </a:p>
-          <a:p>
-            <a:pPr marL="285750" indent="-285750" algn="l">
-              <a:buFont typeface="Arial" panose="020B0604020202020204" pitchFamily="34" charset="0"/>
-              <a:buChar char="•"/>
-            </a:pPr>
-            <a:r>
-              <a:rPr lang="en-GB" b="0" i="0" dirty="0">
-                <a:solidFill>
-                  <a:srgbClr val="393D3E"/>
-                </a:solidFill>
-                <a:effectLst/>
-                <a:latin typeface="Roboto" panose="020F0502020204030204" pitchFamily="34" charset="0"/>
-              </a:rPr>
-              <a:t>Describe any decisions you made about the visualisations.</a:t>
-            </a:r>
           </a:p>
           <a:p>
             <a:pPr algn="l"/>
@@ -3541,25 +5544,18 @@
           <a:p>
             <a:pPr algn="l"/>
             <a:r>
-              <a:rPr lang="en-GB" b="1" dirty="0">
+              <a:rPr lang="en-GB" dirty="0">
                 <a:solidFill>
                   <a:srgbClr val="393D3E"/>
                 </a:solidFill>
                 <a:latin typeface="Roboto" panose="020F0502020204030204" pitchFamily="34" charset="0"/>
               </a:rPr>
-              <a:t>3. </a:t>
-            </a:r>
-            <a:r>
-              <a:rPr lang="en-GB" b="1" i="0" dirty="0">
-                <a:solidFill>
-                  <a:srgbClr val="393D3E"/>
-                </a:solidFill>
-                <a:effectLst/>
-                <a:latin typeface="Roboto" panose="020F0502020204030204" pitchFamily="34" charset="0"/>
-              </a:rPr>
-              <a:t>Data-informed recommendation(s) (~3 minutes)</a:t>
-            </a:r>
-            <a:endParaRPr lang="en-GB" b="1" dirty="0">
+              <a:t>Intended content:</a:t>
+            </a:r>
+          </a:p>
+          <a:p>
+            <a:pPr algn="l"/>
+            <a:endParaRPr lang="en-GB" dirty="0">
               <a:solidFill>
                 <a:srgbClr val="393D3E"/>
               </a:solidFill>
@@ -3567,11 +5563,59 @@
             </a:endParaRPr>
           </a:p>
           <a:p>
-            <a:pPr marL="285750" indent="-285750" algn="l">
-              <a:buFont typeface="Arial" panose="020B0604020202020204" pitchFamily="34" charset="0"/>
-              <a:buChar char="•"/>
+            <a:pPr algn="l"/>
+            <a:r>
+              <a:rPr lang="en-GB" dirty="0">
+                <a:solidFill>
+                  <a:srgbClr val="393D3E"/>
+                </a:solidFill>
+                <a:latin typeface="Roboto" panose="020F0502020204030204" pitchFamily="34" charset="0"/>
+              </a:rPr>
+              <a:t>Zoom into how we analysed below:</a:t>
+            </a:r>
+          </a:p>
+          <a:p>
+            <a:pPr algn="l"/>
+            <a:endParaRPr lang="en-GB" dirty="0">
+              <a:solidFill>
+                <a:srgbClr val="393D3E"/>
+              </a:solidFill>
+              <a:latin typeface="Roboto" panose="020F0502020204030204" pitchFamily="34" charset="0"/>
+            </a:endParaRPr>
+          </a:p>
+          <a:p>
+            <a:pPr marL="342900" indent="-342900" algn="l">
+              <a:buAutoNum type="arabicPeriod"/>
             </a:pPr>
             <a:r>
+              <a:rPr lang="en-GB" dirty="0">
+                <a:solidFill>
+                  <a:srgbClr val="393D3E"/>
+                </a:solidFill>
+                <a:latin typeface="Roboto" panose="020F0502020204030204" pitchFamily="34" charset="0"/>
+              </a:rPr>
+              <a:t>General descriptive analysis</a:t>
+            </a:r>
+          </a:p>
+          <a:p>
+            <a:pPr marL="342900" indent="-342900" algn="l">
+              <a:buAutoNum type="arabicPeriod"/>
+            </a:pPr>
+            <a:r>
+              <a:rPr lang="en-GB" dirty="0">
+                <a:solidFill>
+                  <a:srgbClr val="393D3E"/>
+                </a:solidFill>
+                <a:latin typeface="Roboto" panose="020F0502020204030204" pitchFamily="34" charset="0"/>
+              </a:rPr>
+              <a:t>Infrastructure analysis</a:t>
+            </a:r>
+          </a:p>
+          <a:p>
+            <a:pPr marL="342900" indent="-342900" algn="l">
+              <a:buAutoNum type="arabicPeriod"/>
+            </a:pPr>
+            <a:r>
               <a:rPr lang="en-GB" b="0" i="0" dirty="0">
                 <a:solidFill>
                   <a:srgbClr val="393D3E"/>
@@ -3579,24 +5623,17 @@
                 <a:effectLst/>
                 <a:latin typeface="Roboto" panose="020F0502020204030204" pitchFamily="34" charset="0"/>
               </a:rPr>
-              <a:t>Present any patterns, trends, or insights that you discovered. </a:t>
-            </a:r>
-          </a:p>
-          <a:p>
-            <a:pPr marL="285750" indent="-285750" algn="l">
-              <a:buFont typeface="Arial" panose="020B0604020202020204" pitchFamily="34" charset="0"/>
-              <a:buChar char="•"/>
-            </a:pPr>
-            <a:r>
-              <a:rPr lang="en-GB" b="0" i="0" dirty="0">
-                <a:solidFill>
-                  <a:srgbClr val="393D3E"/>
-                </a:solidFill>
-                <a:effectLst/>
-                <a:latin typeface="Roboto" panose="020F0502020204030204" pitchFamily="34" charset="0"/>
-              </a:rPr>
-              <a:t>Articulate why they are interesting and any possible recommendations that you might make as a result.</a:t>
-            </a:r>
+              <a:t>Safety / accidents analysis</a:t>
+            </a:r>
+          </a:p>
+          <a:p>
+            <a:pPr algn="l"/>
+            <a:endParaRPr lang="en-GB" dirty="0">
+              <a:solidFill>
+                <a:srgbClr val="393D3E"/>
+              </a:solidFill>
+              <a:latin typeface="Roboto" panose="020F0502020204030204" pitchFamily="34" charset="0"/>
+            </a:endParaRPr>
           </a:p>
           <a:p>
             <a:pPr algn="l"/>
@@ -3609,6 +5646,68 @@
             </a:endParaRPr>
           </a:p>
           <a:p>
+            <a:endParaRPr lang="en-US" dirty="0"/>
+          </a:p>
+        </p:txBody>
+      </p:sp>
+    </p:spTree>
+    <p:extLst>
+      <p:ext uri="{BB962C8B-B14F-4D97-AF65-F5344CB8AC3E}">
+        <p14:creationId xmlns:p14="http://schemas.microsoft.com/office/powerpoint/2010/main" val="3666435865"/>
+      </p:ext>
+    </p:extLst>
+  </p:cSld>
+  <p:clrMapOvr>
+    <a:masterClrMapping/>
+  </p:clrMapOvr>
+</p:sld>
+</file>
+
+<file path=ppt/slides/slide11.xml><?xml version="1.0" encoding="utf-8"?>
+<p:sld xmlns:a="http://schemas.openxmlformats.org/drawingml/2006/main" xmlns:r="http://schemas.openxmlformats.org/officeDocument/2006/relationships" xmlns:p="http://schemas.openxmlformats.org/presentationml/2006/main">
+  <p:cSld>
+    <p:spTree>
+      <p:nvGrpSpPr>
+        <p:cNvPr id="1" name=""/>
+        <p:cNvGrpSpPr/>
+        <p:nvPr/>
+      </p:nvGrpSpPr>
+      <p:grpSpPr>
+        <a:xfrm>
+          <a:off x="0" y="0"/>
+          <a:ext cx="0" cy="0"/>
+          <a:chOff x="0" y="0"/>
+          <a:chExt cx="0" cy="0"/>
+        </a:xfrm>
+      </p:grpSpPr>
+      <p:sp>
+        <p:nvSpPr>
+          <p:cNvPr id="4" name="TextBox 3">
+            <a:extLst>
+              <a:ext uri="{FF2B5EF4-FFF2-40B4-BE49-F238E27FC236}">
+                <a16:creationId xmlns:a16="http://schemas.microsoft.com/office/drawing/2014/main" id="{E8CDCFAE-A069-8571-8BFD-8B1C1F4D860A}"/>
+              </a:ext>
+            </a:extLst>
+          </p:cNvPr>
+          <p:cNvSpPr txBox="1"/>
+          <p:nvPr/>
+        </p:nvSpPr>
+        <p:spPr>
+          <a:xfrm>
+            <a:off x="1182028" y="1115123"/>
+            <a:ext cx="10326030" cy="3693319"/>
+          </a:xfrm>
+          <a:prstGeom prst="rect">
+            <a:avLst/>
+          </a:prstGeom>
+          <a:noFill/>
+        </p:spPr>
+        <p:txBody>
+          <a:bodyPr wrap="square" rtlCol="0">
+            <a:spAutoFit/>
+          </a:bodyPr>
+          <a:lstStyle/>
+          <a:p>
             <a:pPr algn="l"/>
             <a:r>
               <a:rPr lang="en-GB" b="1" dirty="0">
@@ -3617,7 +5716,7 @@
                 </a:solidFill>
                 <a:latin typeface="Roboto" panose="020F0502020204030204" pitchFamily="34" charset="0"/>
               </a:rPr>
-              <a:t>4. </a:t>
+              <a:t>3. </a:t>
             </a:r>
             <a:r>
               <a:rPr lang="en-GB" b="1" i="0" dirty="0">
@@ -3627,7 +5726,7 @@
                 <a:effectLst/>
                 <a:latin typeface="Roboto" panose="020F0502020204030204" pitchFamily="34" charset="0"/>
               </a:rPr>
-              <a:t>Conclusion (1 minute)</a:t>
+              <a:t>Data-informed recommendation(s) (~3 minutes)</a:t>
             </a:r>
             <a:endParaRPr lang="en-GB" b="1" dirty="0">
               <a:solidFill>
@@ -3637,7 +5736,109 @@
             </a:endParaRPr>
           </a:p>
           <a:p>
+            <a:pPr marL="285750" indent="-285750" algn="l">
+              <a:buFont typeface="Arial" panose="020B0604020202020204" pitchFamily="34" charset="0"/>
+              <a:buChar char="•"/>
+            </a:pPr>
+            <a:r>
+              <a:rPr lang="en-GB" b="0" i="0" dirty="0">
+                <a:solidFill>
+                  <a:srgbClr val="393D3E"/>
+                </a:solidFill>
+                <a:effectLst/>
+                <a:latin typeface="Roboto" panose="020F0502020204030204" pitchFamily="34" charset="0"/>
+              </a:rPr>
+              <a:t>Present any patterns, trends, or insights that you discovered. </a:t>
+            </a:r>
+          </a:p>
+          <a:p>
+            <a:pPr marL="285750" indent="-285750" algn="l">
+              <a:buFont typeface="Arial" panose="020B0604020202020204" pitchFamily="34" charset="0"/>
+              <a:buChar char="•"/>
+            </a:pPr>
+            <a:r>
+              <a:rPr lang="en-GB" b="0" i="0" dirty="0">
+                <a:solidFill>
+                  <a:srgbClr val="393D3E"/>
+                </a:solidFill>
+                <a:effectLst/>
+                <a:latin typeface="Roboto" panose="020F0502020204030204" pitchFamily="34" charset="0"/>
+              </a:rPr>
+              <a:t>Articulate why they are interesting and any possible recommendations that you might make as a result.</a:t>
+            </a:r>
+          </a:p>
+          <a:p>
             <a:pPr algn="l"/>
+            <a:endParaRPr lang="en-GB" b="0" i="0" dirty="0">
+              <a:solidFill>
+                <a:srgbClr val="393D3E"/>
+              </a:solidFill>
+              <a:effectLst/>
+              <a:latin typeface="Roboto" panose="020F0502020204030204" pitchFamily="34" charset="0"/>
+            </a:endParaRPr>
+          </a:p>
+          <a:p>
+            <a:pPr algn="l"/>
+            <a:endParaRPr lang="en-GB" dirty="0">
+              <a:solidFill>
+                <a:srgbClr val="393D3E"/>
+              </a:solidFill>
+              <a:latin typeface="Roboto" panose="020F0502020204030204" pitchFamily="34" charset="0"/>
+            </a:endParaRPr>
+          </a:p>
+          <a:p>
+            <a:pPr algn="l"/>
+            <a:r>
+              <a:rPr lang="en-GB" dirty="0">
+                <a:solidFill>
+                  <a:srgbClr val="393D3E"/>
+                </a:solidFill>
+                <a:latin typeface="Roboto" panose="020F0502020204030204" pitchFamily="34" charset="0"/>
+              </a:rPr>
+              <a:t>Elaborate with examples / visualisations on some of the outcomes of analysing below:</a:t>
+            </a:r>
+          </a:p>
+          <a:p>
+            <a:pPr algn="l"/>
+            <a:endParaRPr lang="en-GB" dirty="0">
+              <a:solidFill>
+                <a:srgbClr val="393D3E"/>
+              </a:solidFill>
+              <a:latin typeface="Roboto" panose="020F0502020204030204" pitchFamily="34" charset="0"/>
+            </a:endParaRPr>
+          </a:p>
+          <a:p>
+            <a:pPr marL="342900" indent="-342900" algn="l">
+              <a:buAutoNum type="arabicPeriod"/>
+            </a:pPr>
+            <a:r>
+              <a:rPr lang="en-GB" dirty="0">
+                <a:solidFill>
+                  <a:srgbClr val="393D3E"/>
+                </a:solidFill>
+                <a:latin typeface="Roboto" panose="020F0502020204030204" pitchFamily="34" charset="0"/>
+              </a:rPr>
+              <a:t>General descriptive analysis</a:t>
+            </a:r>
+          </a:p>
+          <a:p>
+            <a:pPr marL="342900" indent="-342900" algn="l">
+              <a:buAutoNum type="arabicPeriod"/>
+            </a:pPr>
+            <a:r>
+              <a:rPr lang="en-GB" dirty="0">
+                <a:solidFill>
+                  <a:srgbClr val="393D3E"/>
+                </a:solidFill>
+                <a:latin typeface="Roboto" panose="020F0502020204030204" pitchFamily="34" charset="0"/>
+              </a:rPr>
+              <a:t>Infrastructure analysis</a:t>
+            </a:r>
+          </a:p>
+          <a:p>
+            <a:pPr marL="342900" indent="-342900" algn="l">
+              <a:buAutoNum type="arabicPeriod"/>
+            </a:pPr>
             <a:r>
               <a:rPr lang="en-GB" b="0" i="0" dirty="0">
                 <a:solidFill>
@@ -3646,8 +5847,18 @@
                 <a:effectLst/>
                 <a:latin typeface="Roboto" panose="020F0502020204030204" pitchFamily="34" charset="0"/>
               </a:rPr>
-              <a:t>Wrap up your findings in a brief summary to conclude your presentation.</a:t>
-            </a:r>
+              <a:t>Safety / accidents analysis</a:t>
+            </a:r>
+          </a:p>
+          <a:p>
+            <a:pPr algn="l"/>
+            <a:endParaRPr lang="en-GB" b="0" i="0" dirty="0">
+              <a:solidFill>
+                <a:srgbClr val="393D3E"/>
+              </a:solidFill>
+              <a:effectLst/>
+              <a:latin typeface="Roboto" panose="020F0502020204030204" pitchFamily="34" charset="0"/>
+            </a:endParaRPr>
           </a:p>
           <a:p>
             <a:endParaRPr lang="en-US" dirty="0"/>
@@ -3657,7 +5868,210 @@
     </p:spTree>
     <p:extLst>
       <p:ext uri="{BB962C8B-B14F-4D97-AF65-F5344CB8AC3E}">
-        <p14:creationId xmlns:p14="http://schemas.microsoft.com/office/powerpoint/2010/main" val="1927989437"/>
+        <p14:creationId xmlns:p14="http://schemas.microsoft.com/office/powerpoint/2010/main" val="861591308"/>
+      </p:ext>
+    </p:extLst>
+  </p:cSld>
+  <p:clrMapOvr>
+    <a:masterClrMapping/>
+  </p:clrMapOvr>
+</p:sld>
+</file>
+
+<file path=ppt/slides/slide12.xml><?xml version="1.0" encoding="utf-8"?>
+<p:sld xmlns:a="http://schemas.openxmlformats.org/drawingml/2006/main" xmlns:r="http://schemas.openxmlformats.org/officeDocument/2006/relationships" xmlns:p="http://schemas.openxmlformats.org/presentationml/2006/main">
+  <p:cSld>
+    <p:spTree>
+      <p:nvGrpSpPr>
+        <p:cNvPr id="1" name=""/>
+        <p:cNvGrpSpPr/>
+        <p:nvPr/>
+      </p:nvGrpSpPr>
+      <p:grpSpPr>
+        <a:xfrm>
+          <a:off x="0" y="0"/>
+          <a:ext cx="0" cy="0"/>
+          <a:chOff x="0" y="0"/>
+          <a:chExt cx="0" cy="0"/>
+        </a:xfrm>
+      </p:grpSpPr>
+      <p:sp>
+        <p:nvSpPr>
+          <p:cNvPr id="4" name="TextBox 3">
+            <a:extLst>
+              <a:ext uri="{FF2B5EF4-FFF2-40B4-BE49-F238E27FC236}">
+                <a16:creationId xmlns:a16="http://schemas.microsoft.com/office/drawing/2014/main" id="{E8CDCFAE-A069-8571-8BFD-8B1C1F4D860A}"/>
+              </a:ext>
+            </a:extLst>
+          </p:cNvPr>
+          <p:cNvSpPr txBox="1"/>
+          <p:nvPr/>
+        </p:nvSpPr>
+        <p:spPr>
+          <a:xfrm>
+            <a:off x="1182028" y="1115123"/>
+            <a:ext cx="10326030" cy="2862322"/>
+          </a:xfrm>
+          <a:prstGeom prst="rect">
+            <a:avLst/>
+          </a:prstGeom>
+          <a:noFill/>
+        </p:spPr>
+        <p:txBody>
+          <a:bodyPr wrap="square" rtlCol="0">
+            <a:spAutoFit/>
+          </a:bodyPr>
+          <a:lstStyle/>
+          <a:p>
+            <a:pPr algn="l"/>
+            <a:r>
+              <a:rPr lang="en-GB" dirty="0">
+                <a:solidFill>
+                  <a:srgbClr val="393D3E"/>
+                </a:solidFill>
+                <a:latin typeface="Roboto" panose="020F0502020204030204" pitchFamily="34" charset="0"/>
+              </a:rPr>
+              <a:t>4. </a:t>
+            </a:r>
+            <a:r>
+              <a:rPr lang="en-GB" b="1" i="0" dirty="0">
+                <a:solidFill>
+                  <a:srgbClr val="393D3E"/>
+                </a:solidFill>
+                <a:effectLst/>
+                <a:latin typeface="Roboto" panose="020F0502020204030204" pitchFamily="34" charset="0"/>
+              </a:rPr>
+              <a:t>Conclusion (1 minute)</a:t>
+            </a:r>
+            <a:endParaRPr lang="en-GB" b="1" dirty="0">
+              <a:solidFill>
+                <a:srgbClr val="393D3E"/>
+              </a:solidFill>
+              <a:latin typeface="Roboto" panose="020F0502020204030204" pitchFamily="34" charset="0"/>
+            </a:endParaRPr>
+          </a:p>
+          <a:p>
+            <a:pPr algn="l"/>
+            <a:r>
+              <a:rPr lang="en-GB" b="0" i="0" dirty="0">
+                <a:solidFill>
+                  <a:srgbClr val="393D3E"/>
+                </a:solidFill>
+                <a:effectLst/>
+                <a:latin typeface="Roboto" panose="020F0502020204030204" pitchFamily="34" charset="0"/>
+              </a:rPr>
+              <a:t>Wrap up your findings in a brief summary to conclude your presentation.</a:t>
+            </a:r>
+          </a:p>
+          <a:p>
+            <a:pPr algn="l"/>
+            <a:endParaRPr lang="en-GB" dirty="0">
+              <a:solidFill>
+                <a:srgbClr val="393D3E"/>
+              </a:solidFill>
+              <a:latin typeface="Roboto" panose="020F0502020204030204" pitchFamily="34" charset="0"/>
+            </a:endParaRPr>
+          </a:p>
+          <a:p>
+            <a:pPr algn="l"/>
+            <a:r>
+              <a:rPr lang="en-GB" b="0" i="0" dirty="0">
+                <a:solidFill>
+                  <a:srgbClr val="393D3E"/>
+                </a:solidFill>
+                <a:effectLst/>
+                <a:latin typeface="Roboto" panose="020F0502020204030204" pitchFamily="34" charset="0"/>
+              </a:rPr>
+              <a:t>Intended content:</a:t>
+            </a:r>
+          </a:p>
+          <a:p>
+            <a:pPr algn="l"/>
+            <a:endParaRPr lang="en-GB" dirty="0">
+              <a:solidFill>
+                <a:srgbClr val="393D3E"/>
+              </a:solidFill>
+              <a:latin typeface="Roboto" panose="020F0502020204030204" pitchFamily="34" charset="0"/>
+            </a:endParaRPr>
+          </a:p>
+          <a:p>
+            <a:pPr marL="285750" indent="-285750" algn="l">
+              <a:buFontTx/>
+              <a:buChar char="-"/>
+            </a:pPr>
+            <a:r>
+              <a:rPr lang="en-GB" b="0" i="0" dirty="0">
+                <a:solidFill>
+                  <a:srgbClr val="393D3E"/>
+                </a:solidFill>
+                <a:effectLst/>
+                <a:latin typeface="Roboto" panose="020F0502020204030204" pitchFamily="34" charset="0"/>
+              </a:rPr>
+              <a:t>This is what we analysed</a:t>
+            </a:r>
+          </a:p>
+          <a:p>
+            <a:pPr marL="285750" indent="-285750" algn="l">
+              <a:buFontTx/>
+              <a:buChar char="-"/>
+            </a:pPr>
+            <a:r>
+              <a:rPr lang="en-GB" dirty="0">
+                <a:solidFill>
+                  <a:srgbClr val="393D3E"/>
+                </a:solidFill>
+                <a:latin typeface="Roboto" panose="020F0502020204030204" pitchFamily="34" charset="0"/>
+              </a:rPr>
+              <a:t>This is the approach we took</a:t>
+            </a:r>
+          </a:p>
+          <a:p>
+            <a:pPr marL="285750" indent="-285750" algn="l">
+              <a:buFontTx/>
+              <a:buChar char="-"/>
+            </a:pPr>
+            <a:r>
+              <a:rPr lang="en-GB" b="0" i="0" dirty="0">
+                <a:solidFill>
+                  <a:srgbClr val="393D3E"/>
+                </a:solidFill>
+                <a:effectLst/>
+                <a:latin typeface="Roboto" panose="020F0502020204030204" pitchFamily="34" charset="0"/>
+              </a:rPr>
+              <a:t>These are some of the findings</a:t>
+            </a:r>
+          </a:p>
+          <a:p>
+            <a:pPr marL="285750" indent="-285750" algn="l">
+              <a:buFontTx/>
+              <a:buChar char="-"/>
+            </a:pPr>
+            <a:r>
+              <a:rPr lang="en-GB" dirty="0">
+                <a:solidFill>
+                  <a:srgbClr val="393D3E"/>
+                </a:solidFill>
+                <a:latin typeface="Roboto" panose="020F0502020204030204" pitchFamily="34" charset="0"/>
+              </a:rPr>
+              <a:t>This is our aim moving forward with the rest of the analysis</a:t>
+            </a:r>
+            <a:endParaRPr lang="en-GB" b="0" i="0" dirty="0">
+              <a:solidFill>
+                <a:srgbClr val="393D3E"/>
+              </a:solidFill>
+              <a:effectLst/>
+              <a:latin typeface="Roboto" panose="020F0502020204030204" pitchFamily="34" charset="0"/>
+            </a:endParaRPr>
+          </a:p>
+          <a:p>
+            <a:endParaRPr lang="en-US" dirty="0"/>
+          </a:p>
+        </p:txBody>
+      </p:sp>
+    </p:spTree>
+    <p:extLst>
+      <p:ext uri="{BB962C8B-B14F-4D97-AF65-F5344CB8AC3E}">
+        <p14:creationId xmlns:p14="http://schemas.microsoft.com/office/powerpoint/2010/main" val="4202995527"/>
       </p:ext>
     </p:extLst>
   </p:cSld>
@@ -3686,253 +6100,602 @@
       </p:grpSpPr>
       <p:sp>
         <p:nvSpPr>
-          <p:cNvPr id="4" name="TextBox 3">
-            <a:extLst>
-              <a:ext uri="{FF2B5EF4-FFF2-40B4-BE49-F238E27FC236}">
-                <a16:creationId xmlns:a16="http://schemas.microsoft.com/office/drawing/2014/main" id="{E8CDCFAE-A069-8571-8BFD-8B1C1F4D860A}"/>
-              </a:ext>
-            </a:extLst>
-          </p:cNvPr>
-          <p:cNvSpPr txBox="1"/>
+          <p:cNvPr id="2" name="Rectangle 1">
+            <a:extLst>
+              <a:ext uri="{FF2B5EF4-FFF2-40B4-BE49-F238E27FC236}">
+                <a16:creationId xmlns:a16="http://schemas.microsoft.com/office/drawing/2014/main" id="{6F6FE05F-656B-A9A1-45C7-43B8843F5F20}"/>
+              </a:ext>
+            </a:extLst>
+          </p:cNvPr>
+          <p:cNvSpPr/>
           <p:nvPr/>
         </p:nvSpPr>
         <p:spPr>
           <a:xfrm>
-            <a:off x="1182028" y="1115123"/>
-            <a:ext cx="10326030" cy="3970318"/>
+            <a:off x="622300" y="1384300"/>
+            <a:ext cx="10896600" cy="5143500"/>
           </a:xfrm>
           <a:prstGeom prst="rect">
             <a:avLst/>
           </a:prstGeom>
-          <a:noFill/>
+          <a:solidFill>
+            <a:schemeClr val="bg1">
+              <a:lumMod val="95000"/>
+            </a:schemeClr>
+          </a:solidFill>
+          <a:ln>
+            <a:noFill/>
+          </a:ln>
         </p:spPr>
-        <p:txBody>
-          <a:bodyPr wrap="square" rtlCol="0">
-            <a:spAutoFit/>
-          </a:bodyPr>
+        <p:style>
+          <a:lnRef idx="2">
+            <a:schemeClr val="accent1">
+              <a:shade val="50000"/>
+            </a:schemeClr>
+          </a:lnRef>
+          <a:fillRef idx="1">
+            <a:schemeClr val="accent1"/>
+          </a:fillRef>
+          <a:effectRef idx="0">
+            <a:schemeClr val="accent1"/>
+          </a:effectRef>
+          <a:fontRef idx="minor">
+            <a:schemeClr val="lt1"/>
+          </a:fontRef>
+        </p:style>
+        <p:txBody>
+          <a:bodyPr rtlCol="0" anchor="t"/>
           <a:lstStyle/>
           <a:p>
-            <a:pPr marL="342900" indent="-342900" algn="l">
-              <a:buFont typeface="+mj-lt"/>
-              <a:buAutoNum type="arabicPeriod"/>
-            </a:pPr>
-            <a:r>
-              <a:rPr lang="en-GB" b="1" i="0" dirty="0">
-                <a:solidFill>
-                  <a:srgbClr val="393D3E"/>
-                </a:solidFill>
-                <a:effectLst/>
-                <a:latin typeface="Roboto" panose="020F0502020204030204" pitchFamily="34" charset="0"/>
-              </a:rPr>
-              <a:t>Background or context (1 minute)</a:t>
-            </a:r>
-            <a:endParaRPr lang="en-GB" b="1" dirty="0">
+            <a:endParaRPr lang="en-GB" sz="1800" dirty="0">
               <a:solidFill>
-                <a:srgbClr val="393D3E"/>
-              </a:solidFill>
-              <a:latin typeface="Roboto" panose="020F0502020204030204" pitchFamily="34" charset="0"/>
-            </a:endParaRPr>
-          </a:p>
-          <a:p>
-            <a:pPr marL="285750" indent="-285750" algn="l">
-              <a:buFont typeface="Arial" panose="020B0604020202020204" pitchFamily="34" charset="0"/>
-              <a:buChar char="•"/>
-            </a:pPr>
-            <a:r>
-              <a:rPr lang="en-GB" b="0" i="0" dirty="0">
-                <a:solidFill>
-                  <a:srgbClr val="393D3E"/>
-                </a:solidFill>
-                <a:effectLst/>
-                <a:latin typeface="Roboto" panose="020F0502020204030204" pitchFamily="34" charset="0"/>
-              </a:rPr>
-              <a:t>Describe the purpose of the analysis, </a:t>
-            </a:r>
-          </a:p>
-          <a:p>
-            <a:pPr marL="285750" indent="-285750" algn="l">
-              <a:buFont typeface="Arial" panose="020B0604020202020204" pitchFamily="34" charset="0"/>
-              <a:buChar char="•"/>
-            </a:pPr>
-            <a:r>
-              <a:rPr lang="en-GB" dirty="0">
-                <a:solidFill>
-                  <a:srgbClr val="393D3E"/>
-                </a:solidFill>
-                <a:latin typeface="Roboto" panose="020F0502020204030204" pitchFamily="34" charset="0"/>
-              </a:rPr>
-              <a:t>I</a:t>
-            </a:r>
-            <a:r>
-              <a:rPr lang="en-GB" b="0" i="0" dirty="0">
-                <a:solidFill>
-                  <a:srgbClr val="393D3E"/>
-                </a:solidFill>
-                <a:effectLst/>
-                <a:latin typeface="Roboto" panose="020F0502020204030204" pitchFamily="34" charset="0"/>
-              </a:rPr>
-              <a:t>ncluding the business question and the intended audience. </a:t>
-            </a:r>
-          </a:p>
-          <a:p>
-            <a:pPr marL="285750" indent="-285750" algn="l">
-              <a:buFont typeface="Arial" panose="020B0604020202020204" pitchFamily="34" charset="0"/>
-              <a:buChar char="•"/>
-            </a:pPr>
-            <a:r>
-              <a:rPr lang="en-GB" b="0" i="0" dirty="0">
-                <a:solidFill>
-                  <a:srgbClr val="393D3E"/>
-                </a:solidFill>
-                <a:effectLst/>
-                <a:latin typeface="Roboto" panose="020F0502020204030204" pitchFamily="34" charset="0"/>
-              </a:rPr>
-              <a:t>Present as though you’re speaking directly to the client in your chosen scenario.</a:t>
-            </a:r>
-          </a:p>
-          <a:p>
-            <a:pPr algn="l"/>
-            <a:endParaRPr lang="en-GB" dirty="0">
-              <a:solidFill>
-                <a:srgbClr val="393D3E"/>
-              </a:solidFill>
-              <a:latin typeface="Roboto" panose="020F0502020204030204" pitchFamily="34" charset="0"/>
-            </a:endParaRPr>
-          </a:p>
-          <a:p>
-            <a:pPr algn="l"/>
-            <a:r>
-              <a:rPr lang="en-GB" b="0" i="0" dirty="0">
-                <a:solidFill>
-                  <a:srgbClr val="393D3E"/>
-                </a:solidFill>
-                <a:effectLst/>
-                <a:latin typeface="Roboto" panose="020F0502020204030204" pitchFamily="34" charset="0"/>
-              </a:rPr>
-              <a:t>Intended conte</a:t>
-            </a:r>
-            <a:r>
-              <a:rPr lang="en-GB" dirty="0">
-                <a:solidFill>
-                  <a:srgbClr val="393D3E"/>
-                </a:solidFill>
-                <a:latin typeface="Roboto" panose="020F0502020204030204" pitchFamily="34" charset="0"/>
-              </a:rPr>
-              <a:t>nt for Christos to summarise this section</a:t>
-            </a:r>
-          </a:p>
-          <a:p>
-            <a:pPr algn="l"/>
-            <a:endParaRPr lang="en-GB" b="0" i="0" dirty="0">
-              <a:solidFill>
-                <a:srgbClr val="393D3E"/>
+                <a:schemeClr val="tx1"/>
               </a:solidFill>
               <a:effectLst/>
-              <a:latin typeface="Roboto" panose="020F0502020204030204" pitchFamily="34" charset="0"/>
+              <a:latin typeface="Helvetica" pitchFamily="2" charset="0"/>
+              <a:ea typeface="Calibri" panose="020F0502020204030204" pitchFamily="34" charset="0"/>
+              <a:cs typeface="Times New Roman" panose="02020603050405020304" pitchFamily="18" charset="0"/>
             </a:endParaRPr>
           </a:p>
-          <a:p>
-            <a:pPr algn="l"/>
-            <a:r>
-              <a:rPr lang="en-GB" dirty="0">
-                <a:solidFill>
-                  <a:srgbClr val="393D3E"/>
-                </a:solidFill>
-                <a:latin typeface="Roboto" panose="020F0502020204030204" pitchFamily="34" charset="0"/>
-              </a:rPr>
-              <a:t>Utilise initial submission document to brief in the purpose of the presentation</a:t>
-            </a:r>
-          </a:p>
-          <a:p>
-            <a:pPr algn="l"/>
-            <a:r>
-              <a:rPr lang="en-GB" b="0" i="0" dirty="0">
-                <a:solidFill>
-                  <a:srgbClr val="393D3E"/>
-                </a:solidFill>
-                <a:effectLst/>
-                <a:latin typeface="Roboto" panose="020F0502020204030204" pitchFamily="34" charset="0"/>
-              </a:rPr>
-              <a:t>Summarise key points </a:t>
-            </a:r>
-            <a:r>
-              <a:rPr lang="en-GB" dirty="0">
-                <a:solidFill>
-                  <a:srgbClr val="393D3E"/>
-                </a:solidFill>
-                <a:latin typeface="Roboto" panose="020F0502020204030204" pitchFamily="34" charset="0"/>
-              </a:rPr>
-              <a:t>on business question and approach taken</a:t>
-            </a:r>
-          </a:p>
-          <a:p>
-            <a:pPr algn="l"/>
-            <a:endParaRPr lang="en-GB" b="0" i="0" dirty="0">
+        </p:txBody>
+      </p:sp>
+      <p:sp>
+        <p:nvSpPr>
+          <p:cNvPr id="3" name="Rectangle 2">
+            <a:extLst>
+              <a:ext uri="{FF2B5EF4-FFF2-40B4-BE49-F238E27FC236}">
+                <a16:creationId xmlns:a16="http://schemas.microsoft.com/office/drawing/2014/main" id="{042EE00F-7B79-37C4-4E37-9C785884F00F}"/>
+              </a:ext>
+            </a:extLst>
+          </p:cNvPr>
+          <p:cNvSpPr/>
+          <p:nvPr/>
+        </p:nvSpPr>
+        <p:spPr>
+          <a:xfrm>
+            <a:off x="622300" y="330200"/>
+            <a:ext cx="10896600" cy="914400"/>
+          </a:xfrm>
+          <a:prstGeom prst="rect">
+            <a:avLst/>
+          </a:prstGeom>
+          <a:solidFill>
+            <a:srgbClr val="C00000">
+              <a:alpha val="10357"/>
+            </a:srgbClr>
+          </a:solidFill>
+          <a:ln>
+            <a:noFill/>
+          </a:ln>
+        </p:spPr>
+        <p:style>
+          <a:lnRef idx="2">
+            <a:schemeClr val="accent1">
+              <a:shade val="50000"/>
+            </a:schemeClr>
+          </a:lnRef>
+          <a:fillRef idx="1">
+            <a:schemeClr val="accent1"/>
+          </a:fillRef>
+          <a:effectRef idx="0">
+            <a:schemeClr val="accent1"/>
+          </a:effectRef>
+          <a:fontRef idx="minor">
+            <a:schemeClr val="lt1"/>
+          </a:fontRef>
+        </p:style>
+        <p:txBody>
+          <a:bodyPr rtlCol="0" anchor="ctr"/>
+          <a:lstStyle/>
+          <a:p>
+            <a:pPr algn="ctr"/>
+            <a:r>
+              <a:rPr lang="en-US" b="1" dirty="0">
+                <a:solidFill>
+                  <a:schemeClr val="tx1"/>
+                </a:solidFill>
+                <a:latin typeface="Helvetica" pitchFamily="2" charset="0"/>
+                <a:cs typeface="Times New Roman" panose="02020603050405020304" pitchFamily="18" charset="0"/>
+              </a:rPr>
+              <a:t>Context</a:t>
+            </a:r>
+          </a:p>
+        </p:txBody>
+      </p:sp>
+      <p:pic>
+        <p:nvPicPr>
+          <p:cNvPr id="5" name="Picture 4">
+            <a:extLst>
+              <a:ext uri="{FF2B5EF4-FFF2-40B4-BE49-F238E27FC236}">
+                <a16:creationId xmlns:a16="http://schemas.microsoft.com/office/drawing/2014/main" id="{1F2F78AD-B68A-1CBD-7C84-5DAF25D640C7}"/>
+              </a:ext>
+            </a:extLst>
+          </p:cNvPr>
+          <p:cNvPicPr>
+            <a:picLocks noChangeAspect="1"/>
+          </p:cNvPicPr>
+          <p:nvPr/>
+        </p:nvPicPr>
+        <p:blipFill>
+          <a:blip r:embed="rId3">
+            <a:extLst>
+              <a:ext uri="{28A0092B-C50C-407E-A947-70E740481C1C}">
+                <a14:useLocalDpi xmlns:a14="http://schemas.microsoft.com/office/drawing/2010/main" val="0"/>
+              </a:ext>
+            </a:extLst>
+          </a:blip>
+          <a:stretch>
+            <a:fillRect/>
+          </a:stretch>
+        </p:blipFill>
+        <p:spPr>
+          <a:xfrm>
+            <a:off x="10231755" y="601345"/>
+            <a:ext cx="1058545" cy="372110"/>
+          </a:xfrm>
+          <a:prstGeom prst="rect">
+            <a:avLst/>
+          </a:prstGeom>
+        </p:spPr>
+      </p:pic>
+      <p:sp>
+        <p:nvSpPr>
+          <p:cNvPr id="6" name="Rounded Rectangle 5">
+            <a:extLst>
+              <a:ext uri="{FF2B5EF4-FFF2-40B4-BE49-F238E27FC236}">
+                <a16:creationId xmlns:a16="http://schemas.microsoft.com/office/drawing/2014/main" id="{4D6451E1-3D16-4DA6-41BD-3DB3448D4692}"/>
+              </a:ext>
+            </a:extLst>
+          </p:cNvPr>
+          <p:cNvSpPr/>
+          <p:nvPr/>
+        </p:nvSpPr>
+        <p:spPr>
+          <a:xfrm>
+            <a:off x="8672301" y="601345"/>
+            <a:ext cx="1398588" cy="372111"/>
+          </a:xfrm>
+          <a:prstGeom prst="roundRect">
+            <a:avLst>
+              <a:gd name="adj" fmla="val 0"/>
+            </a:avLst>
+          </a:prstGeom>
+          <a:solidFill>
+            <a:schemeClr val="bg1">
+              <a:lumMod val="65000"/>
+              <a:alpha val="41089"/>
+            </a:schemeClr>
+          </a:solidFill>
+          <a:ln>
+            <a:noFill/>
+          </a:ln>
+        </p:spPr>
+        <p:style>
+          <a:lnRef idx="2">
+            <a:schemeClr val="accent1">
+              <a:shade val="50000"/>
+            </a:schemeClr>
+          </a:lnRef>
+          <a:fillRef idx="1">
+            <a:schemeClr val="accent1"/>
+          </a:fillRef>
+          <a:effectRef idx="0">
+            <a:schemeClr val="accent1"/>
+          </a:effectRef>
+          <a:fontRef idx="minor">
+            <a:schemeClr val="lt1"/>
+          </a:fontRef>
+        </p:style>
+        <p:txBody>
+          <a:bodyPr rtlCol="0" anchor="ctr"/>
+          <a:lstStyle/>
+          <a:p>
+            <a:pPr algn="ctr"/>
+            <a:r>
+              <a:rPr lang="en-US" sz="1200" b="1" dirty="0">
+                <a:solidFill>
+                  <a:schemeClr val="tx1"/>
+                </a:solidFill>
+                <a:latin typeface="Helvetica" pitchFamily="2" charset="0"/>
+              </a:rPr>
+              <a:t>Team A</a:t>
+            </a:r>
+          </a:p>
+        </p:txBody>
+      </p:sp>
+      <p:grpSp>
+        <p:nvGrpSpPr>
+          <p:cNvPr id="14" name="Group 13">
+            <a:extLst>
+              <a:ext uri="{FF2B5EF4-FFF2-40B4-BE49-F238E27FC236}">
+                <a16:creationId xmlns:a16="http://schemas.microsoft.com/office/drawing/2014/main" id="{A7861AFD-4AF8-D805-EEBE-41A6B2971C83}"/>
+              </a:ext>
+            </a:extLst>
+          </p:cNvPr>
+          <p:cNvGrpSpPr/>
+          <p:nvPr/>
+        </p:nvGrpSpPr>
+        <p:grpSpPr>
+          <a:xfrm>
+            <a:off x="1092200" y="1716085"/>
+            <a:ext cx="9956801" cy="4479931"/>
+            <a:chOff x="901698" y="1720213"/>
+            <a:chExt cx="9956801" cy="4479931"/>
+          </a:xfrm>
+        </p:grpSpPr>
+        <p:grpSp>
+          <p:nvGrpSpPr>
+            <p:cNvPr id="13" name="Group 12">
+              <a:extLst>
+                <a:ext uri="{FF2B5EF4-FFF2-40B4-BE49-F238E27FC236}">
+                  <a16:creationId xmlns:a16="http://schemas.microsoft.com/office/drawing/2014/main" id="{4AD15ECF-872F-ECB0-4A23-01DE60F439E0}"/>
+                </a:ext>
+              </a:extLst>
+            </p:cNvPr>
+            <p:cNvGrpSpPr/>
+            <p:nvPr/>
+          </p:nvGrpSpPr>
+          <p:grpSpPr>
+            <a:xfrm>
+              <a:off x="901699" y="1720213"/>
+              <a:ext cx="9956800" cy="2040893"/>
+              <a:chOff x="901699" y="1720213"/>
+              <a:chExt cx="9956800" cy="2040893"/>
+            </a:xfrm>
+          </p:grpSpPr>
+          <p:sp>
+            <p:nvSpPr>
+              <p:cNvPr id="7" name="Round Same-side Corner of Rectangle 6">
+                <a:extLst>
+                  <a:ext uri="{FF2B5EF4-FFF2-40B4-BE49-F238E27FC236}">
+                    <a16:creationId xmlns:a16="http://schemas.microsoft.com/office/drawing/2014/main" id="{8BE8FF13-042D-D531-8A88-7552E80C58CA}"/>
+                  </a:ext>
+                </a:extLst>
+              </p:cNvPr>
+              <p:cNvSpPr/>
+              <p:nvPr/>
+            </p:nvSpPr>
+            <p:spPr>
+              <a:xfrm rot="10800000" flipV="1">
+                <a:off x="901699" y="2154556"/>
+                <a:ext cx="9956800" cy="1606550"/>
+              </a:xfrm>
+              <a:prstGeom prst="round2SameRect">
+                <a:avLst>
+                  <a:gd name="adj1" fmla="val 0"/>
+                  <a:gd name="adj2" fmla="val 10714"/>
+                </a:avLst>
+              </a:prstGeom>
               <a:solidFill>
-                <a:srgbClr val="393D3E"/>
+                <a:srgbClr val="FF7E79">
+                  <a:alpha val="13442"/>
+                </a:srgbClr>
               </a:solidFill>
-              <a:effectLst/>
-              <a:latin typeface="Roboto" panose="020F0502020204030204" pitchFamily="34" charset="0"/>
-            </a:endParaRPr>
-          </a:p>
-          <a:p>
-            <a:pPr marL="342900" indent="-342900" algn="l">
-              <a:buAutoNum type="arabicPeriod"/>
-            </a:pPr>
-            <a:r>
-              <a:rPr lang="en-GB" dirty="0">
-                <a:solidFill>
-                  <a:srgbClr val="393D3E"/>
-                </a:solidFill>
-                <a:latin typeface="Roboto" panose="020F0502020204030204" pitchFamily="34" charset="0"/>
-              </a:rPr>
-              <a:t>General descriptive analysis</a:t>
-            </a:r>
-          </a:p>
-          <a:p>
-            <a:pPr marL="342900" indent="-342900" algn="l">
-              <a:buAutoNum type="arabicPeriod"/>
-            </a:pPr>
-            <a:r>
-              <a:rPr lang="en-GB" dirty="0">
-                <a:solidFill>
-                  <a:srgbClr val="393D3E"/>
-                </a:solidFill>
-                <a:latin typeface="Roboto" panose="020F0502020204030204" pitchFamily="34" charset="0"/>
-              </a:rPr>
-              <a:t>Infrastructure analysis</a:t>
-            </a:r>
-          </a:p>
-          <a:p>
-            <a:pPr marL="342900" indent="-342900" algn="l">
-              <a:buAutoNum type="arabicPeriod"/>
-            </a:pPr>
-            <a:r>
-              <a:rPr lang="en-GB" b="0" i="0" dirty="0">
-                <a:solidFill>
-                  <a:srgbClr val="393D3E"/>
-                </a:solidFill>
-                <a:effectLst/>
-                <a:latin typeface="Roboto" panose="020F0502020204030204" pitchFamily="34" charset="0"/>
-              </a:rPr>
-              <a:t>Safety / accidents analysis</a:t>
-            </a:r>
-          </a:p>
-          <a:p>
-            <a:pPr algn="l"/>
-            <a:endParaRPr lang="en-GB" dirty="0">
+              <a:ln>
+                <a:noFill/>
+              </a:ln>
+            </p:spPr>
+            <p:style>
+              <a:lnRef idx="2">
+                <a:schemeClr val="accent1">
+                  <a:shade val="50000"/>
+                </a:schemeClr>
+              </a:lnRef>
+              <a:fillRef idx="1">
+                <a:schemeClr val="accent1"/>
+              </a:fillRef>
+              <a:effectRef idx="0">
+                <a:schemeClr val="accent1"/>
+              </a:effectRef>
+              <a:fontRef idx="minor">
+                <a:schemeClr val="lt1"/>
+              </a:fontRef>
+            </p:style>
+            <p:txBody>
+              <a:bodyPr rtlCol="0" anchor="ctr"/>
+              <a:lstStyle/>
+              <a:p>
+                <a:r>
+                  <a:rPr lang="en-GB" sz="1600" dirty="0">
+                    <a:solidFill>
+                      <a:schemeClr val="tx1"/>
+                    </a:solidFill>
+                    <a:effectLst/>
+                    <a:latin typeface="Helvetica" pitchFamily="2" charset="0"/>
+                  </a:rPr>
+                  <a:t>Transport for London (TfL) is a local government body responsible for most of the transport network in London and guided by the Mayor’s Transport Strategy 2018 (MTS). </a:t>
+                </a:r>
+              </a:p>
+              <a:p>
+                <a:endParaRPr lang="en-GB" sz="1600" dirty="0">
+                  <a:solidFill>
+                    <a:schemeClr val="tx1"/>
+                  </a:solidFill>
+                  <a:latin typeface="Helvetica" pitchFamily="2" charset="0"/>
+                </a:endParaRPr>
+              </a:p>
+              <a:p>
+                <a:r>
+                  <a:rPr lang="en-GB" sz="1600" dirty="0">
+                    <a:solidFill>
+                      <a:schemeClr val="tx1"/>
+                    </a:solidFill>
+                    <a:effectLst/>
+                    <a:latin typeface="Helvetica" pitchFamily="2" charset="0"/>
+                  </a:rPr>
+                  <a:t>The central aim of MTS is for 80% of all trips in London to be made on foot, by cycle or using public transport by 2041. </a:t>
+                </a:r>
+                <a:endParaRPr lang="en-GB" sz="1600" dirty="0">
+                  <a:solidFill>
+                    <a:schemeClr val="tx1"/>
+                  </a:solidFill>
+                  <a:latin typeface="Helvetica" pitchFamily="2" charset="0"/>
+                </a:endParaRPr>
+              </a:p>
+            </p:txBody>
+          </p:sp>
+          <p:sp>
+            <p:nvSpPr>
+              <p:cNvPr id="8" name="Round Same-side Corner of Rectangle 7">
+                <a:extLst>
+                  <a:ext uri="{FF2B5EF4-FFF2-40B4-BE49-F238E27FC236}">
+                    <a16:creationId xmlns:a16="http://schemas.microsoft.com/office/drawing/2014/main" id="{753B22E1-01DC-2FC6-AE43-F8BAE9104AAB}"/>
+                  </a:ext>
+                </a:extLst>
+              </p:cNvPr>
+              <p:cNvSpPr/>
+              <p:nvPr/>
+            </p:nvSpPr>
+            <p:spPr>
+              <a:xfrm>
+                <a:off x="901699" y="1720213"/>
+                <a:ext cx="9956799" cy="372111"/>
+              </a:xfrm>
+              <a:prstGeom prst="round2SameRect">
+                <a:avLst/>
+              </a:prstGeom>
               <a:solidFill>
-                <a:srgbClr val="393D3E"/>
+                <a:srgbClr val="FF7E79"/>
               </a:solidFill>
-              <a:latin typeface="Roboto" panose="020F0502020204030204" pitchFamily="34" charset="0"/>
-            </a:endParaRPr>
-          </a:p>
-        </p:txBody>
-      </p:sp>
+              <a:ln>
+                <a:noFill/>
+              </a:ln>
+            </p:spPr>
+            <p:style>
+              <a:lnRef idx="2">
+                <a:schemeClr val="accent1">
+                  <a:shade val="50000"/>
+                </a:schemeClr>
+              </a:lnRef>
+              <a:fillRef idx="1">
+                <a:schemeClr val="accent1"/>
+              </a:fillRef>
+              <a:effectRef idx="0">
+                <a:schemeClr val="accent1"/>
+              </a:effectRef>
+              <a:fontRef idx="minor">
+                <a:schemeClr val="lt1"/>
+              </a:fontRef>
+            </p:style>
+            <p:txBody>
+              <a:bodyPr rtlCol="0" anchor="ctr"/>
+              <a:lstStyle/>
+              <a:p>
+                <a:pPr algn="ctr"/>
+                <a:r>
+                  <a:rPr lang="en-US" sz="1600" b="1" dirty="0">
+                    <a:solidFill>
+                      <a:schemeClr val="bg1"/>
+                    </a:solidFill>
+                    <a:latin typeface="Helvetica" pitchFamily="2" charset="0"/>
+                  </a:rPr>
+                  <a:t>Context</a:t>
+                </a:r>
+              </a:p>
+            </p:txBody>
+          </p:sp>
+        </p:grpSp>
+        <p:grpSp>
+          <p:nvGrpSpPr>
+            <p:cNvPr id="12" name="Group 11">
+              <a:extLst>
+                <a:ext uri="{FF2B5EF4-FFF2-40B4-BE49-F238E27FC236}">
+                  <a16:creationId xmlns:a16="http://schemas.microsoft.com/office/drawing/2014/main" id="{E095568F-29A0-91D7-AD8E-7771BDEEA097}"/>
+                </a:ext>
+              </a:extLst>
+            </p:cNvPr>
+            <p:cNvGrpSpPr/>
+            <p:nvPr/>
+          </p:nvGrpSpPr>
+          <p:grpSpPr>
+            <a:xfrm>
+              <a:off x="901698" y="4159251"/>
+              <a:ext cx="9956800" cy="2040893"/>
+              <a:chOff x="901698" y="4159251"/>
+              <a:chExt cx="9956800" cy="2040893"/>
+            </a:xfrm>
+          </p:grpSpPr>
+          <p:sp>
+            <p:nvSpPr>
+              <p:cNvPr id="10" name="Round Same-side Corner of Rectangle 9">
+                <a:extLst>
+                  <a:ext uri="{FF2B5EF4-FFF2-40B4-BE49-F238E27FC236}">
+                    <a16:creationId xmlns:a16="http://schemas.microsoft.com/office/drawing/2014/main" id="{21379308-E7AA-88D9-3B68-62F55FE79A36}"/>
+                  </a:ext>
+                </a:extLst>
+              </p:cNvPr>
+              <p:cNvSpPr/>
+              <p:nvPr/>
+            </p:nvSpPr>
+            <p:spPr>
+              <a:xfrm rot="10800000" flipV="1">
+                <a:off x="901698" y="4593594"/>
+                <a:ext cx="9956800" cy="1606550"/>
+              </a:xfrm>
+              <a:prstGeom prst="round2SameRect">
+                <a:avLst>
+                  <a:gd name="adj1" fmla="val 0"/>
+                  <a:gd name="adj2" fmla="val 10714"/>
+                </a:avLst>
+              </a:prstGeom>
+              <a:solidFill>
+                <a:srgbClr val="FF7E79">
+                  <a:alpha val="13000"/>
+                </a:srgbClr>
+              </a:solidFill>
+              <a:ln>
+                <a:noFill/>
+              </a:ln>
+            </p:spPr>
+            <p:style>
+              <a:lnRef idx="2">
+                <a:schemeClr val="accent1">
+                  <a:shade val="50000"/>
+                </a:schemeClr>
+              </a:lnRef>
+              <a:fillRef idx="1">
+                <a:schemeClr val="accent1"/>
+              </a:fillRef>
+              <a:effectRef idx="0">
+                <a:schemeClr val="accent1"/>
+              </a:effectRef>
+              <a:fontRef idx="minor">
+                <a:schemeClr val="lt1"/>
+              </a:fontRef>
+            </p:style>
+            <p:txBody>
+              <a:bodyPr rtlCol="0" anchor="ctr"/>
+              <a:lstStyle/>
+              <a:p>
+                <a:r>
+                  <a:rPr lang="en-GB" sz="1600" dirty="0">
+                    <a:solidFill>
+                      <a:schemeClr val="tx1"/>
+                    </a:solidFill>
+                    <a:effectLst/>
+                    <a:latin typeface="Helvetica" pitchFamily="2" charset="0"/>
+                  </a:rPr>
+                  <a:t>What are the main factors which influence cycling uptake?</a:t>
+                </a:r>
+              </a:p>
+              <a:p>
+                <a:r>
+                  <a:rPr lang="en-GB" sz="1600" dirty="0">
+                    <a:solidFill>
+                      <a:schemeClr val="tx1"/>
+                    </a:solidFill>
+                    <a:effectLst/>
+                    <a:latin typeface="Helvetica" pitchFamily="2" charset="0"/>
+                  </a:rPr>
+                  <a:t> </a:t>
+                </a:r>
+              </a:p>
+              <a:p>
+                <a:r>
+                  <a:rPr lang="en-GB" sz="1600" dirty="0">
+                    <a:solidFill>
+                      <a:schemeClr val="tx1"/>
+                    </a:solidFill>
+                    <a:effectLst/>
+                    <a:latin typeface="Helvetica" pitchFamily="2" charset="0"/>
+                  </a:rPr>
+                  <a:t>How can improving these factors help contribute to achieving the goal of 80% of all trips in London to be made on foot, by cycle or using public transport by 2041?</a:t>
+                </a:r>
+                <a:endParaRPr lang="en-GB" sz="1600" dirty="0">
+                  <a:solidFill>
+                    <a:schemeClr val="tx1"/>
+                  </a:solidFill>
+                  <a:latin typeface="Helvetica" pitchFamily="2" charset="0"/>
+                </a:endParaRPr>
+              </a:p>
+            </p:txBody>
+          </p:sp>
+          <p:sp>
+            <p:nvSpPr>
+              <p:cNvPr id="11" name="Round Same-side Corner of Rectangle 10">
+                <a:extLst>
+                  <a:ext uri="{FF2B5EF4-FFF2-40B4-BE49-F238E27FC236}">
+                    <a16:creationId xmlns:a16="http://schemas.microsoft.com/office/drawing/2014/main" id="{16547DA7-B3B3-5AD1-FDDC-D6DC403840CF}"/>
+                  </a:ext>
+                </a:extLst>
+              </p:cNvPr>
+              <p:cNvSpPr/>
+              <p:nvPr/>
+            </p:nvSpPr>
+            <p:spPr>
+              <a:xfrm>
+                <a:off x="901698" y="4159251"/>
+                <a:ext cx="9956799" cy="372111"/>
+              </a:xfrm>
+              <a:prstGeom prst="round2SameRect">
+                <a:avLst/>
+              </a:prstGeom>
+              <a:solidFill>
+                <a:srgbClr val="FF7E79"/>
+              </a:solidFill>
+              <a:ln>
+                <a:noFill/>
+              </a:ln>
+            </p:spPr>
+            <p:style>
+              <a:lnRef idx="2">
+                <a:schemeClr val="accent1">
+                  <a:shade val="50000"/>
+                </a:schemeClr>
+              </a:lnRef>
+              <a:fillRef idx="1">
+                <a:schemeClr val="accent1"/>
+              </a:fillRef>
+              <a:effectRef idx="0">
+                <a:schemeClr val="accent1"/>
+              </a:effectRef>
+              <a:fontRef idx="minor">
+                <a:schemeClr val="lt1"/>
+              </a:fontRef>
+            </p:style>
+            <p:txBody>
+              <a:bodyPr rtlCol="0" anchor="ctr"/>
+              <a:lstStyle/>
+              <a:p>
+                <a:pPr algn="ctr"/>
+                <a:r>
+                  <a:rPr lang="en-US" sz="1600" b="1" dirty="0">
+                    <a:solidFill>
+                      <a:schemeClr val="bg1"/>
+                    </a:solidFill>
+                    <a:latin typeface="Helvetica" pitchFamily="2" charset="0"/>
+                  </a:rPr>
+                  <a:t>Business Questions</a:t>
+                </a:r>
+              </a:p>
+            </p:txBody>
+          </p:sp>
+        </p:grpSp>
+      </p:grpSp>
     </p:spTree>
     <p:extLst>
       <p:ext uri="{BB962C8B-B14F-4D97-AF65-F5344CB8AC3E}">
-        <p14:creationId xmlns:p14="http://schemas.microsoft.com/office/powerpoint/2010/main" val="1914034834"/>
+        <p14:creationId xmlns:p14="http://schemas.microsoft.com/office/powerpoint/2010/main" val="1560259915"/>
       </p:ext>
     </p:extLst>
   </p:cSld>
@@ -3961,230 +6724,411 @@
       </p:grpSpPr>
       <p:sp>
         <p:nvSpPr>
-          <p:cNvPr id="4" name="TextBox 3">
-            <a:extLst>
-              <a:ext uri="{FF2B5EF4-FFF2-40B4-BE49-F238E27FC236}">
-                <a16:creationId xmlns:a16="http://schemas.microsoft.com/office/drawing/2014/main" id="{E8CDCFAE-A069-8571-8BFD-8B1C1F4D860A}"/>
-              </a:ext>
-            </a:extLst>
-          </p:cNvPr>
-          <p:cNvSpPr txBox="1"/>
+          <p:cNvPr id="2" name="Rectangle 1">
+            <a:extLst>
+              <a:ext uri="{FF2B5EF4-FFF2-40B4-BE49-F238E27FC236}">
+                <a16:creationId xmlns:a16="http://schemas.microsoft.com/office/drawing/2014/main" id="{6F6FE05F-656B-A9A1-45C7-43B8843F5F20}"/>
+              </a:ext>
+            </a:extLst>
+          </p:cNvPr>
+          <p:cNvSpPr/>
           <p:nvPr/>
         </p:nvSpPr>
         <p:spPr>
           <a:xfrm>
-            <a:off x="1182028" y="1115123"/>
-            <a:ext cx="10326030" cy="4524315"/>
+            <a:off x="622300" y="1384300"/>
+            <a:ext cx="10896600" cy="5143500"/>
           </a:xfrm>
           <a:prstGeom prst="rect">
             <a:avLst/>
           </a:prstGeom>
-          <a:noFill/>
+          <a:solidFill>
+            <a:schemeClr val="bg1">
+              <a:lumMod val="95000"/>
+            </a:schemeClr>
+          </a:solidFill>
+          <a:ln>
+            <a:noFill/>
+          </a:ln>
         </p:spPr>
-        <p:txBody>
-          <a:bodyPr wrap="square" rtlCol="0">
-            <a:spAutoFit/>
-          </a:bodyPr>
+        <p:style>
+          <a:lnRef idx="2">
+            <a:schemeClr val="accent1">
+              <a:shade val="50000"/>
+            </a:schemeClr>
+          </a:lnRef>
+          <a:fillRef idx="1">
+            <a:schemeClr val="accent1"/>
+          </a:fillRef>
+          <a:effectRef idx="0">
+            <a:schemeClr val="accent1"/>
+          </a:effectRef>
+          <a:fontRef idx="minor">
+            <a:schemeClr val="lt1"/>
+          </a:fontRef>
+        </p:style>
+        <p:txBody>
+          <a:bodyPr rtlCol="0" anchor="t"/>
           <a:lstStyle/>
           <a:p>
-            <a:pPr algn="l"/>
-            <a:r>
-              <a:rPr lang="en-GB" b="1" i="0" dirty="0">
-                <a:solidFill>
-                  <a:srgbClr val="393D3E"/>
-                </a:solidFill>
-                <a:effectLst/>
-                <a:latin typeface="Roboto" panose="020F0502020204030204" pitchFamily="34" charset="0"/>
-              </a:rPr>
-              <a:t>2. Summary of the data analysis and visualisation approach (~3 minutes)</a:t>
-            </a:r>
-            <a:endParaRPr lang="en-GB" b="1" dirty="0">
+            <a:endParaRPr lang="en-GB" sz="1800" dirty="0">
               <a:solidFill>
-                <a:srgbClr val="393D3E"/>
+                <a:schemeClr val="tx1"/>
               </a:solidFill>
-              <a:latin typeface="Roboto" panose="020F0502020204030204" pitchFamily="34" charset="0"/>
+              <a:effectLst/>
+              <a:latin typeface="Helvetica" pitchFamily="2" charset="0"/>
+              <a:ea typeface="Calibri" panose="020F0502020204030204" pitchFamily="34" charset="0"/>
+              <a:cs typeface="Times New Roman" panose="02020603050405020304" pitchFamily="18" charset="0"/>
             </a:endParaRPr>
           </a:p>
-          <a:p>
-            <a:pPr marL="285750" indent="-285750" algn="l">
+        </p:txBody>
+      </p:sp>
+      <p:sp>
+        <p:nvSpPr>
+          <p:cNvPr id="3" name="Rectangle 2">
+            <a:extLst>
+              <a:ext uri="{FF2B5EF4-FFF2-40B4-BE49-F238E27FC236}">
+                <a16:creationId xmlns:a16="http://schemas.microsoft.com/office/drawing/2014/main" id="{042EE00F-7B79-37C4-4E37-9C785884F00F}"/>
+              </a:ext>
+            </a:extLst>
+          </p:cNvPr>
+          <p:cNvSpPr/>
+          <p:nvPr/>
+        </p:nvSpPr>
+        <p:spPr>
+          <a:xfrm>
+            <a:off x="622300" y="330200"/>
+            <a:ext cx="10896600" cy="914400"/>
+          </a:xfrm>
+          <a:prstGeom prst="rect">
+            <a:avLst/>
+          </a:prstGeom>
+          <a:solidFill>
+            <a:srgbClr val="009051">
+              <a:alpha val="16155"/>
+            </a:srgbClr>
+          </a:solidFill>
+          <a:ln>
+            <a:noFill/>
+          </a:ln>
+        </p:spPr>
+        <p:style>
+          <a:lnRef idx="2">
+            <a:schemeClr val="accent1">
+              <a:shade val="50000"/>
+            </a:schemeClr>
+          </a:lnRef>
+          <a:fillRef idx="1">
+            <a:schemeClr val="accent1"/>
+          </a:fillRef>
+          <a:effectRef idx="0">
+            <a:schemeClr val="accent1"/>
+          </a:effectRef>
+          <a:fontRef idx="minor">
+            <a:schemeClr val="lt1"/>
+          </a:fontRef>
+        </p:style>
+        <p:txBody>
+          <a:bodyPr rtlCol="0" anchor="ctr"/>
+          <a:lstStyle/>
+          <a:p>
+            <a:pPr algn="ctr"/>
+            <a:r>
+              <a:rPr lang="en-US" b="1" dirty="0">
+                <a:solidFill>
+                  <a:schemeClr val="tx1"/>
+                </a:solidFill>
+                <a:latin typeface="Helvetica" pitchFamily="2" charset="0"/>
+                <a:cs typeface="Times New Roman" panose="02020603050405020304" pitchFamily="18" charset="0"/>
+              </a:rPr>
+              <a:t>Hypothesis</a:t>
+            </a:r>
+          </a:p>
+        </p:txBody>
+      </p:sp>
+      <p:pic>
+        <p:nvPicPr>
+          <p:cNvPr id="5" name="Picture 4">
+            <a:extLst>
+              <a:ext uri="{FF2B5EF4-FFF2-40B4-BE49-F238E27FC236}">
+                <a16:creationId xmlns:a16="http://schemas.microsoft.com/office/drawing/2014/main" id="{1F2F78AD-B68A-1CBD-7C84-5DAF25D640C7}"/>
+              </a:ext>
+            </a:extLst>
+          </p:cNvPr>
+          <p:cNvPicPr>
+            <a:picLocks noChangeAspect="1"/>
+          </p:cNvPicPr>
+          <p:nvPr/>
+        </p:nvPicPr>
+        <p:blipFill>
+          <a:blip r:embed="rId3">
+            <a:extLst>
+              <a:ext uri="{28A0092B-C50C-407E-A947-70E740481C1C}">
+                <a14:useLocalDpi xmlns:a14="http://schemas.microsoft.com/office/drawing/2010/main" val="0"/>
+              </a:ext>
+            </a:extLst>
+          </a:blip>
+          <a:stretch>
+            <a:fillRect/>
+          </a:stretch>
+        </p:blipFill>
+        <p:spPr>
+          <a:xfrm>
+            <a:off x="10231755" y="601345"/>
+            <a:ext cx="1058545" cy="372110"/>
+          </a:xfrm>
+          <a:prstGeom prst="rect">
+            <a:avLst/>
+          </a:prstGeom>
+        </p:spPr>
+      </p:pic>
+      <p:sp>
+        <p:nvSpPr>
+          <p:cNvPr id="6" name="Rounded Rectangle 5">
+            <a:extLst>
+              <a:ext uri="{FF2B5EF4-FFF2-40B4-BE49-F238E27FC236}">
+                <a16:creationId xmlns:a16="http://schemas.microsoft.com/office/drawing/2014/main" id="{4D6451E1-3D16-4DA6-41BD-3DB3448D4692}"/>
+              </a:ext>
+            </a:extLst>
+          </p:cNvPr>
+          <p:cNvSpPr/>
+          <p:nvPr/>
+        </p:nvSpPr>
+        <p:spPr>
+          <a:xfrm>
+            <a:off x="8672301" y="601345"/>
+            <a:ext cx="1398588" cy="372111"/>
+          </a:xfrm>
+          <a:prstGeom prst="roundRect">
+            <a:avLst>
+              <a:gd name="adj" fmla="val 0"/>
+            </a:avLst>
+          </a:prstGeom>
+          <a:solidFill>
+            <a:schemeClr val="bg1">
+              <a:lumMod val="65000"/>
+              <a:alpha val="41089"/>
+            </a:schemeClr>
+          </a:solidFill>
+          <a:ln>
+            <a:noFill/>
+          </a:ln>
+        </p:spPr>
+        <p:style>
+          <a:lnRef idx="2">
+            <a:schemeClr val="accent1">
+              <a:shade val="50000"/>
+            </a:schemeClr>
+          </a:lnRef>
+          <a:fillRef idx="1">
+            <a:schemeClr val="accent1"/>
+          </a:fillRef>
+          <a:effectRef idx="0">
+            <a:schemeClr val="accent1"/>
+          </a:effectRef>
+          <a:fontRef idx="minor">
+            <a:schemeClr val="lt1"/>
+          </a:fontRef>
+        </p:style>
+        <p:txBody>
+          <a:bodyPr rtlCol="0" anchor="ctr"/>
+          <a:lstStyle/>
+          <a:p>
+            <a:pPr algn="ctr"/>
+            <a:r>
+              <a:rPr lang="en-US" sz="1200" b="1" dirty="0">
+                <a:solidFill>
+                  <a:schemeClr val="tx1"/>
+                </a:solidFill>
+                <a:latin typeface="Helvetica" pitchFamily="2" charset="0"/>
+              </a:rPr>
+              <a:t>Team A</a:t>
+            </a:r>
+          </a:p>
+        </p:txBody>
+      </p:sp>
+      <p:sp>
+        <p:nvSpPr>
+          <p:cNvPr id="7" name="Round Same-side Corner of Rectangle 6">
+            <a:extLst>
+              <a:ext uri="{FF2B5EF4-FFF2-40B4-BE49-F238E27FC236}">
+                <a16:creationId xmlns:a16="http://schemas.microsoft.com/office/drawing/2014/main" id="{8BE8FF13-042D-D531-8A88-7552E80C58CA}"/>
+              </a:ext>
+            </a:extLst>
+          </p:cNvPr>
+          <p:cNvSpPr/>
+          <p:nvPr/>
+        </p:nvSpPr>
+        <p:spPr>
+          <a:xfrm rot="10800000" flipV="1">
+            <a:off x="1092201" y="2150427"/>
+            <a:ext cx="9956800" cy="4045589"/>
+          </a:xfrm>
+          <a:prstGeom prst="round2SameRect">
+            <a:avLst>
+              <a:gd name="adj1" fmla="val 0"/>
+              <a:gd name="adj2" fmla="val 10714"/>
+            </a:avLst>
+          </a:prstGeom>
+          <a:solidFill>
+            <a:srgbClr val="009051">
+              <a:alpha val="10000"/>
+            </a:srgbClr>
+          </a:solidFill>
+          <a:ln>
+            <a:noFill/>
+          </a:ln>
+        </p:spPr>
+        <p:style>
+          <a:lnRef idx="2">
+            <a:schemeClr val="accent1">
+              <a:shade val="50000"/>
+            </a:schemeClr>
+          </a:lnRef>
+          <a:fillRef idx="1">
+            <a:schemeClr val="accent1"/>
+          </a:fillRef>
+          <a:effectRef idx="0">
+            <a:schemeClr val="accent1"/>
+          </a:effectRef>
+          <a:fontRef idx="minor">
+            <a:schemeClr val="lt1"/>
+          </a:fontRef>
+        </p:style>
+        <p:txBody>
+          <a:bodyPr rtlCol="0" anchor="ctr"/>
+          <a:lstStyle/>
+          <a:p>
+            <a:pPr marL="285750" indent="-285750">
               <a:buFont typeface="Arial" panose="020B0604020202020204" pitchFamily="34" charset="0"/>
               <a:buChar char="•"/>
             </a:pPr>
             <a:r>
-              <a:rPr lang="en-GB" b="0" i="0" dirty="0">
-                <a:solidFill>
-                  <a:srgbClr val="393D3E"/>
-                </a:solidFill>
-                <a:effectLst/>
-                <a:latin typeface="Roboto" panose="020F0502020204030204" pitchFamily="34" charset="0"/>
-              </a:rPr>
-              <a:t>Walk through the approach you took as a team. </a:t>
-            </a:r>
-          </a:p>
-          <a:p>
-            <a:pPr marL="285750" indent="-285750" algn="l">
+              <a:rPr lang="en-GB" sz="1800" dirty="0">
+                <a:solidFill>
+                  <a:schemeClr val="tx1"/>
+                </a:solidFill>
+                <a:effectLst/>
+                <a:latin typeface="Helvetica" pitchFamily="2" charset="0"/>
+              </a:rPr>
+              <a:t>How do socioeconomic factors contribute to cycling uptake?</a:t>
+            </a:r>
+          </a:p>
+          <a:p>
+            <a:pPr marL="285750" indent="-285750">
               <a:buFont typeface="Arial" panose="020B0604020202020204" pitchFamily="34" charset="0"/>
               <a:buChar char="•"/>
             </a:pPr>
             <a:r>
-              <a:rPr lang="en-GB" b="0" i="0" dirty="0">
-                <a:solidFill>
-                  <a:srgbClr val="393D3E"/>
-                </a:solidFill>
-                <a:effectLst/>
-                <a:latin typeface="Roboto" panose="020F0502020204030204" pitchFamily="34" charset="0"/>
-              </a:rPr>
-              <a:t>Consider what the audience may need to know in terms of the data presented. </a:t>
-            </a:r>
-          </a:p>
-          <a:p>
-            <a:pPr marL="285750" indent="-285750" algn="l">
+              <a:rPr lang="en-GB" dirty="0">
+                <a:solidFill>
+                  <a:schemeClr val="tx1"/>
+                </a:solidFill>
+                <a:latin typeface="Helvetica" pitchFamily="2" charset="0"/>
+              </a:rPr>
+              <a:t>I</a:t>
+            </a:r>
+            <a:r>
+              <a:rPr lang="en-GB" sz="1800" dirty="0">
+                <a:solidFill>
+                  <a:schemeClr val="tx1"/>
+                </a:solidFill>
+                <a:effectLst/>
+                <a:latin typeface="Helvetica" pitchFamily="2" charset="0"/>
+              </a:rPr>
+              <a:t>s cycling uptake higher in areas of London where the average income is higher?</a:t>
+            </a:r>
+          </a:p>
+          <a:p>
+            <a:pPr marL="285750" indent="-285750">
               <a:buFont typeface="Arial" panose="020B0604020202020204" pitchFamily="34" charset="0"/>
               <a:buChar char="•"/>
             </a:pPr>
             <a:r>
-              <a:rPr lang="en-GB" b="0" i="0" dirty="0">
-                <a:solidFill>
-                  <a:srgbClr val="393D3E"/>
-                </a:solidFill>
-                <a:effectLst/>
-                <a:latin typeface="Roboto" panose="020F0502020204030204" pitchFamily="34" charset="0"/>
-              </a:rPr>
-              <a:t>Describe any decisions you made about the visualisations.</a:t>
-            </a:r>
-          </a:p>
-          <a:p>
-            <a:pPr algn="l"/>
-            <a:endParaRPr lang="en-GB" dirty="0">
+              <a:rPr lang="en-GB" sz="1800" dirty="0">
+                <a:solidFill>
+                  <a:schemeClr val="tx1"/>
+                </a:solidFill>
+                <a:effectLst/>
+                <a:latin typeface="Helvetica" pitchFamily="2" charset="0"/>
+              </a:rPr>
+              <a:t>Is cycling higher where the Education level is higher? </a:t>
+            </a:r>
+            <a:endParaRPr lang="en-GB" sz="1600" dirty="0">
               <a:solidFill>
-                <a:srgbClr val="393D3E"/>
+                <a:schemeClr val="tx1"/>
               </a:solidFill>
-              <a:latin typeface="Roboto" panose="020F0502020204030204" pitchFamily="34" charset="0"/>
+              <a:latin typeface="Helvetica" pitchFamily="2" charset="0"/>
             </a:endParaRPr>
           </a:p>
-          <a:p>
-            <a:pPr algn="l"/>
-            <a:endParaRPr lang="en-GB" b="0" i="0" dirty="0">
-              <a:solidFill>
-                <a:srgbClr val="393D3E"/>
-              </a:solidFill>
-              <a:effectLst/>
-              <a:latin typeface="Roboto" panose="020F0502020204030204" pitchFamily="34" charset="0"/>
-            </a:endParaRPr>
-          </a:p>
-          <a:p>
-            <a:pPr algn="l"/>
-            <a:r>
-              <a:rPr lang="en-GB" dirty="0">
-                <a:solidFill>
-                  <a:srgbClr val="393D3E"/>
-                </a:solidFill>
-                <a:latin typeface="Roboto" panose="020F0502020204030204" pitchFamily="34" charset="0"/>
-              </a:rPr>
-              <a:t>Intended content:</a:t>
-            </a:r>
-          </a:p>
-          <a:p>
-            <a:pPr algn="l"/>
-            <a:endParaRPr lang="en-GB" dirty="0">
-              <a:solidFill>
-                <a:srgbClr val="393D3E"/>
-              </a:solidFill>
-              <a:latin typeface="Roboto" panose="020F0502020204030204" pitchFamily="34" charset="0"/>
-            </a:endParaRPr>
-          </a:p>
-          <a:p>
-            <a:pPr algn="l"/>
-            <a:r>
-              <a:rPr lang="en-GB" dirty="0">
-                <a:solidFill>
-                  <a:srgbClr val="393D3E"/>
-                </a:solidFill>
-                <a:latin typeface="Roboto" panose="020F0502020204030204" pitchFamily="34" charset="0"/>
-              </a:rPr>
-              <a:t>Zoom into how we analysed below:</a:t>
-            </a:r>
-          </a:p>
-          <a:p>
-            <a:pPr algn="l"/>
-            <a:endParaRPr lang="en-GB" dirty="0">
-              <a:solidFill>
-                <a:srgbClr val="393D3E"/>
-              </a:solidFill>
-              <a:latin typeface="Roboto" panose="020F0502020204030204" pitchFamily="34" charset="0"/>
-            </a:endParaRPr>
-          </a:p>
-          <a:p>
-            <a:pPr marL="342900" indent="-342900" algn="l">
-              <a:buAutoNum type="arabicPeriod"/>
-            </a:pPr>
-            <a:r>
-              <a:rPr lang="en-GB" dirty="0">
-                <a:solidFill>
-                  <a:srgbClr val="393D3E"/>
-                </a:solidFill>
-                <a:latin typeface="Roboto" panose="020F0502020204030204" pitchFamily="34" charset="0"/>
-              </a:rPr>
-              <a:t>General descriptive analysis</a:t>
-            </a:r>
-          </a:p>
-          <a:p>
-            <a:pPr marL="342900" indent="-342900" algn="l">
-              <a:buAutoNum type="arabicPeriod"/>
-            </a:pPr>
-            <a:r>
-              <a:rPr lang="en-GB" dirty="0">
-                <a:solidFill>
-                  <a:srgbClr val="393D3E"/>
-                </a:solidFill>
-                <a:latin typeface="Roboto" panose="020F0502020204030204" pitchFamily="34" charset="0"/>
-              </a:rPr>
-              <a:t>Infrastructure analysis</a:t>
-            </a:r>
-          </a:p>
-          <a:p>
-            <a:pPr marL="342900" indent="-342900" algn="l">
-              <a:buAutoNum type="arabicPeriod"/>
-            </a:pPr>
-            <a:r>
-              <a:rPr lang="en-GB" b="0" i="0" dirty="0">
-                <a:solidFill>
-                  <a:srgbClr val="393D3E"/>
-                </a:solidFill>
-                <a:effectLst/>
-                <a:latin typeface="Roboto" panose="020F0502020204030204" pitchFamily="34" charset="0"/>
-              </a:rPr>
-              <a:t>Safety / accidents analysis</a:t>
-            </a:r>
-          </a:p>
-          <a:p>
-            <a:pPr algn="l"/>
-            <a:endParaRPr lang="en-GB" dirty="0">
-              <a:solidFill>
-                <a:srgbClr val="393D3E"/>
-              </a:solidFill>
-              <a:latin typeface="Roboto" panose="020F0502020204030204" pitchFamily="34" charset="0"/>
-            </a:endParaRPr>
-          </a:p>
-          <a:p>
-            <a:pPr algn="l"/>
-            <a:endParaRPr lang="en-GB" b="0" i="0" dirty="0">
-              <a:solidFill>
-                <a:srgbClr val="393D3E"/>
-              </a:solidFill>
-              <a:effectLst/>
-              <a:latin typeface="Roboto" panose="020F0502020204030204" pitchFamily="34" charset="0"/>
-            </a:endParaRPr>
-          </a:p>
-          <a:p>
-            <a:endParaRPr lang="en-US" dirty="0"/>
+        </p:txBody>
+      </p:sp>
+      <p:sp>
+        <p:nvSpPr>
+          <p:cNvPr id="8" name="Round Same-side Corner of Rectangle 7">
+            <a:extLst>
+              <a:ext uri="{FF2B5EF4-FFF2-40B4-BE49-F238E27FC236}">
+                <a16:creationId xmlns:a16="http://schemas.microsoft.com/office/drawing/2014/main" id="{753B22E1-01DC-2FC6-AE43-F8BAE9104AAB}"/>
+              </a:ext>
+            </a:extLst>
+          </p:cNvPr>
+          <p:cNvSpPr/>
+          <p:nvPr/>
+        </p:nvSpPr>
+        <p:spPr>
+          <a:xfrm>
+            <a:off x="1092201" y="1716085"/>
+            <a:ext cx="9956799" cy="372111"/>
+          </a:xfrm>
+          <a:prstGeom prst="round2SameRect">
+            <a:avLst/>
+          </a:prstGeom>
+          <a:solidFill>
+            <a:srgbClr val="009051">
+              <a:alpha val="28973"/>
+            </a:srgbClr>
+          </a:solidFill>
+          <a:ln>
+            <a:noFill/>
+          </a:ln>
+        </p:spPr>
+        <p:style>
+          <a:lnRef idx="2">
+            <a:schemeClr val="accent1">
+              <a:shade val="50000"/>
+            </a:schemeClr>
+          </a:lnRef>
+          <a:fillRef idx="1">
+            <a:schemeClr val="accent1"/>
+          </a:fillRef>
+          <a:effectRef idx="0">
+            <a:schemeClr val="accent1"/>
+          </a:effectRef>
+          <a:fontRef idx="minor">
+            <a:schemeClr val="lt1"/>
+          </a:fontRef>
+        </p:style>
+        <p:txBody>
+          <a:bodyPr rtlCol="0" anchor="ctr"/>
+          <a:lstStyle/>
+          <a:p>
+            <a:pPr algn="ctr"/>
+            <a:r>
+              <a:rPr lang="en-US" sz="1600" b="1" dirty="0">
+                <a:solidFill>
+                  <a:schemeClr val="tx1"/>
+                </a:solidFill>
+                <a:latin typeface="Helvetica" pitchFamily="2" charset="0"/>
+              </a:rPr>
+              <a:t>Socio-economic factors are expected to contribute to cycling uptake</a:t>
+            </a:r>
           </a:p>
         </p:txBody>
       </p:sp>
     </p:spTree>
     <p:extLst>
       <p:ext uri="{BB962C8B-B14F-4D97-AF65-F5344CB8AC3E}">
-        <p14:creationId xmlns:p14="http://schemas.microsoft.com/office/powerpoint/2010/main" val="3666435865"/>
+        <p14:creationId xmlns:p14="http://schemas.microsoft.com/office/powerpoint/2010/main" val="1056788128"/>
       </p:ext>
     </p:extLst>
   </p:cSld>
@@ -4213,193 +7157,402 @@
       </p:grpSpPr>
       <p:sp>
         <p:nvSpPr>
-          <p:cNvPr id="4" name="TextBox 3">
-            <a:extLst>
-              <a:ext uri="{FF2B5EF4-FFF2-40B4-BE49-F238E27FC236}">
-                <a16:creationId xmlns:a16="http://schemas.microsoft.com/office/drawing/2014/main" id="{E8CDCFAE-A069-8571-8BFD-8B1C1F4D860A}"/>
-              </a:ext>
-            </a:extLst>
-          </p:cNvPr>
-          <p:cNvSpPr txBox="1"/>
+          <p:cNvPr id="2" name="Rectangle 1">
+            <a:extLst>
+              <a:ext uri="{FF2B5EF4-FFF2-40B4-BE49-F238E27FC236}">
+                <a16:creationId xmlns:a16="http://schemas.microsoft.com/office/drawing/2014/main" id="{6F6FE05F-656B-A9A1-45C7-43B8843F5F20}"/>
+              </a:ext>
+            </a:extLst>
+          </p:cNvPr>
+          <p:cNvSpPr/>
           <p:nvPr/>
         </p:nvSpPr>
         <p:spPr>
           <a:xfrm>
-            <a:off x="1182028" y="1115123"/>
-            <a:ext cx="10326030" cy="3693319"/>
+            <a:off x="622300" y="1384300"/>
+            <a:ext cx="10896600" cy="5143500"/>
           </a:xfrm>
           <a:prstGeom prst="rect">
             <a:avLst/>
           </a:prstGeom>
-          <a:noFill/>
+          <a:solidFill>
+            <a:schemeClr val="bg1">
+              <a:lumMod val="95000"/>
+            </a:schemeClr>
+          </a:solidFill>
+          <a:ln>
+            <a:noFill/>
+          </a:ln>
         </p:spPr>
-        <p:txBody>
-          <a:bodyPr wrap="square" rtlCol="0">
-            <a:spAutoFit/>
-          </a:bodyPr>
+        <p:style>
+          <a:lnRef idx="2">
+            <a:schemeClr val="accent1">
+              <a:shade val="50000"/>
+            </a:schemeClr>
+          </a:lnRef>
+          <a:fillRef idx="1">
+            <a:schemeClr val="accent1"/>
+          </a:fillRef>
+          <a:effectRef idx="0">
+            <a:schemeClr val="accent1"/>
+          </a:effectRef>
+          <a:fontRef idx="minor">
+            <a:schemeClr val="lt1"/>
+          </a:fontRef>
+        </p:style>
+        <p:txBody>
+          <a:bodyPr rtlCol="0" anchor="t"/>
           <a:lstStyle/>
           <a:p>
-            <a:pPr algn="l"/>
-            <a:r>
-              <a:rPr lang="en-GB" b="1" dirty="0">
-                <a:solidFill>
-                  <a:srgbClr val="393D3E"/>
-                </a:solidFill>
-                <a:latin typeface="Roboto" panose="020F0502020204030204" pitchFamily="34" charset="0"/>
-              </a:rPr>
-              <a:t>3. </a:t>
-            </a:r>
-            <a:r>
-              <a:rPr lang="en-GB" b="1" i="0" dirty="0">
-                <a:solidFill>
-                  <a:srgbClr val="393D3E"/>
-                </a:solidFill>
-                <a:effectLst/>
-                <a:latin typeface="Roboto" panose="020F0502020204030204" pitchFamily="34" charset="0"/>
-              </a:rPr>
-              <a:t>Data-informed recommendation(s) (~3 minutes)</a:t>
-            </a:r>
-            <a:endParaRPr lang="en-GB" b="1" dirty="0">
+            <a:endParaRPr lang="en-GB" sz="1800" dirty="0">
               <a:solidFill>
-                <a:srgbClr val="393D3E"/>
+                <a:schemeClr val="tx1"/>
               </a:solidFill>
-              <a:latin typeface="Roboto" panose="020F0502020204030204" pitchFamily="34" charset="0"/>
+              <a:effectLst/>
+              <a:latin typeface="Helvetica" pitchFamily="2" charset="0"/>
+              <a:ea typeface="Calibri" panose="020F0502020204030204" pitchFamily="34" charset="0"/>
+              <a:cs typeface="Times New Roman" panose="02020603050405020304" pitchFamily="18" charset="0"/>
             </a:endParaRPr>
           </a:p>
-          <a:p>
-            <a:pPr marL="285750" indent="-285750" algn="l">
+        </p:txBody>
+      </p:sp>
+      <p:sp>
+        <p:nvSpPr>
+          <p:cNvPr id="3" name="Rectangle 2">
+            <a:extLst>
+              <a:ext uri="{FF2B5EF4-FFF2-40B4-BE49-F238E27FC236}">
+                <a16:creationId xmlns:a16="http://schemas.microsoft.com/office/drawing/2014/main" id="{042EE00F-7B79-37C4-4E37-9C785884F00F}"/>
+              </a:ext>
+            </a:extLst>
+          </p:cNvPr>
+          <p:cNvSpPr/>
+          <p:nvPr/>
+        </p:nvSpPr>
+        <p:spPr>
+          <a:xfrm>
+            <a:off x="622300" y="330200"/>
+            <a:ext cx="10896600" cy="914400"/>
+          </a:xfrm>
+          <a:prstGeom prst="rect">
+            <a:avLst/>
+          </a:prstGeom>
+          <a:solidFill>
+            <a:srgbClr val="009051">
+              <a:alpha val="16155"/>
+            </a:srgbClr>
+          </a:solidFill>
+          <a:ln>
+            <a:noFill/>
+          </a:ln>
+        </p:spPr>
+        <p:style>
+          <a:lnRef idx="2">
+            <a:schemeClr val="accent1">
+              <a:shade val="50000"/>
+            </a:schemeClr>
+          </a:lnRef>
+          <a:fillRef idx="1">
+            <a:schemeClr val="accent1"/>
+          </a:fillRef>
+          <a:effectRef idx="0">
+            <a:schemeClr val="accent1"/>
+          </a:effectRef>
+          <a:fontRef idx="minor">
+            <a:schemeClr val="lt1"/>
+          </a:fontRef>
+        </p:style>
+        <p:txBody>
+          <a:bodyPr rtlCol="0" anchor="ctr"/>
+          <a:lstStyle/>
+          <a:p>
+            <a:pPr algn="ctr"/>
+            <a:r>
+              <a:rPr lang="en-US" b="1" dirty="0">
+                <a:solidFill>
+                  <a:schemeClr val="tx1"/>
+                </a:solidFill>
+                <a:latin typeface="Helvetica" pitchFamily="2" charset="0"/>
+                <a:cs typeface="Times New Roman" panose="02020603050405020304" pitchFamily="18" charset="0"/>
+              </a:rPr>
+              <a:t>Hypothesis</a:t>
+            </a:r>
+          </a:p>
+        </p:txBody>
+      </p:sp>
+      <p:pic>
+        <p:nvPicPr>
+          <p:cNvPr id="5" name="Picture 4">
+            <a:extLst>
+              <a:ext uri="{FF2B5EF4-FFF2-40B4-BE49-F238E27FC236}">
+                <a16:creationId xmlns:a16="http://schemas.microsoft.com/office/drawing/2014/main" id="{1F2F78AD-B68A-1CBD-7C84-5DAF25D640C7}"/>
+              </a:ext>
+            </a:extLst>
+          </p:cNvPr>
+          <p:cNvPicPr>
+            <a:picLocks noChangeAspect="1"/>
+          </p:cNvPicPr>
+          <p:nvPr/>
+        </p:nvPicPr>
+        <p:blipFill>
+          <a:blip r:embed="rId3">
+            <a:extLst>
+              <a:ext uri="{28A0092B-C50C-407E-A947-70E740481C1C}">
+                <a14:useLocalDpi xmlns:a14="http://schemas.microsoft.com/office/drawing/2010/main" val="0"/>
+              </a:ext>
+            </a:extLst>
+          </a:blip>
+          <a:stretch>
+            <a:fillRect/>
+          </a:stretch>
+        </p:blipFill>
+        <p:spPr>
+          <a:xfrm>
+            <a:off x="10231755" y="601345"/>
+            <a:ext cx="1058545" cy="372110"/>
+          </a:xfrm>
+          <a:prstGeom prst="rect">
+            <a:avLst/>
+          </a:prstGeom>
+        </p:spPr>
+      </p:pic>
+      <p:sp>
+        <p:nvSpPr>
+          <p:cNvPr id="6" name="Rounded Rectangle 5">
+            <a:extLst>
+              <a:ext uri="{FF2B5EF4-FFF2-40B4-BE49-F238E27FC236}">
+                <a16:creationId xmlns:a16="http://schemas.microsoft.com/office/drawing/2014/main" id="{4D6451E1-3D16-4DA6-41BD-3DB3448D4692}"/>
+              </a:ext>
+            </a:extLst>
+          </p:cNvPr>
+          <p:cNvSpPr/>
+          <p:nvPr/>
+        </p:nvSpPr>
+        <p:spPr>
+          <a:xfrm>
+            <a:off x="8672301" y="601345"/>
+            <a:ext cx="1398588" cy="372111"/>
+          </a:xfrm>
+          <a:prstGeom prst="roundRect">
+            <a:avLst>
+              <a:gd name="adj" fmla="val 0"/>
+            </a:avLst>
+          </a:prstGeom>
+          <a:solidFill>
+            <a:schemeClr val="bg1">
+              <a:lumMod val="65000"/>
+              <a:alpha val="41089"/>
+            </a:schemeClr>
+          </a:solidFill>
+          <a:ln>
+            <a:noFill/>
+          </a:ln>
+        </p:spPr>
+        <p:style>
+          <a:lnRef idx="2">
+            <a:schemeClr val="accent1">
+              <a:shade val="50000"/>
+            </a:schemeClr>
+          </a:lnRef>
+          <a:fillRef idx="1">
+            <a:schemeClr val="accent1"/>
+          </a:fillRef>
+          <a:effectRef idx="0">
+            <a:schemeClr val="accent1"/>
+          </a:effectRef>
+          <a:fontRef idx="minor">
+            <a:schemeClr val="lt1"/>
+          </a:fontRef>
+        </p:style>
+        <p:txBody>
+          <a:bodyPr rtlCol="0" anchor="ctr"/>
+          <a:lstStyle/>
+          <a:p>
+            <a:pPr algn="ctr"/>
+            <a:r>
+              <a:rPr lang="en-US" sz="1200" b="1" dirty="0">
+                <a:solidFill>
+                  <a:schemeClr val="tx1"/>
+                </a:solidFill>
+                <a:latin typeface="Helvetica" pitchFamily="2" charset="0"/>
+              </a:rPr>
+              <a:t>Team A</a:t>
+            </a:r>
+          </a:p>
+        </p:txBody>
+      </p:sp>
+      <p:sp>
+        <p:nvSpPr>
+          <p:cNvPr id="7" name="Round Same-side Corner of Rectangle 6">
+            <a:extLst>
+              <a:ext uri="{FF2B5EF4-FFF2-40B4-BE49-F238E27FC236}">
+                <a16:creationId xmlns:a16="http://schemas.microsoft.com/office/drawing/2014/main" id="{8BE8FF13-042D-D531-8A88-7552E80C58CA}"/>
+              </a:ext>
+            </a:extLst>
+          </p:cNvPr>
+          <p:cNvSpPr/>
+          <p:nvPr/>
+        </p:nvSpPr>
+        <p:spPr>
+          <a:xfrm rot="10800000" flipV="1">
+            <a:off x="1092201" y="2150427"/>
+            <a:ext cx="9956800" cy="4045589"/>
+          </a:xfrm>
+          <a:prstGeom prst="round2SameRect">
+            <a:avLst>
+              <a:gd name="adj1" fmla="val 0"/>
+              <a:gd name="adj2" fmla="val 10714"/>
+            </a:avLst>
+          </a:prstGeom>
+          <a:solidFill>
+            <a:srgbClr val="009051">
+              <a:alpha val="10000"/>
+            </a:srgbClr>
+          </a:solidFill>
+          <a:ln>
+            <a:noFill/>
+          </a:ln>
+        </p:spPr>
+        <p:style>
+          <a:lnRef idx="2">
+            <a:schemeClr val="accent1">
+              <a:shade val="50000"/>
+            </a:schemeClr>
+          </a:lnRef>
+          <a:fillRef idx="1">
+            <a:schemeClr val="accent1"/>
+          </a:fillRef>
+          <a:effectRef idx="0">
+            <a:schemeClr val="accent1"/>
+          </a:effectRef>
+          <a:fontRef idx="minor">
+            <a:schemeClr val="lt1"/>
+          </a:fontRef>
+        </p:style>
+        <p:txBody>
+          <a:bodyPr rtlCol="0" anchor="ctr"/>
+          <a:lstStyle/>
+          <a:p>
+            <a:pPr marL="285750" indent="-285750">
               <a:buFont typeface="Arial" panose="020B0604020202020204" pitchFamily="34" charset="0"/>
               <a:buChar char="•"/>
             </a:pPr>
             <a:r>
-              <a:rPr lang="en-GB" b="0" i="0" dirty="0">
-                <a:solidFill>
-                  <a:srgbClr val="393D3E"/>
-                </a:solidFill>
-                <a:effectLst/>
-                <a:latin typeface="Roboto" panose="020F0502020204030204" pitchFamily="34" charset="0"/>
-              </a:rPr>
-              <a:t>Present any patterns, trends, or insights that you discovered. </a:t>
-            </a:r>
-          </a:p>
-          <a:p>
-            <a:pPr marL="285750" indent="-285750" algn="l">
+              <a:rPr lang="en-GB" sz="1800" dirty="0">
+                <a:solidFill>
+                  <a:schemeClr val="tx1"/>
+                </a:solidFill>
+                <a:effectLst/>
+                <a:latin typeface="Helvetica" pitchFamily="2" charset="0"/>
+              </a:rPr>
+              <a:t>How does cycling uptake change amongst different demographics?</a:t>
+            </a:r>
+          </a:p>
+          <a:p>
+            <a:pPr marL="285750" indent="-285750">
               <a:buFont typeface="Arial" panose="020B0604020202020204" pitchFamily="34" charset="0"/>
               <a:buChar char="•"/>
             </a:pPr>
             <a:r>
-              <a:rPr lang="en-GB" b="0" i="0" dirty="0">
-                <a:solidFill>
-                  <a:srgbClr val="393D3E"/>
-                </a:solidFill>
-                <a:effectLst/>
-                <a:latin typeface="Roboto" panose="020F0502020204030204" pitchFamily="34" charset="0"/>
-              </a:rPr>
-              <a:t>Articulate why they are interesting and any possible recommendations that you might make as a result.</a:t>
-            </a:r>
-          </a:p>
-          <a:p>
-            <a:pPr algn="l"/>
-            <a:endParaRPr lang="en-GB" b="0" i="0" dirty="0">
-              <a:solidFill>
-                <a:srgbClr val="393D3E"/>
-              </a:solidFill>
-              <a:effectLst/>
-              <a:latin typeface="Roboto" panose="020F0502020204030204" pitchFamily="34" charset="0"/>
-            </a:endParaRPr>
-          </a:p>
-          <a:p>
-            <a:pPr algn="l"/>
+              <a:rPr lang="en-GB" sz="1800" dirty="0">
+                <a:solidFill>
+                  <a:schemeClr val="tx1"/>
+                </a:solidFill>
+                <a:effectLst/>
+                <a:latin typeface="Helvetica" pitchFamily="2" charset="0"/>
+              </a:rPr>
+              <a:t>How can cycling uptake be improved amongst young black, Asian and mixed-ethnicity men and women?</a:t>
+            </a:r>
+          </a:p>
+          <a:p>
+            <a:pPr marL="285750" indent="-285750">
+              <a:buFont typeface="Arial" panose="020B0604020202020204" pitchFamily="34" charset="0"/>
+              <a:buChar char="•"/>
+            </a:pPr>
+            <a:r>
+              <a:rPr lang="en-GB" sz="1800" dirty="0">
+                <a:solidFill>
+                  <a:schemeClr val="tx1"/>
+                </a:solidFill>
+                <a:effectLst/>
+                <a:latin typeface="Helvetica" pitchFamily="2" charset="0"/>
+              </a:rPr>
+              <a:t>This can include age, class, gender &amp; race </a:t>
+            </a:r>
             <a:endParaRPr lang="en-GB" dirty="0">
               <a:solidFill>
-                <a:srgbClr val="393D3E"/>
+                <a:schemeClr val="tx1"/>
               </a:solidFill>
-              <a:latin typeface="Roboto" panose="020F0502020204030204" pitchFamily="34" charset="0"/>
+              <a:latin typeface="Helvetica" pitchFamily="2" charset="0"/>
             </a:endParaRPr>
           </a:p>
-          <a:p>
-            <a:pPr algn="l"/>
-            <a:r>
-              <a:rPr lang="en-GB" dirty="0">
-                <a:solidFill>
-                  <a:srgbClr val="393D3E"/>
-                </a:solidFill>
-                <a:latin typeface="Roboto" panose="020F0502020204030204" pitchFamily="34" charset="0"/>
-              </a:rPr>
-              <a:t>Elaborate with examples / visualisations on some of the outcomes of analysing below:</a:t>
-            </a:r>
-          </a:p>
-          <a:p>
-            <a:pPr algn="l"/>
-            <a:endParaRPr lang="en-GB" dirty="0">
-              <a:solidFill>
-                <a:srgbClr val="393D3E"/>
-              </a:solidFill>
-              <a:latin typeface="Roboto" panose="020F0502020204030204" pitchFamily="34" charset="0"/>
-            </a:endParaRPr>
-          </a:p>
-          <a:p>
-            <a:pPr marL="342900" indent="-342900" algn="l">
-              <a:buAutoNum type="arabicPeriod"/>
-            </a:pPr>
-            <a:r>
-              <a:rPr lang="en-GB" dirty="0">
-                <a:solidFill>
-                  <a:srgbClr val="393D3E"/>
-                </a:solidFill>
-                <a:latin typeface="Roboto" panose="020F0502020204030204" pitchFamily="34" charset="0"/>
-              </a:rPr>
-              <a:t>General descriptive analysis</a:t>
-            </a:r>
-          </a:p>
-          <a:p>
-            <a:pPr marL="342900" indent="-342900" algn="l">
-              <a:buAutoNum type="arabicPeriod"/>
-            </a:pPr>
-            <a:r>
-              <a:rPr lang="en-GB" dirty="0">
-                <a:solidFill>
-                  <a:srgbClr val="393D3E"/>
-                </a:solidFill>
-                <a:latin typeface="Roboto" panose="020F0502020204030204" pitchFamily="34" charset="0"/>
-              </a:rPr>
-              <a:t>Infrastructure analysis</a:t>
-            </a:r>
-          </a:p>
-          <a:p>
-            <a:pPr marL="342900" indent="-342900" algn="l">
-              <a:buAutoNum type="arabicPeriod"/>
-            </a:pPr>
-            <a:r>
-              <a:rPr lang="en-GB" b="0" i="0" dirty="0">
-                <a:solidFill>
-                  <a:srgbClr val="393D3E"/>
-                </a:solidFill>
-                <a:effectLst/>
-                <a:latin typeface="Roboto" panose="020F0502020204030204" pitchFamily="34" charset="0"/>
-              </a:rPr>
-              <a:t>Safety / accidents analysis</a:t>
-            </a:r>
-          </a:p>
-          <a:p>
-            <a:pPr algn="l"/>
-            <a:endParaRPr lang="en-GB" b="0" i="0" dirty="0">
-              <a:solidFill>
-                <a:srgbClr val="393D3E"/>
-              </a:solidFill>
-              <a:effectLst/>
-              <a:latin typeface="Roboto" panose="020F0502020204030204" pitchFamily="34" charset="0"/>
-            </a:endParaRPr>
-          </a:p>
-          <a:p>
-            <a:endParaRPr lang="en-US" dirty="0"/>
+        </p:txBody>
+      </p:sp>
+      <p:sp>
+        <p:nvSpPr>
+          <p:cNvPr id="8" name="Round Same-side Corner of Rectangle 7">
+            <a:extLst>
+              <a:ext uri="{FF2B5EF4-FFF2-40B4-BE49-F238E27FC236}">
+                <a16:creationId xmlns:a16="http://schemas.microsoft.com/office/drawing/2014/main" id="{753B22E1-01DC-2FC6-AE43-F8BAE9104AAB}"/>
+              </a:ext>
+            </a:extLst>
+          </p:cNvPr>
+          <p:cNvSpPr/>
+          <p:nvPr/>
+        </p:nvSpPr>
+        <p:spPr>
+          <a:xfrm>
+            <a:off x="1092201" y="1716085"/>
+            <a:ext cx="9956799" cy="372111"/>
+          </a:xfrm>
+          <a:prstGeom prst="round2SameRect">
+            <a:avLst/>
+          </a:prstGeom>
+          <a:solidFill>
+            <a:srgbClr val="009051">
+              <a:alpha val="28973"/>
+            </a:srgbClr>
+          </a:solidFill>
+          <a:ln>
+            <a:noFill/>
+          </a:ln>
+        </p:spPr>
+        <p:style>
+          <a:lnRef idx="2">
+            <a:schemeClr val="accent1">
+              <a:shade val="50000"/>
+            </a:schemeClr>
+          </a:lnRef>
+          <a:fillRef idx="1">
+            <a:schemeClr val="accent1"/>
+          </a:fillRef>
+          <a:effectRef idx="0">
+            <a:schemeClr val="accent1"/>
+          </a:effectRef>
+          <a:fontRef idx="minor">
+            <a:schemeClr val="lt1"/>
+          </a:fontRef>
+        </p:style>
+        <p:txBody>
+          <a:bodyPr rtlCol="0" anchor="ctr"/>
+          <a:lstStyle/>
+          <a:p>
+            <a:pPr algn="ctr"/>
+            <a:r>
+              <a:rPr lang="en-US" sz="1600" b="1" dirty="0">
+                <a:solidFill>
+                  <a:schemeClr val="tx1"/>
+                </a:solidFill>
+                <a:latin typeface="Helvetica" pitchFamily="2" charset="0"/>
+              </a:rPr>
+              <a:t>Cycling uptake will vary between different demographics</a:t>
+            </a:r>
           </a:p>
         </p:txBody>
       </p:sp>
     </p:spTree>
     <p:extLst>
       <p:ext uri="{BB962C8B-B14F-4D97-AF65-F5344CB8AC3E}">
-        <p14:creationId xmlns:p14="http://schemas.microsoft.com/office/powerpoint/2010/main" val="861591308"/>
+        <p14:creationId xmlns:p14="http://schemas.microsoft.com/office/powerpoint/2010/main" val="2697056866"/>
       </p:ext>
     </p:extLst>
   </p:cSld>
@@ -4428,6 +7581,1379 @@
       </p:grpSpPr>
       <p:sp>
         <p:nvSpPr>
+          <p:cNvPr id="2" name="Rectangle 1">
+            <a:extLst>
+              <a:ext uri="{FF2B5EF4-FFF2-40B4-BE49-F238E27FC236}">
+                <a16:creationId xmlns:a16="http://schemas.microsoft.com/office/drawing/2014/main" id="{6F6FE05F-656B-A9A1-45C7-43B8843F5F20}"/>
+              </a:ext>
+            </a:extLst>
+          </p:cNvPr>
+          <p:cNvSpPr/>
+          <p:nvPr/>
+        </p:nvSpPr>
+        <p:spPr>
+          <a:xfrm>
+            <a:off x="622300" y="1384300"/>
+            <a:ext cx="10896600" cy="5143500"/>
+          </a:xfrm>
+          <a:prstGeom prst="rect">
+            <a:avLst/>
+          </a:prstGeom>
+          <a:solidFill>
+            <a:schemeClr val="bg1">
+              <a:lumMod val="95000"/>
+            </a:schemeClr>
+          </a:solidFill>
+          <a:ln>
+            <a:noFill/>
+          </a:ln>
+        </p:spPr>
+        <p:style>
+          <a:lnRef idx="2">
+            <a:schemeClr val="accent1">
+              <a:shade val="50000"/>
+            </a:schemeClr>
+          </a:lnRef>
+          <a:fillRef idx="1">
+            <a:schemeClr val="accent1"/>
+          </a:fillRef>
+          <a:effectRef idx="0">
+            <a:schemeClr val="accent1"/>
+          </a:effectRef>
+          <a:fontRef idx="minor">
+            <a:schemeClr val="lt1"/>
+          </a:fontRef>
+        </p:style>
+        <p:txBody>
+          <a:bodyPr rtlCol="0" anchor="t"/>
+          <a:lstStyle/>
+          <a:p>
+            <a:endParaRPr lang="en-GB" sz="1800" dirty="0">
+              <a:solidFill>
+                <a:schemeClr val="tx1"/>
+              </a:solidFill>
+              <a:effectLst/>
+              <a:latin typeface="Helvetica" pitchFamily="2" charset="0"/>
+              <a:ea typeface="Calibri" panose="020F0502020204030204" pitchFamily="34" charset="0"/>
+              <a:cs typeface="Times New Roman" panose="02020603050405020304" pitchFamily="18" charset="0"/>
+            </a:endParaRPr>
+          </a:p>
+        </p:txBody>
+      </p:sp>
+      <p:sp>
+        <p:nvSpPr>
+          <p:cNvPr id="3" name="Rectangle 2">
+            <a:extLst>
+              <a:ext uri="{FF2B5EF4-FFF2-40B4-BE49-F238E27FC236}">
+                <a16:creationId xmlns:a16="http://schemas.microsoft.com/office/drawing/2014/main" id="{042EE00F-7B79-37C4-4E37-9C785884F00F}"/>
+              </a:ext>
+            </a:extLst>
+          </p:cNvPr>
+          <p:cNvSpPr/>
+          <p:nvPr/>
+        </p:nvSpPr>
+        <p:spPr>
+          <a:xfrm>
+            <a:off x="622300" y="330200"/>
+            <a:ext cx="10896600" cy="914400"/>
+          </a:xfrm>
+          <a:prstGeom prst="rect">
+            <a:avLst/>
+          </a:prstGeom>
+          <a:solidFill>
+            <a:srgbClr val="009051">
+              <a:alpha val="16155"/>
+            </a:srgbClr>
+          </a:solidFill>
+          <a:ln>
+            <a:noFill/>
+          </a:ln>
+        </p:spPr>
+        <p:style>
+          <a:lnRef idx="2">
+            <a:schemeClr val="accent1">
+              <a:shade val="50000"/>
+            </a:schemeClr>
+          </a:lnRef>
+          <a:fillRef idx="1">
+            <a:schemeClr val="accent1"/>
+          </a:fillRef>
+          <a:effectRef idx="0">
+            <a:schemeClr val="accent1"/>
+          </a:effectRef>
+          <a:fontRef idx="minor">
+            <a:schemeClr val="lt1"/>
+          </a:fontRef>
+        </p:style>
+        <p:txBody>
+          <a:bodyPr rtlCol="0" anchor="ctr"/>
+          <a:lstStyle/>
+          <a:p>
+            <a:pPr algn="ctr"/>
+            <a:r>
+              <a:rPr lang="en-US" b="1" dirty="0">
+                <a:solidFill>
+                  <a:schemeClr val="tx1"/>
+                </a:solidFill>
+                <a:latin typeface="Helvetica" pitchFamily="2" charset="0"/>
+                <a:cs typeface="Times New Roman" panose="02020603050405020304" pitchFamily="18" charset="0"/>
+              </a:rPr>
+              <a:t>Hypothesis</a:t>
+            </a:r>
+          </a:p>
+        </p:txBody>
+      </p:sp>
+      <p:pic>
+        <p:nvPicPr>
+          <p:cNvPr id="5" name="Picture 4">
+            <a:extLst>
+              <a:ext uri="{FF2B5EF4-FFF2-40B4-BE49-F238E27FC236}">
+                <a16:creationId xmlns:a16="http://schemas.microsoft.com/office/drawing/2014/main" id="{1F2F78AD-B68A-1CBD-7C84-5DAF25D640C7}"/>
+              </a:ext>
+            </a:extLst>
+          </p:cNvPr>
+          <p:cNvPicPr>
+            <a:picLocks noChangeAspect="1"/>
+          </p:cNvPicPr>
+          <p:nvPr/>
+        </p:nvPicPr>
+        <p:blipFill>
+          <a:blip r:embed="rId3">
+            <a:extLst>
+              <a:ext uri="{28A0092B-C50C-407E-A947-70E740481C1C}">
+                <a14:useLocalDpi xmlns:a14="http://schemas.microsoft.com/office/drawing/2010/main" val="0"/>
+              </a:ext>
+            </a:extLst>
+          </a:blip>
+          <a:stretch>
+            <a:fillRect/>
+          </a:stretch>
+        </p:blipFill>
+        <p:spPr>
+          <a:xfrm>
+            <a:off x="10231755" y="601345"/>
+            <a:ext cx="1058545" cy="372110"/>
+          </a:xfrm>
+          <a:prstGeom prst="rect">
+            <a:avLst/>
+          </a:prstGeom>
+        </p:spPr>
+      </p:pic>
+      <p:sp>
+        <p:nvSpPr>
+          <p:cNvPr id="6" name="Rounded Rectangle 5">
+            <a:extLst>
+              <a:ext uri="{FF2B5EF4-FFF2-40B4-BE49-F238E27FC236}">
+                <a16:creationId xmlns:a16="http://schemas.microsoft.com/office/drawing/2014/main" id="{4D6451E1-3D16-4DA6-41BD-3DB3448D4692}"/>
+              </a:ext>
+            </a:extLst>
+          </p:cNvPr>
+          <p:cNvSpPr/>
+          <p:nvPr/>
+        </p:nvSpPr>
+        <p:spPr>
+          <a:xfrm>
+            <a:off x="8672301" y="601345"/>
+            <a:ext cx="1398588" cy="372111"/>
+          </a:xfrm>
+          <a:prstGeom prst="roundRect">
+            <a:avLst>
+              <a:gd name="adj" fmla="val 0"/>
+            </a:avLst>
+          </a:prstGeom>
+          <a:solidFill>
+            <a:schemeClr val="bg1">
+              <a:lumMod val="65000"/>
+              <a:alpha val="41089"/>
+            </a:schemeClr>
+          </a:solidFill>
+          <a:ln>
+            <a:noFill/>
+          </a:ln>
+        </p:spPr>
+        <p:style>
+          <a:lnRef idx="2">
+            <a:schemeClr val="accent1">
+              <a:shade val="50000"/>
+            </a:schemeClr>
+          </a:lnRef>
+          <a:fillRef idx="1">
+            <a:schemeClr val="accent1"/>
+          </a:fillRef>
+          <a:effectRef idx="0">
+            <a:schemeClr val="accent1"/>
+          </a:effectRef>
+          <a:fontRef idx="minor">
+            <a:schemeClr val="lt1"/>
+          </a:fontRef>
+        </p:style>
+        <p:txBody>
+          <a:bodyPr rtlCol="0" anchor="ctr"/>
+          <a:lstStyle/>
+          <a:p>
+            <a:pPr algn="ctr"/>
+            <a:r>
+              <a:rPr lang="en-US" sz="1200" b="1" dirty="0">
+                <a:solidFill>
+                  <a:schemeClr val="tx1"/>
+                </a:solidFill>
+                <a:latin typeface="Helvetica" pitchFamily="2" charset="0"/>
+              </a:rPr>
+              <a:t>Team A</a:t>
+            </a:r>
+          </a:p>
+        </p:txBody>
+      </p:sp>
+      <p:sp>
+        <p:nvSpPr>
+          <p:cNvPr id="7" name="Round Same-side Corner of Rectangle 6">
+            <a:extLst>
+              <a:ext uri="{FF2B5EF4-FFF2-40B4-BE49-F238E27FC236}">
+                <a16:creationId xmlns:a16="http://schemas.microsoft.com/office/drawing/2014/main" id="{8BE8FF13-042D-D531-8A88-7552E80C58CA}"/>
+              </a:ext>
+            </a:extLst>
+          </p:cNvPr>
+          <p:cNvSpPr/>
+          <p:nvPr/>
+        </p:nvSpPr>
+        <p:spPr>
+          <a:xfrm rot="10800000" flipV="1">
+            <a:off x="1092201" y="2150427"/>
+            <a:ext cx="9956800" cy="4045589"/>
+          </a:xfrm>
+          <a:prstGeom prst="round2SameRect">
+            <a:avLst>
+              <a:gd name="adj1" fmla="val 0"/>
+              <a:gd name="adj2" fmla="val 10714"/>
+            </a:avLst>
+          </a:prstGeom>
+          <a:solidFill>
+            <a:srgbClr val="009051">
+              <a:alpha val="10000"/>
+            </a:srgbClr>
+          </a:solidFill>
+          <a:ln>
+            <a:noFill/>
+          </a:ln>
+        </p:spPr>
+        <p:style>
+          <a:lnRef idx="2">
+            <a:schemeClr val="accent1">
+              <a:shade val="50000"/>
+            </a:schemeClr>
+          </a:lnRef>
+          <a:fillRef idx="1">
+            <a:schemeClr val="accent1"/>
+          </a:fillRef>
+          <a:effectRef idx="0">
+            <a:schemeClr val="accent1"/>
+          </a:effectRef>
+          <a:fontRef idx="minor">
+            <a:schemeClr val="lt1"/>
+          </a:fontRef>
+        </p:style>
+        <p:txBody>
+          <a:bodyPr rtlCol="0" anchor="ctr"/>
+          <a:lstStyle/>
+          <a:p>
+            <a:pPr marL="285750" indent="-285750">
+              <a:buFont typeface="Arial" panose="020B0604020202020204" pitchFamily="34" charset="0"/>
+              <a:buChar char="•"/>
+            </a:pPr>
+            <a:r>
+              <a:rPr lang="en-GB" sz="1800" dirty="0">
+                <a:solidFill>
+                  <a:schemeClr val="tx1"/>
+                </a:solidFill>
+                <a:effectLst/>
+                <a:latin typeface="Helvetica" pitchFamily="2" charset="0"/>
+              </a:rPr>
+              <a:t>How does infrastructure affect uptake in cycling?</a:t>
+            </a:r>
+            <a:br>
+              <a:rPr lang="en-GB" sz="1800" dirty="0">
+                <a:solidFill>
+                  <a:schemeClr val="tx1"/>
+                </a:solidFill>
+                <a:effectLst/>
+                <a:latin typeface="Helvetica" pitchFamily="2" charset="0"/>
+              </a:rPr>
+            </a:br>
+            <a:r>
+              <a:rPr lang="en-GB" sz="1800" dirty="0">
+                <a:solidFill>
+                  <a:schemeClr val="tx1"/>
+                </a:solidFill>
+                <a:effectLst/>
+                <a:latin typeface="Helvetica" pitchFamily="2" charset="0"/>
+              </a:rPr>
+              <a:t>Has cycling uptake been higher since the introduction of PAYG bikes?</a:t>
+            </a:r>
+          </a:p>
+          <a:p>
+            <a:pPr marL="285750" indent="-285750">
+              <a:buFont typeface="Arial" panose="020B0604020202020204" pitchFamily="34" charset="0"/>
+              <a:buChar char="•"/>
+            </a:pPr>
+            <a:r>
+              <a:rPr lang="en-GB" sz="1800" dirty="0">
+                <a:solidFill>
+                  <a:schemeClr val="tx1"/>
+                </a:solidFill>
+                <a:effectLst/>
+                <a:latin typeface="Helvetica" pitchFamily="2" charset="0"/>
+              </a:rPr>
+              <a:t>Where are PAYG cycling hubs situated? Are these based in areas of higher average income? </a:t>
+            </a:r>
+            <a:endParaRPr lang="en-GB" dirty="0">
+              <a:solidFill>
+                <a:schemeClr val="tx1"/>
+              </a:solidFill>
+              <a:latin typeface="Helvetica" pitchFamily="2" charset="0"/>
+            </a:endParaRPr>
+          </a:p>
+          <a:p>
+            <a:pPr marL="285750" indent="-285750">
+              <a:buFont typeface="Arial" panose="020B0604020202020204" pitchFamily="34" charset="0"/>
+              <a:buChar char="•"/>
+            </a:pPr>
+            <a:r>
+              <a:rPr lang="en-GB" sz="1800" dirty="0">
+                <a:solidFill>
+                  <a:schemeClr val="tx1"/>
+                </a:solidFill>
+                <a:effectLst/>
+                <a:latin typeface="Helvetica" pitchFamily="2" charset="0"/>
+              </a:rPr>
+              <a:t>How safe is cycling in London? Are there the necessary cycling paths / infrastructure? </a:t>
+            </a:r>
+            <a:endParaRPr lang="en-GB" dirty="0">
+              <a:solidFill>
+                <a:schemeClr val="tx1"/>
+              </a:solidFill>
+              <a:latin typeface="Helvetica" pitchFamily="2" charset="0"/>
+            </a:endParaRPr>
+          </a:p>
+        </p:txBody>
+      </p:sp>
+      <p:sp>
+        <p:nvSpPr>
+          <p:cNvPr id="8" name="Round Same-side Corner of Rectangle 7">
+            <a:extLst>
+              <a:ext uri="{FF2B5EF4-FFF2-40B4-BE49-F238E27FC236}">
+                <a16:creationId xmlns:a16="http://schemas.microsoft.com/office/drawing/2014/main" id="{753B22E1-01DC-2FC6-AE43-F8BAE9104AAB}"/>
+              </a:ext>
+            </a:extLst>
+          </p:cNvPr>
+          <p:cNvSpPr/>
+          <p:nvPr/>
+        </p:nvSpPr>
+        <p:spPr>
+          <a:xfrm>
+            <a:off x="1092201" y="1716085"/>
+            <a:ext cx="9956799" cy="372111"/>
+          </a:xfrm>
+          <a:prstGeom prst="round2SameRect">
+            <a:avLst/>
+          </a:prstGeom>
+          <a:solidFill>
+            <a:srgbClr val="009051">
+              <a:alpha val="28973"/>
+            </a:srgbClr>
+          </a:solidFill>
+          <a:ln>
+            <a:noFill/>
+          </a:ln>
+        </p:spPr>
+        <p:style>
+          <a:lnRef idx="2">
+            <a:schemeClr val="accent1">
+              <a:shade val="50000"/>
+            </a:schemeClr>
+          </a:lnRef>
+          <a:fillRef idx="1">
+            <a:schemeClr val="accent1"/>
+          </a:fillRef>
+          <a:effectRef idx="0">
+            <a:schemeClr val="accent1"/>
+          </a:effectRef>
+          <a:fontRef idx="minor">
+            <a:schemeClr val="lt1"/>
+          </a:fontRef>
+        </p:style>
+        <p:txBody>
+          <a:bodyPr rtlCol="0" anchor="ctr"/>
+          <a:lstStyle/>
+          <a:p>
+            <a:pPr algn="ctr"/>
+            <a:r>
+              <a:rPr lang="en-US" sz="1600" b="1" dirty="0">
+                <a:solidFill>
+                  <a:schemeClr val="tx1"/>
+                </a:solidFill>
+                <a:latin typeface="Helvetica" pitchFamily="2" charset="0"/>
+              </a:rPr>
+              <a:t>Cycling Infrastructure will play a role in cycling appetite</a:t>
+            </a:r>
+          </a:p>
+        </p:txBody>
+      </p:sp>
+    </p:spTree>
+    <p:extLst>
+      <p:ext uri="{BB962C8B-B14F-4D97-AF65-F5344CB8AC3E}">
+        <p14:creationId xmlns:p14="http://schemas.microsoft.com/office/powerpoint/2010/main" val="3366095688"/>
+      </p:ext>
+    </p:extLst>
+  </p:cSld>
+  <p:clrMapOvr>
+    <a:masterClrMapping/>
+  </p:clrMapOvr>
+</p:sld>
+</file>
+
+<file path=ppt/slides/slide6.xml><?xml version="1.0" encoding="utf-8"?>
+<p:sld xmlns:a="http://schemas.openxmlformats.org/drawingml/2006/main" xmlns:r="http://schemas.openxmlformats.org/officeDocument/2006/relationships" xmlns:p="http://schemas.openxmlformats.org/presentationml/2006/main">
+  <p:cSld>
+    <p:spTree>
+      <p:nvGrpSpPr>
+        <p:cNvPr id="1" name=""/>
+        <p:cNvGrpSpPr/>
+        <p:nvPr/>
+      </p:nvGrpSpPr>
+      <p:grpSpPr>
+        <a:xfrm>
+          <a:off x="0" y="0"/>
+          <a:ext cx="0" cy="0"/>
+          <a:chOff x="0" y="0"/>
+          <a:chExt cx="0" cy="0"/>
+        </a:xfrm>
+      </p:grpSpPr>
+      <p:sp>
+        <p:nvSpPr>
+          <p:cNvPr id="2" name="Rectangle 1">
+            <a:extLst>
+              <a:ext uri="{FF2B5EF4-FFF2-40B4-BE49-F238E27FC236}">
+                <a16:creationId xmlns:a16="http://schemas.microsoft.com/office/drawing/2014/main" id="{6F6FE05F-656B-A9A1-45C7-43B8843F5F20}"/>
+              </a:ext>
+            </a:extLst>
+          </p:cNvPr>
+          <p:cNvSpPr/>
+          <p:nvPr/>
+        </p:nvSpPr>
+        <p:spPr>
+          <a:xfrm>
+            <a:off x="622300" y="1384300"/>
+            <a:ext cx="10896600" cy="5143500"/>
+          </a:xfrm>
+          <a:prstGeom prst="rect">
+            <a:avLst/>
+          </a:prstGeom>
+          <a:solidFill>
+            <a:schemeClr val="bg1">
+              <a:lumMod val="95000"/>
+            </a:schemeClr>
+          </a:solidFill>
+          <a:ln>
+            <a:noFill/>
+          </a:ln>
+        </p:spPr>
+        <p:style>
+          <a:lnRef idx="2">
+            <a:schemeClr val="accent1">
+              <a:shade val="50000"/>
+            </a:schemeClr>
+          </a:lnRef>
+          <a:fillRef idx="1">
+            <a:schemeClr val="accent1"/>
+          </a:fillRef>
+          <a:effectRef idx="0">
+            <a:schemeClr val="accent1"/>
+          </a:effectRef>
+          <a:fontRef idx="minor">
+            <a:schemeClr val="lt1"/>
+          </a:fontRef>
+        </p:style>
+        <p:txBody>
+          <a:bodyPr rtlCol="0" anchor="t"/>
+          <a:lstStyle/>
+          <a:p>
+            <a:endParaRPr lang="en-GB" sz="1800" dirty="0">
+              <a:solidFill>
+                <a:schemeClr val="tx1"/>
+              </a:solidFill>
+              <a:effectLst/>
+              <a:latin typeface="Helvetica" pitchFamily="2" charset="0"/>
+              <a:ea typeface="Calibri" panose="020F0502020204030204" pitchFamily="34" charset="0"/>
+              <a:cs typeface="Times New Roman" panose="02020603050405020304" pitchFamily="18" charset="0"/>
+            </a:endParaRPr>
+          </a:p>
+        </p:txBody>
+      </p:sp>
+      <p:sp>
+        <p:nvSpPr>
+          <p:cNvPr id="3" name="Rectangle 2">
+            <a:extLst>
+              <a:ext uri="{FF2B5EF4-FFF2-40B4-BE49-F238E27FC236}">
+                <a16:creationId xmlns:a16="http://schemas.microsoft.com/office/drawing/2014/main" id="{042EE00F-7B79-37C4-4E37-9C785884F00F}"/>
+              </a:ext>
+            </a:extLst>
+          </p:cNvPr>
+          <p:cNvSpPr/>
+          <p:nvPr/>
+        </p:nvSpPr>
+        <p:spPr>
+          <a:xfrm>
+            <a:off x="622300" y="330200"/>
+            <a:ext cx="10896600" cy="914400"/>
+          </a:xfrm>
+          <a:prstGeom prst="rect">
+            <a:avLst/>
+          </a:prstGeom>
+          <a:solidFill>
+            <a:srgbClr val="009051">
+              <a:alpha val="16155"/>
+            </a:srgbClr>
+          </a:solidFill>
+          <a:ln>
+            <a:noFill/>
+          </a:ln>
+        </p:spPr>
+        <p:style>
+          <a:lnRef idx="2">
+            <a:schemeClr val="accent1">
+              <a:shade val="50000"/>
+            </a:schemeClr>
+          </a:lnRef>
+          <a:fillRef idx="1">
+            <a:schemeClr val="accent1"/>
+          </a:fillRef>
+          <a:effectRef idx="0">
+            <a:schemeClr val="accent1"/>
+          </a:effectRef>
+          <a:fontRef idx="minor">
+            <a:schemeClr val="lt1"/>
+          </a:fontRef>
+        </p:style>
+        <p:txBody>
+          <a:bodyPr rtlCol="0" anchor="ctr"/>
+          <a:lstStyle/>
+          <a:p>
+            <a:pPr algn="ctr"/>
+            <a:r>
+              <a:rPr lang="en-US" b="1" dirty="0">
+                <a:solidFill>
+                  <a:schemeClr val="tx1"/>
+                </a:solidFill>
+                <a:latin typeface="Helvetica" pitchFamily="2" charset="0"/>
+                <a:cs typeface="Times New Roman" panose="02020603050405020304" pitchFamily="18" charset="0"/>
+              </a:rPr>
+              <a:t>Hypothesis</a:t>
+            </a:r>
+          </a:p>
+        </p:txBody>
+      </p:sp>
+      <p:pic>
+        <p:nvPicPr>
+          <p:cNvPr id="5" name="Picture 4">
+            <a:extLst>
+              <a:ext uri="{FF2B5EF4-FFF2-40B4-BE49-F238E27FC236}">
+                <a16:creationId xmlns:a16="http://schemas.microsoft.com/office/drawing/2014/main" id="{1F2F78AD-B68A-1CBD-7C84-5DAF25D640C7}"/>
+              </a:ext>
+            </a:extLst>
+          </p:cNvPr>
+          <p:cNvPicPr>
+            <a:picLocks noChangeAspect="1"/>
+          </p:cNvPicPr>
+          <p:nvPr/>
+        </p:nvPicPr>
+        <p:blipFill>
+          <a:blip r:embed="rId3">
+            <a:extLst>
+              <a:ext uri="{28A0092B-C50C-407E-A947-70E740481C1C}">
+                <a14:useLocalDpi xmlns:a14="http://schemas.microsoft.com/office/drawing/2010/main" val="0"/>
+              </a:ext>
+            </a:extLst>
+          </a:blip>
+          <a:stretch>
+            <a:fillRect/>
+          </a:stretch>
+        </p:blipFill>
+        <p:spPr>
+          <a:xfrm>
+            <a:off x="10231755" y="601345"/>
+            <a:ext cx="1058545" cy="372110"/>
+          </a:xfrm>
+          <a:prstGeom prst="rect">
+            <a:avLst/>
+          </a:prstGeom>
+        </p:spPr>
+      </p:pic>
+      <p:sp>
+        <p:nvSpPr>
+          <p:cNvPr id="6" name="Rounded Rectangle 5">
+            <a:extLst>
+              <a:ext uri="{FF2B5EF4-FFF2-40B4-BE49-F238E27FC236}">
+                <a16:creationId xmlns:a16="http://schemas.microsoft.com/office/drawing/2014/main" id="{4D6451E1-3D16-4DA6-41BD-3DB3448D4692}"/>
+              </a:ext>
+            </a:extLst>
+          </p:cNvPr>
+          <p:cNvSpPr/>
+          <p:nvPr/>
+        </p:nvSpPr>
+        <p:spPr>
+          <a:xfrm>
+            <a:off x="8672301" y="601345"/>
+            <a:ext cx="1398588" cy="372111"/>
+          </a:xfrm>
+          <a:prstGeom prst="roundRect">
+            <a:avLst>
+              <a:gd name="adj" fmla="val 0"/>
+            </a:avLst>
+          </a:prstGeom>
+          <a:solidFill>
+            <a:schemeClr val="bg1">
+              <a:lumMod val="65000"/>
+              <a:alpha val="41089"/>
+            </a:schemeClr>
+          </a:solidFill>
+          <a:ln>
+            <a:noFill/>
+          </a:ln>
+        </p:spPr>
+        <p:style>
+          <a:lnRef idx="2">
+            <a:schemeClr val="accent1">
+              <a:shade val="50000"/>
+            </a:schemeClr>
+          </a:lnRef>
+          <a:fillRef idx="1">
+            <a:schemeClr val="accent1"/>
+          </a:fillRef>
+          <a:effectRef idx="0">
+            <a:schemeClr val="accent1"/>
+          </a:effectRef>
+          <a:fontRef idx="minor">
+            <a:schemeClr val="lt1"/>
+          </a:fontRef>
+        </p:style>
+        <p:txBody>
+          <a:bodyPr rtlCol="0" anchor="ctr"/>
+          <a:lstStyle/>
+          <a:p>
+            <a:pPr algn="ctr"/>
+            <a:r>
+              <a:rPr lang="en-US" sz="1200" b="1" dirty="0">
+                <a:solidFill>
+                  <a:schemeClr val="tx1"/>
+                </a:solidFill>
+                <a:latin typeface="Helvetica" pitchFamily="2" charset="0"/>
+              </a:rPr>
+              <a:t>Team A</a:t>
+            </a:r>
+          </a:p>
+        </p:txBody>
+      </p:sp>
+      <p:sp>
+        <p:nvSpPr>
+          <p:cNvPr id="7" name="Round Same-side Corner of Rectangle 6">
+            <a:extLst>
+              <a:ext uri="{FF2B5EF4-FFF2-40B4-BE49-F238E27FC236}">
+                <a16:creationId xmlns:a16="http://schemas.microsoft.com/office/drawing/2014/main" id="{8BE8FF13-042D-D531-8A88-7552E80C58CA}"/>
+              </a:ext>
+            </a:extLst>
+          </p:cNvPr>
+          <p:cNvSpPr/>
+          <p:nvPr/>
+        </p:nvSpPr>
+        <p:spPr>
+          <a:xfrm rot="10800000" flipV="1">
+            <a:off x="1092201" y="2150427"/>
+            <a:ext cx="9956800" cy="4045589"/>
+          </a:xfrm>
+          <a:prstGeom prst="round2SameRect">
+            <a:avLst>
+              <a:gd name="adj1" fmla="val 0"/>
+              <a:gd name="adj2" fmla="val 10714"/>
+            </a:avLst>
+          </a:prstGeom>
+          <a:solidFill>
+            <a:srgbClr val="009051">
+              <a:alpha val="10000"/>
+            </a:srgbClr>
+          </a:solidFill>
+          <a:ln>
+            <a:noFill/>
+          </a:ln>
+        </p:spPr>
+        <p:style>
+          <a:lnRef idx="2">
+            <a:schemeClr val="accent1">
+              <a:shade val="50000"/>
+            </a:schemeClr>
+          </a:lnRef>
+          <a:fillRef idx="1">
+            <a:schemeClr val="accent1"/>
+          </a:fillRef>
+          <a:effectRef idx="0">
+            <a:schemeClr val="accent1"/>
+          </a:effectRef>
+          <a:fontRef idx="minor">
+            <a:schemeClr val="lt1"/>
+          </a:fontRef>
+        </p:style>
+        <p:txBody>
+          <a:bodyPr rtlCol="0" anchor="ctr"/>
+          <a:lstStyle/>
+          <a:p>
+            <a:pPr marL="285750" indent="-285750">
+              <a:buFont typeface="Arial" panose="020B0604020202020204" pitchFamily="34" charset="0"/>
+              <a:buChar char="•"/>
+            </a:pPr>
+            <a:r>
+              <a:rPr lang="en-GB" sz="1800" dirty="0">
+                <a:solidFill>
+                  <a:schemeClr val="tx1"/>
+                </a:solidFill>
+                <a:effectLst/>
+                <a:latin typeface="Helvetica" pitchFamily="2" charset="0"/>
+              </a:rPr>
+              <a:t>How does the weather affect cycling uptake?</a:t>
+            </a:r>
+          </a:p>
+          <a:p>
+            <a:pPr marL="285750" indent="-285750">
+              <a:buFont typeface="Arial" panose="020B0604020202020204" pitchFamily="34" charset="0"/>
+              <a:buChar char="•"/>
+            </a:pPr>
+            <a:r>
+              <a:rPr lang="en-GB" sz="1800" dirty="0">
+                <a:solidFill>
+                  <a:schemeClr val="tx1"/>
+                </a:solidFill>
+                <a:effectLst/>
+                <a:latin typeface="Helvetica" pitchFamily="2" charset="0"/>
+              </a:rPr>
+              <a:t>Does an increase in temperature mean an increase in cycling? </a:t>
+            </a:r>
+          </a:p>
+          <a:p>
+            <a:pPr marL="285750" indent="-285750">
+              <a:buFont typeface="Arial" panose="020B0604020202020204" pitchFamily="34" charset="0"/>
+              <a:buChar char="•"/>
+            </a:pPr>
+            <a:r>
+              <a:rPr lang="en-GB" sz="1800" dirty="0">
+                <a:solidFill>
+                  <a:schemeClr val="tx1"/>
+                </a:solidFill>
+                <a:effectLst/>
+                <a:latin typeface="Helvetica" pitchFamily="2" charset="0"/>
+              </a:rPr>
+              <a:t>What do seasonal changes affect cycling uptake?</a:t>
+            </a:r>
+          </a:p>
+          <a:p>
+            <a:pPr marL="285750" indent="-285750">
+              <a:buFont typeface="Arial" panose="020B0604020202020204" pitchFamily="34" charset="0"/>
+              <a:buChar char="•"/>
+            </a:pPr>
+            <a:r>
+              <a:rPr lang="en-GB" sz="1800" dirty="0">
+                <a:solidFill>
+                  <a:schemeClr val="tx1"/>
+                </a:solidFill>
+                <a:effectLst/>
+                <a:latin typeface="Helvetica" pitchFamily="2" charset="0"/>
+              </a:rPr>
+              <a:t>Could availability / price of PAYG change during high seasons? </a:t>
+            </a:r>
+          </a:p>
+        </p:txBody>
+      </p:sp>
+      <p:sp>
+        <p:nvSpPr>
+          <p:cNvPr id="8" name="Round Same-side Corner of Rectangle 7">
+            <a:extLst>
+              <a:ext uri="{FF2B5EF4-FFF2-40B4-BE49-F238E27FC236}">
+                <a16:creationId xmlns:a16="http://schemas.microsoft.com/office/drawing/2014/main" id="{753B22E1-01DC-2FC6-AE43-F8BAE9104AAB}"/>
+              </a:ext>
+            </a:extLst>
+          </p:cNvPr>
+          <p:cNvSpPr/>
+          <p:nvPr/>
+        </p:nvSpPr>
+        <p:spPr>
+          <a:xfrm>
+            <a:off x="1092201" y="1716085"/>
+            <a:ext cx="9956799" cy="372111"/>
+          </a:xfrm>
+          <a:prstGeom prst="round2SameRect">
+            <a:avLst/>
+          </a:prstGeom>
+          <a:solidFill>
+            <a:srgbClr val="009051">
+              <a:alpha val="28973"/>
+            </a:srgbClr>
+          </a:solidFill>
+          <a:ln>
+            <a:noFill/>
+          </a:ln>
+        </p:spPr>
+        <p:style>
+          <a:lnRef idx="2">
+            <a:schemeClr val="accent1">
+              <a:shade val="50000"/>
+            </a:schemeClr>
+          </a:lnRef>
+          <a:fillRef idx="1">
+            <a:schemeClr val="accent1"/>
+          </a:fillRef>
+          <a:effectRef idx="0">
+            <a:schemeClr val="accent1"/>
+          </a:effectRef>
+          <a:fontRef idx="minor">
+            <a:schemeClr val="lt1"/>
+          </a:fontRef>
+        </p:style>
+        <p:txBody>
+          <a:bodyPr rtlCol="0" anchor="ctr"/>
+          <a:lstStyle/>
+          <a:p>
+            <a:pPr algn="ctr"/>
+            <a:r>
+              <a:rPr lang="en-US" sz="1600" b="1" dirty="0">
+                <a:solidFill>
+                  <a:schemeClr val="tx1"/>
+                </a:solidFill>
+                <a:latin typeface="Helvetica" pitchFamily="2" charset="0"/>
+              </a:rPr>
+              <a:t>Weather</a:t>
+            </a:r>
+          </a:p>
+        </p:txBody>
+      </p:sp>
+    </p:spTree>
+    <p:extLst>
+      <p:ext uri="{BB962C8B-B14F-4D97-AF65-F5344CB8AC3E}">
+        <p14:creationId xmlns:p14="http://schemas.microsoft.com/office/powerpoint/2010/main" val="3362011734"/>
+      </p:ext>
+    </p:extLst>
+  </p:cSld>
+  <p:clrMapOvr>
+    <a:masterClrMapping/>
+  </p:clrMapOvr>
+</p:sld>
+</file>
+
+<file path=ppt/slides/slide7.xml><?xml version="1.0" encoding="utf-8"?>
+<p:sld xmlns:a="http://schemas.openxmlformats.org/drawingml/2006/main" xmlns:r="http://schemas.openxmlformats.org/officeDocument/2006/relationships" xmlns:p="http://schemas.openxmlformats.org/presentationml/2006/main">
+  <p:cSld>
+    <p:spTree>
+      <p:nvGrpSpPr>
+        <p:cNvPr id="1" name=""/>
+        <p:cNvGrpSpPr/>
+        <p:nvPr/>
+      </p:nvGrpSpPr>
+      <p:grpSpPr>
+        <a:xfrm>
+          <a:off x="0" y="0"/>
+          <a:ext cx="0" cy="0"/>
+          <a:chOff x="0" y="0"/>
+          <a:chExt cx="0" cy="0"/>
+        </a:xfrm>
+      </p:grpSpPr>
+      <p:sp>
+        <p:nvSpPr>
+          <p:cNvPr id="2" name="Rectangle 1">
+            <a:extLst>
+              <a:ext uri="{FF2B5EF4-FFF2-40B4-BE49-F238E27FC236}">
+                <a16:creationId xmlns:a16="http://schemas.microsoft.com/office/drawing/2014/main" id="{6F6FE05F-656B-A9A1-45C7-43B8843F5F20}"/>
+              </a:ext>
+            </a:extLst>
+          </p:cNvPr>
+          <p:cNvSpPr/>
+          <p:nvPr/>
+        </p:nvSpPr>
+        <p:spPr>
+          <a:xfrm>
+            <a:off x="622300" y="1384300"/>
+            <a:ext cx="10896600" cy="5143500"/>
+          </a:xfrm>
+          <a:prstGeom prst="rect">
+            <a:avLst/>
+          </a:prstGeom>
+          <a:solidFill>
+            <a:schemeClr val="bg1">
+              <a:lumMod val="95000"/>
+            </a:schemeClr>
+          </a:solidFill>
+          <a:ln>
+            <a:noFill/>
+          </a:ln>
+        </p:spPr>
+        <p:style>
+          <a:lnRef idx="2">
+            <a:schemeClr val="accent1">
+              <a:shade val="50000"/>
+            </a:schemeClr>
+          </a:lnRef>
+          <a:fillRef idx="1">
+            <a:schemeClr val="accent1"/>
+          </a:fillRef>
+          <a:effectRef idx="0">
+            <a:schemeClr val="accent1"/>
+          </a:effectRef>
+          <a:fontRef idx="minor">
+            <a:schemeClr val="lt1"/>
+          </a:fontRef>
+        </p:style>
+        <p:txBody>
+          <a:bodyPr rtlCol="0" anchor="t"/>
+          <a:lstStyle/>
+          <a:p>
+            <a:endParaRPr lang="en-GB" sz="1800" dirty="0">
+              <a:solidFill>
+                <a:schemeClr val="tx1"/>
+              </a:solidFill>
+              <a:effectLst/>
+              <a:latin typeface="Helvetica" pitchFamily="2" charset="0"/>
+              <a:ea typeface="Calibri" panose="020F0502020204030204" pitchFamily="34" charset="0"/>
+              <a:cs typeface="Times New Roman" panose="02020603050405020304" pitchFamily="18" charset="0"/>
+            </a:endParaRPr>
+          </a:p>
+        </p:txBody>
+      </p:sp>
+      <p:sp>
+        <p:nvSpPr>
+          <p:cNvPr id="3" name="Rectangle 2">
+            <a:extLst>
+              <a:ext uri="{FF2B5EF4-FFF2-40B4-BE49-F238E27FC236}">
+                <a16:creationId xmlns:a16="http://schemas.microsoft.com/office/drawing/2014/main" id="{042EE00F-7B79-37C4-4E37-9C785884F00F}"/>
+              </a:ext>
+            </a:extLst>
+          </p:cNvPr>
+          <p:cNvSpPr/>
+          <p:nvPr/>
+        </p:nvSpPr>
+        <p:spPr>
+          <a:xfrm>
+            <a:off x="622300" y="330200"/>
+            <a:ext cx="10896600" cy="914400"/>
+          </a:xfrm>
+          <a:prstGeom prst="rect">
+            <a:avLst/>
+          </a:prstGeom>
+          <a:solidFill>
+            <a:srgbClr val="009051">
+              <a:alpha val="16155"/>
+            </a:srgbClr>
+          </a:solidFill>
+          <a:ln>
+            <a:noFill/>
+          </a:ln>
+        </p:spPr>
+        <p:style>
+          <a:lnRef idx="2">
+            <a:schemeClr val="accent1">
+              <a:shade val="50000"/>
+            </a:schemeClr>
+          </a:lnRef>
+          <a:fillRef idx="1">
+            <a:schemeClr val="accent1"/>
+          </a:fillRef>
+          <a:effectRef idx="0">
+            <a:schemeClr val="accent1"/>
+          </a:effectRef>
+          <a:fontRef idx="minor">
+            <a:schemeClr val="lt1"/>
+          </a:fontRef>
+        </p:style>
+        <p:txBody>
+          <a:bodyPr rtlCol="0" anchor="ctr"/>
+          <a:lstStyle/>
+          <a:p>
+            <a:pPr algn="ctr"/>
+            <a:r>
+              <a:rPr lang="en-US" b="1" dirty="0">
+                <a:solidFill>
+                  <a:schemeClr val="tx1"/>
+                </a:solidFill>
+                <a:latin typeface="Helvetica" pitchFamily="2" charset="0"/>
+                <a:cs typeface="Times New Roman" panose="02020603050405020304" pitchFamily="18" charset="0"/>
+              </a:rPr>
+              <a:t>Hypothesis</a:t>
+            </a:r>
+          </a:p>
+        </p:txBody>
+      </p:sp>
+      <p:pic>
+        <p:nvPicPr>
+          <p:cNvPr id="5" name="Picture 4">
+            <a:extLst>
+              <a:ext uri="{FF2B5EF4-FFF2-40B4-BE49-F238E27FC236}">
+                <a16:creationId xmlns:a16="http://schemas.microsoft.com/office/drawing/2014/main" id="{1F2F78AD-B68A-1CBD-7C84-5DAF25D640C7}"/>
+              </a:ext>
+            </a:extLst>
+          </p:cNvPr>
+          <p:cNvPicPr>
+            <a:picLocks noChangeAspect="1"/>
+          </p:cNvPicPr>
+          <p:nvPr/>
+        </p:nvPicPr>
+        <p:blipFill>
+          <a:blip r:embed="rId3">
+            <a:extLst>
+              <a:ext uri="{28A0092B-C50C-407E-A947-70E740481C1C}">
+                <a14:useLocalDpi xmlns:a14="http://schemas.microsoft.com/office/drawing/2010/main" val="0"/>
+              </a:ext>
+            </a:extLst>
+          </a:blip>
+          <a:stretch>
+            <a:fillRect/>
+          </a:stretch>
+        </p:blipFill>
+        <p:spPr>
+          <a:xfrm>
+            <a:off x="10231755" y="601345"/>
+            <a:ext cx="1058545" cy="372110"/>
+          </a:xfrm>
+          <a:prstGeom prst="rect">
+            <a:avLst/>
+          </a:prstGeom>
+        </p:spPr>
+      </p:pic>
+      <p:sp>
+        <p:nvSpPr>
+          <p:cNvPr id="6" name="Rounded Rectangle 5">
+            <a:extLst>
+              <a:ext uri="{FF2B5EF4-FFF2-40B4-BE49-F238E27FC236}">
+                <a16:creationId xmlns:a16="http://schemas.microsoft.com/office/drawing/2014/main" id="{4D6451E1-3D16-4DA6-41BD-3DB3448D4692}"/>
+              </a:ext>
+            </a:extLst>
+          </p:cNvPr>
+          <p:cNvSpPr/>
+          <p:nvPr/>
+        </p:nvSpPr>
+        <p:spPr>
+          <a:xfrm>
+            <a:off x="8672301" y="601345"/>
+            <a:ext cx="1398588" cy="372111"/>
+          </a:xfrm>
+          <a:prstGeom prst="roundRect">
+            <a:avLst>
+              <a:gd name="adj" fmla="val 0"/>
+            </a:avLst>
+          </a:prstGeom>
+          <a:solidFill>
+            <a:schemeClr val="bg1">
+              <a:lumMod val="65000"/>
+              <a:alpha val="41089"/>
+            </a:schemeClr>
+          </a:solidFill>
+          <a:ln>
+            <a:noFill/>
+          </a:ln>
+        </p:spPr>
+        <p:style>
+          <a:lnRef idx="2">
+            <a:schemeClr val="accent1">
+              <a:shade val="50000"/>
+            </a:schemeClr>
+          </a:lnRef>
+          <a:fillRef idx="1">
+            <a:schemeClr val="accent1"/>
+          </a:fillRef>
+          <a:effectRef idx="0">
+            <a:schemeClr val="accent1"/>
+          </a:effectRef>
+          <a:fontRef idx="minor">
+            <a:schemeClr val="lt1"/>
+          </a:fontRef>
+        </p:style>
+        <p:txBody>
+          <a:bodyPr rtlCol="0" anchor="ctr"/>
+          <a:lstStyle/>
+          <a:p>
+            <a:pPr algn="ctr"/>
+            <a:r>
+              <a:rPr lang="en-US" sz="1200" b="1" dirty="0">
+                <a:solidFill>
+                  <a:schemeClr val="tx1"/>
+                </a:solidFill>
+                <a:latin typeface="Helvetica" pitchFamily="2" charset="0"/>
+              </a:rPr>
+              <a:t>Team A</a:t>
+            </a:r>
+          </a:p>
+        </p:txBody>
+      </p:sp>
+      <p:sp>
+        <p:nvSpPr>
+          <p:cNvPr id="7" name="Round Same-side Corner of Rectangle 6">
+            <a:extLst>
+              <a:ext uri="{FF2B5EF4-FFF2-40B4-BE49-F238E27FC236}">
+                <a16:creationId xmlns:a16="http://schemas.microsoft.com/office/drawing/2014/main" id="{8BE8FF13-042D-D531-8A88-7552E80C58CA}"/>
+              </a:ext>
+            </a:extLst>
+          </p:cNvPr>
+          <p:cNvSpPr/>
+          <p:nvPr/>
+        </p:nvSpPr>
+        <p:spPr>
+          <a:xfrm rot="10800000" flipV="1">
+            <a:off x="1092201" y="2150427"/>
+            <a:ext cx="9956800" cy="4045589"/>
+          </a:xfrm>
+          <a:prstGeom prst="round2SameRect">
+            <a:avLst>
+              <a:gd name="adj1" fmla="val 0"/>
+              <a:gd name="adj2" fmla="val 10714"/>
+            </a:avLst>
+          </a:prstGeom>
+          <a:solidFill>
+            <a:srgbClr val="009051">
+              <a:alpha val="10000"/>
+            </a:srgbClr>
+          </a:solidFill>
+          <a:ln>
+            <a:noFill/>
+          </a:ln>
+        </p:spPr>
+        <p:style>
+          <a:lnRef idx="2">
+            <a:schemeClr val="accent1">
+              <a:shade val="50000"/>
+            </a:schemeClr>
+          </a:lnRef>
+          <a:fillRef idx="1">
+            <a:schemeClr val="accent1"/>
+          </a:fillRef>
+          <a:effectRef idx="0">
+            <a:schemeClr val="accent1"/>
+          </a:effectRef>
+          <a:fontRef idx="minor">
+            <a:schemeClr val="lt1"/>
+          </a:fontRef>
+        </p:style>
+        <p:txBody>
+          <a:bodyPr rtlCol="0" anchor="ctr"/>
+          <a:lstStyle/>
+          <a:p>
+            <a:pPr marL="285750" indent="-285750">
+              <a:buFont typeface="Arial" panose="020B0604020202020204" pitchFamily="34" charset="0"/>
+              <a:buChar char="•"/>
+            </a:pPr>
+            <a:r>
+              <a:rPr lang="en-GB" sz="1800" dirty="0">
+                <a:solidFill>
+                  <a:schemeClr val="tx1"/>
+                </a:solidFill>
+                <a:effectLst/>
+                <a:latin typeface="Helvetica" pitchFamily="2" charset="0"/>
+              </a:rPr>
+              <a:t>How do technological advances affect the uptake of cycling?</a:t>
+            </a:r>
+            <a:endParaRPr lang="en-GB" dirty="0">
+              <a:solidFill>
+                <a:schemeClr val="tx1"/>
+              </a:solidFill>
+              <a:latin typeface="Helvetica" pitchFamily="2" charset="0"/>
+            </a:endParaRPr>
+          </a:p>
+          <a:p>
+            <a:pPr marL="285750" indent="-285750">
+              <a:buFont typeface="Arial" panose="020B0604020202020204" pitchFamily="34" charset="0"/>
+              <a:buChar char="•"/>
+            </a:pPr>
+            <a:r>
+              <a:rPr lang="en-GB" sz="1800" dirty="0">
+                <a:solidFill>
+                  <a:schemeClr val="tx1"/>
+                </a:solidFill>
+                <a:effectLst/>
+                <a:latin typeface="Helvetica" pitchFamily="2" charset="0"/>
+              </a:rPr>
+              <a:t>Has the introduction of electric bikes increased cycling uptake?</a:t>
+            </a:r>
+          </a:p>
+          <a:p>
+            <a:pPr marL="285750" indent="-285750">
+              <a:buFont typeface="Arial" panose="020B0604020202020204" pitchFamily="34" charset="0"/>
+              <a:buChar char="•"/>
+            </a:pPr>
+            <a:r>
+              <a:rPr lang="en-GB" sz="1800" dirty="0">
+                <a:solidFill>
+                  <a:schemeClr val="tx1"/>
+                </a:solidFill>
+                <a:effectLst/>
+                <a:latin typeface="Helvetica" pitchFamily="2" charset="0"/>
+              </a:rPr>
+              <a:t>How has WFH affected cycling uptake?</a:t>
+            </a:r>
+            <a:endParaRPr lang="en-GB" dirty="0">
+              <a:solidFill>
+                <a:schemeClr val="tx1"/>
+              </a:solidFill>
+              <a:latin typeface="Helvetica" pitchFamily="2" charset="0"/>
+            </a:endParaRPr>
+          </a:p>
+          <a:p>
+            <a:pPr marL="285750" indent="-285750">
+              <a:buFont typeface="Arial" panose="020B0604020202020204" pitchFamily="34" charset="0"/>
+              <a:buChar char="•"/>
+            </a:pPr>
+            <a:r>
+              <a:rPr lang="en-GB" sz="1800" dirty="0">
+                <a:solidFill>
+                  <a:schemeClr val="tx1"/>
+                </a:solidFill>
+                <a:effectLst/>
+                <a:latin typeface="Helvetica" pitchFamily="2" charset="0"/>
+              </a:rPr>
+              <a:t>How can government initiatives (Cycle to Work) help increase cycling uptake? </a:t>
+            </a:r>
+            <a:endParaRPr lang="en-GB" dirty="0">
+              <a:solidFill>
+                <a:schemeClr val="tx1"/>
+              </a:solidFill>
+              <a:latin typeface="Helvetica" pitchFamily="2" charset="0"/>
+            </a:endParaRPr>
+          </a:p>
+          <a:p>
+            <a:pPr marL="285750" indent="-285750">
+              <a:buFont typeface="Arial" panose="020B0604020202020204" pitchFamily="34" charset="0"/>
+              <a:buChar char="•"/>
+            </a:pPr>
+            <a:r>
+              <a:rPr lang="en-GB" sz="1800" dirty="0">
+                <a:solidFill>
+                  <a:schemeClr val="tx1"/>
+                </a:solidFill>
+                <a:effectLst/>
+                <a:latin typeface="Helvetica" pitchFamily="2" charset="0"/>
+              </a:rPr>
+              <a:t>How has tourism affected cycling uptake?</a:t>
+            </a:r>
+            <a:endParaRPr lang="en-GB" dirty="0">
+              <a:solidFill>
+                <a:schemeClr val="tx1"/>
+              </a:solidFill>
+              <a:latin typeface="Helvetica" pitchFamily="2" charset="0"/>
+            </a:endParaRPr>
+          </a:p>
+          <a:p>
+            <a:pPr marL="285750" indent="-285750">
+              <a:buFont typeface="Arial" panose="020B0604020202020204" pitchFamily="34" charset="0"/>
+              <a:buChar char="•"/>
+            </a:pPr>
+            <a:r>
+              <a:rPr lang="en-GB" sz="1800" dirty="0">
+                <a:solidFill>
+                  <a:schemeClr val="tx1"/>
+                </a:solidFill>
+                <a:effectLst/>
+                <a:latin typeface="Helvetica" pitchFamily="2" charset="0"/>
+              </a:rPr>
+              <a:t>Has there been a knock-on effect from Brexit on tourism / immigration to London and thus cycling uptake? </a:t>
+            </a:r>
+          </a:p>
+        </p:txBody>
+      </p:sp>
+      <p:sp>
+        <p:nvSpPr>
+          <p:cNvPr id="8" name="Round Same-side Corner of Rectangle 7">
+            <a:extLst>
+              <a:ext uri="{FF2B5EF4-FFF2-40B4-BE49-F238E27FC236}">
+                <a16:creationId xmlns:a16="http://schemas.microsoft.com/office/drawing/2014/main" id="{753B22E1-01DC-2FC6-AE43-F8BAE9104AAB}"/>
+              </a:ext>
+            </a:extLst>
+          </p:cNvPr>
+          <p:cNvSpPr/>
+          <p:nvPr/>
+        </p:nvSpPr>
+        <p:spPr>
+          <a:xfrm>
+            <a:off x="1092201" y="1716085"/>
+            <a:ext cx="9956799" cy="372111"/>
+          </a:xfrm>
+          <a:prstGeom prst="round2SameRect">
+            <a:avLst/>
+          </a:prstGeom>
+          <a:solidFill>
+            <a:srgbClr val="009051">
+              <a:alpha val="28973"/>
+            </a:srgbClr>
+          </a:solidFill>
+          <a:ln>
+            <a:noFill/>
+          </a:ln>
+        </p:spPr>
+        <p:style>
+          <a:lnRef idx="2">
+            <a:schemeClr val="accent1">
+              <a:shade val="50000"/>
+            </a:schemeClr>
+          </a:lnRef>
+          <a:fillRef idx="1">
+            <a:schemeClr val="accent1"/>
+          </a:fillRef>
+          <a:effectRef idx="0">
+            <a:schemeClr val="accent1"/>
+          </a:effectRef>
+          <a:fontRef idx="minor">
+            <a:schemeClr val="lt1"/>
+          </a:fontRef>
+        </p:style>
+        <p:txBody>
+          <a:bodyPr rtlCol="0" anchor="ctr"/>
+          <a:lstStyle/>
+          <a:p>
+            <a:pPr algn="ctr"/>
+            <a:r>
+              <a:rPr lang="en-US" sz="1600" b="1" dirty="0">
+                <a:solidFill>
+                  <a:schemeClr val="tx1"/>
+                </a:solidFill>
+                <a:latin typeface="Helvetica" pitchFamily="2" charset="0"/>
+              </a:rPr>
+              <a:t>Other</a:t>
+            </a:r>
+          </a:p>
+        </p:txBody>
+      </p:sp>
+    </p:spTree>
+    <p:extLst>
+      <p:ext uri="{BB962C8B-B14F-4D97-AF65-F5344CB8AC3E}">
+        <p14:creationId xmlns:p14="http://schemas.microsoft.com/office/powerpoint/2010/main" val="1361829785"/>
+      </p:ext>
+    </p:extLst>
+  </p:cSld>
+  <p:clrMapOvr>
+    <a:masterClrMapping/>
+  </p:clrMapOvr>
+</p:sld>
+</file>
+
+<file path=ppt/slides/slide8.xml><?xml version="1.0" encoding="utf-8"?>
+<p:sld xmlns:a="http://schemas.openxmlformats.org/drawingml/2006/main" xmlns:r="http://schemas.openxmlformats.org/officeDocument/2006/relationships" xmlns:p="http://schemas.openxmlformats.org/presentationml/2006/main">
+  <p:cSld>
+    <p:spTree>
+      <p:nvGrpSpPr>
+        <p:cNvPr id="1" name=""/>
+        <p:cNvGrpSpPr/>
+        <p:nvPr/>
+      </p:nvGrpSpPr>
+      <p:grpSpPr>
+        <a:xfrm>
+          <a:off x="0" y="0"/>
+          <a:ext cx="0" cy="0"/>
+          <a:chOff x="0" y="0"/>
+          <a:chExt cx="0" cy="0"/>
+        </a:xfrm>
+      </p:grpSpPr>
+      <p:sp>
+        <p:nvSpPr>
           <p:cNvPr id="4" name="TextBox 3">
             <a:extLst>
               <a:ext uri="{FF2B5EF4-FFF2-40B4-BE49-F238E27FC236}">
@@ -4441,7 +8967,7 @@
         <p:spPr>
           <a:xfrm>
             <a:off x="1182028" y="1115123"/>
-            <a:ext cx="10326030" cy="2862322"/>
+            <a:ext cx="10326030" cy="5078313"/>
           </a:xfrm>
           <a:prstGeom prst="rect">
             <a:avLst/>
@@ -4454,25 +8980,19 @@
           </a:bodyPr>
           <a:lstStyle/>
           <a:p>
-            <a:pPr algn="l"/>
-            <a:r>
-              <a:rPr lang="en-GB" dirty="0">
+            <a:pPr marL="342900" indent="-342900" algn="l">
+              <a:buFont typeface="+mj-lt"/>
+              <a:buAutoNum type="arabicPeriod"/>
+            </a:pPr>
+            <a:r>
+              <a:rPr lang="en-GB" b="1" i="0" dirty="0">
                 <a:solidFill>
                   <a:srgbClr val="393D3E"/>
                 </a:solidFill>
+                <a:effectLst/>
                 <a:latin typeface="Roboto" panose="020F0502020204030204" pitchFamily="34" charset="0"/>
               </a:rPr>
-              <a:t>4. </a:t>
-            </a:r>
-            <a:r>
-              <a:rPr lang="en-GB" b="1" i="0" dirty="0">
-                <a:solidFill>
-                  <a:srgbClr val="393D3E"/>
-                </a:solidFill>
-                <a:effectLst/>
-                <a:latin typeface="Roboto" panose="020F0502020204030204" pitchFamily="34" charset="0"/>
-              </a:rPr>
-              <a:t>Conclusion (1 minute)</a:t>
+              <a:t>Background or context (1 minute) </a:t>
             </a:r>
             <a:endParaRPr lang="en-GB" b="1" dirty="0">
               <a:solidFill>
@@ -4482,7 +9002,10 @@
             </a:endParaRPr>
           </a:p>
           <a:p>
-            <a:pPr algn="l"/>
+            <a:pPr marL="285750" indent="-285750" algn="l">
+              <a:buFont typeface="Arial" panose="020B0604020202020204" pitchFamily="34" charset="0"/>
+              <a:buChar char="•"/>
+            </a:pPr>
             <a:r>
               <a:rPr lang="en-GB" b="0" i="0" dirty="0">
                 <a:solidFill>
@@ -4491,7 +9014,48 @@
                 <a:effectLst/>
                 <a:latin typeface="Roboto" panose="020F0502020204030204" pitchFamily="34" charset="0"/>
               </a:rPr>
-              <a:t>Wrap up your findings in a brief summary to conclude your presentation.</a:t>
+              <a:t>Describe the purpose of the analysis, </a:t>
+            </a:r>
+          </a:p>
+          <a:p>
+            <a:pPr marL="285750" indent="-285750" algn="l">
+              <a:buFont typeface="Arial" panose="020B0604020202020204" pitchFamily="34" charset="0"/>
+              <a:buChar char="•"/>
+            </a:pPr>
+            <a:r>
+              <a:rPr lang="en-GB" dirty="0">
+                <a:solidFill>
+                  <a:srgbClr val="393D3E"/>
+                </a:solidFill>
+                <a:latin typeface="Roboto" panose="020F0502020204030204" pitchFamily="34" charset="0"/>
+              </a:rPr>
+              <a:t>I</a:t>
+            </a:r>
+            <a:r>
+              <a:rPr lang="en-GB" b="0" i="0" dirty="0">
+                <a:solidFill>
+                  <a:srgbClr val="393D3E"/>
+                </a:solidFill>
+                <a:effectLst/>
+                <a:latin typeface="Roboto" panose="020F0502020204030204" pitchFamily="34" charset="0"/>
+              </a:rPr>
+              <a:t>ncluding the business question and the intended audience. </a:t>
+            </a:r>
+          </a:p>
+          <a:p>
+            <a:pPr marL="285750" indent="-285750" algn="l">
+              <a:buFont typeface="Arial" panose="020B0604020202020204" pitchFamily="34" charset="0"/>
+              <a:buChar char="•"/>
+            </a:pPr>
+            <a:r>
+              <a:rPr lang="en-GB" b="0" i="0" dirty="0">
+                <a:solidFill>
+                  <a:srgbClr val="393D3E"/>
+                </a:solidFill>
+                <a:effectLst/>
+                <a:latin typeface="Roboto" panose="020F0502020204030204" pitchFamily="34" charset="0"/>
+              </a:rPr>
+              <a:t>Present as though you’re speaking directly to the client in your chosen scenario.</a:t>
             </a:r>
           </a:p>
           <a:p>
@@ -4506,19 +9070,16 @@
           <a:p>
             <a:pPr algn="l"/>
             <a:r>
-              <a:rPr lang="en-GB" b="0" i="0" dirty="0">
+              <a:rPr lang="en-GB" b="1" i="0" dirty="0">
                 <a:solidFill>
                   <a:srgbClr val="393D3E"/>
                 </a:solidFill>
                 <a:effectLst/>
                 <a:latin typeface="Roboto" panose="020F0502020204030204" pitchFamily="34" charset="0"/>
               </a:rPr>
-              <a:t>Intended content:</a:t>
-            </a:r>
-          </a:p>
-          <a:p>
-            <a:pPr algn="l"/>
-            <a:endParaRPr lang="en-GB" dirty="0">
+              <a:t>2. Summary of the data analysis and visualisation approach (~3 minutes)</a:t>
+            </a:r>
+            <a:endParaRPr lang="en-GB" b="1" dirty="0">
               <a:solidFill>
                 <a:srgbClr val="393D3E"/>
               </a:solidFill>
@@ -4527,8 +9088,8 @@
           </a:p>
           <a:p>
             <a:pPr marL="285750" indent="-285750" algn="l">
-              <a:buFontTx/>
-              <a:buChar char="-"/>
+              <a:buFont typeface="Arial" panose="020B0604020202020204" pitchFamily="34" charset="0"/>
+              <a:buChar char="•"/>
             </a:pPr>
             <a:r>
               <a:rPr lang="en-GB" b="0" i="0" dirty="0">
@@ -4538,28 +9099,29 @@
                 <a:effectLst/>
                 <a:latin typeface="Roboto" panose="020F0502020204030204" pitchFamily="34" charset="0"/>
               </a:rPr>
-              <a:t>This is what we analysed</a:t>
+              <a:t>Walk through the approach you took as a team. </a:t>
             </a:r>
           </a:p>
           <a:p>
             <a:pPr marL="285750" indent="-285750" algn="l">
-              <a:buFontTx/>
-              <a:buChar char="-"/>
+              <a:buFont typeface="Arial" panose="020B0604020202020204" pitchFamily="34" charset="0"/>
+              <a:buChar char="•"/>
             </a:pPr>
             <a:r>
-              <a:rPr lang="en-GB" dirty="0">
+              <a:rPr lang="en-GB" b="0" i="0" dirty="0">
                 <a:solidFill>
                   <a:srgbClr val="393D3E"/>
                 </a:solidFill>
+                <a:effectLst/>
                 <a:latin typeface="Roboto" panose="020F0502020204030204" pitchFamily="34" charset="0"/>
               </a:rPr>
-              <a:t>This is the approach we took</a:t>
+              <a:t>Consider what the audience may need to know in terms of the data presented. </a:t>
             </a:r>
           </a:p>
           <a:p>
             <a:pPr marL="285750" indent="-285750" algn="l">
-              <a:buFontTx/>
-              <a:buChar char="-"/>
+              <a:buFont typeface="Arial" panose="020B0604020202020204" pitchFamily="34" charset="0"/>
+              <a:buChar char="•"/>
             </a:pPr>
             <a:r>
               <a:rPr lang="en-GB" b="0" i="0" dirty="0">
@@ -4569,23 +9131,11 @@
                 <a:effectLst/>
                 <a:latin typeface="Roboto" panose="020F0502020204030204" pitchFamily="34" charset="0"/>
               </a:rPr>
-              <a:t>These are some of the findings</a:t>
-            </a:r>
-          </a:p>
-          <a:p>
-            <a:pPr marL="285750" indent="-285750" algn="l">
-              <a:buFontTx/>
-              <a:buChar char="-"/>
-            </a:pPr>
-            <a:r>
-              <a:rPr lang="en-GB" dirty="0">
-                <a:solidFill>
-                  <a:srgbClr val="393D3E"/>
-                </a:solidFill>
-                <a:latin typeface="Roboto" panose="020F0502020204030204" pitchFamily="34" charset="0"/>
-              </a:rPr>
-              <a:t>This is our aim moving forward with the rest of the analysis</a:t>
-            </a:r>
+              <a:t>Describe any decisions you made about the visualisations.</a:t>
+            </a:r>
+          </a:p>
+          <a:p>
+            <a:pPr algn="l"/>
             <a:endParaRPr lang="en-GB" b="0" i="0" dirty="0">
               <a:solidFill>
                 <a:srgbClr val="393D3E"/>
@@ -4595,6 +9145,117 @@
             </a:endParaRPr>
           </a:p>
           <a:p>
+            <a:pPr algn="l"/>
+            <a:r>
+              <a:rPr lang="en-GB" b="1" dirty="0">
+                <a:solidFill>
+                  <a:srgbClr val="393D3E"/>
+                </a:solidFill>
+                <a:latin typeface="Roboto" panose="020F0502020204030204" pitchFamily="34" charset="0"/>
+              </a:rPr>
+              <a:t>3. </a:t>
+            </a:r>
+            <a:r>
+              <a:rPr lang="en-GB" b="1" i="0" dirty="0">
+                <a:solidFill>
+                  <a:srgbClr val="393D3E"/>
+                </a:solidFill>
+                <a:effectLst/>
+                <a:latin typeface="Roboto" panose="020F0502020204030204" pitchFamily="34" charset="0"/>
+              </a:rPr>
+              <a:t>Data-informed recommendation(s) (~3 minutes)</a:t>
+            </a:r>
+            <a:endParaRPr lang="en-GB" b="1" dirty="0">
+              <a:solidFill>
+                <a:srgbClr val="393D3E"/>
+              </a:solidFill>
+              <a:latin typeface="Roboto" panose="020F0502020204030204" pitchFamily="34" charset="0"/>
+            </a:endParaRPr>
+          </a:p>
+          <a:p>
+            <a:pPr marL="285750" indent="-285750" algn="l">
+              <a:buFont typeface="Arial" panose="020B0604020202020204" pitchFamily="34" charset="0"/>
+              <a:buChar char="•"/>
+            </a:pPr>
+            <a:r>
+              <a:rPr lang="en-GB" b="0" i="0" dirty="0">
+                <a:solidFill>
+                  <a:srgbClr val="393D3E"/>
+                </a:solidFill>
+                <a:effectLst/>
+                <a:latin typeface="Roboto" panose="020F0502020204030204" pitchFamily="34" charset="0"/>
+              </a:rPr>
+              <a:t>Present any patterns, trends, or insights that you discovered. </a:t>
+            </a:r>
+          </a:p>
+          <a:p>
+            <a:pPr marL="285750" indent="-285750" algn="l">
+              <a:buFont typeface="Arial" panose="020B0604020202020204" pitchFamily="34" charset="0"/>
+              <a:buChar char="•"/>
+            </a:pPr>
+            <a:r>
+              <a:rPr lang="en-GB" b="0" i="0" dirty="0">
+                <a:solidFill>
+                  <a:srgbClr val="393D3E"/>
+                </a:solidFill>
+                <a:effectLst/>
+                <a:latin typeface="Roboto" panose="020F0502020204030204" pitchFamily="34" charset="0"/>
+              </a:rPr>
+              <a:t>Articulate why they are interesting and any possible recommendations that you might make as a result.</a:t>
+            </a:r>
+          </a:p>
+          <a:p>
+            <a:pPr algn="l"/>
+            <a:endParaRPr lang="en-GB" b="0" i="0" dirty="0">
+              <a:solidFill>
+                <a:srgbClr val="393D3E"/>
+              </a:solidFill>
+              <a:effectLst/>
+              <a:latin typeface="Roboto" panose="020F0502020204030204" pitchFamily="34" charset="0"/>
+            </a:endParaRPr>
+          </a:p>
+          <a:p>
+            <a:pPr algn="l"/>
+            <a:r>
+              <a:rPr lang="en-GB" b="1" dirty="0">
+                <a:solidFill>
+                  <a:srgbClr val="393D3E"/>
+                </a:solidFill>
+                <a:latin typeface="Roboto" panose="020F0502020204030204" pitchFamily="34" charset="0"/>
+              </a:rPr>
+              <a:t>4. </a:t>
+            </a:r>
+            <a:r>
+              <a:rPr lang="en-GB" b="1" i="0" dirty="0">
+                <a:solidFill>
+                  <a:srgbClr val="393D3E"/>
+                </a:solidFill>
+                <a:effectLst/>
+                <a:latin typeface="Roboto" panose="020F0502020204030204" pitchFamily="34" charset="0"/>
+              </a:rPr>
+              <a:t>Conclusion (1 minute)</a:t>
+            </a:r>
+            <a:endParaRPr lang="en-GB" b="1" dirty="0">
+              <a:solidFill>
+                <a:srgbClr val="393D3E"/>
+              </a:solidFill>
+              <a:latin typeface="Roboto" panose="020F0502020204030204" pitchFamily="34" charset="0"/>
+            </a:endParaRPr>
+          </a:p>
+          <a:p>
+            <a:pPr algn="l"/>
+            <a:r>
+              <a:rPr lang="en-GB" b="0" i="0" dirty="0">
+                <a:solidFill>
+                  <a:srgbClr val="393D3E"/>
+                </a:solidFill>
+                <a:effectLst/>
+                <a:latin typeface="Roboto" panose="020F0502020204030204" pitchFamily="34" charset="0"/>
+              </a:rPr>
+              <a:t>Wrap up your findings in a brief summary to conclude your presentation.</a:t>
+            </a:r>
+          </a:p>
+          <a:p>
             <a:endParaRPr lang="en-US" dirty="0"/>
           </a:p>
         </p:txBody>
@@ -4602,7 +9263,500 @@
     </p:spTree>
     <p:extLst>
       <p:ext uri="{BB962C8B-B14F-4D97-AF65-F5344CB8AC3E}">
-        <p14:creationId xmlns:p14="http://schemas.microsoft.com/office/powerpoint/2010/main" val="4202995527"/>
+        <p14:creationId xmlns:p14="http://schemas.microsoft.com/office/powerpoint/2010/main" val="1927989437"/>
+      </p:ext>
+    </p:extLst>
+  </p:cSld>
+  <p:clrMapOvr>
+    <a:masterClrMapping/>
+  </p:clrMapOvr>
+</p:sld>
+</file>
+
+<file path=ppt/slides/slide9.xml><?xml version="1.0" encoding="utf-8"?>
+<p:sld xmlns:a="http://schemas.openxmlformats.org/drawingml/2006/main" xmlns:r="http://schemas.openxmlformats.org/officeDocument/2006/relationships" xmlns:p="http://schemas.openxmlformats.org/presentationml/2006/main">
+  <p:cSld>
+    <p:spTree>
+      <p:nvGrpSpPr>
+        <p:cNvPr id="1" name=""/>
+        <p:cNvGrpSpPr/>
+        <p:nvPr/>
+      </p:nvGrpSpPr>
+      <p:grpSpPr>
+        <a:xfrm>
+          <a:off x="0" y="0"/>
+          <a:ext cx="0" cy="0"/>
+          <a:chOff x="0" y="0"/>
+          <a:chExt cx="0" cy="0"/>
+        </a:xfrm>
+      </p:grpSpPr>
+      <p:sp>
+        <p:nvSpPr>
+          <p:cNvPr id="4" name="TextBox 3">
+            <a:extLst>
+              <a:ext uri="{FF2B5EF4-FFF2-40B4-BE49-F238E27FC236}">
+                <a16:creationId xmlns:a16="http://schemas.microsoft.com/office/drawing/2014/main" id="{E8CDCFAE-A069-8571-8BFD-8B1C1F4D860A}"/>
+              </a:ext>
+            </a:extLst>
+          </p:cNvPr>
+          <p:cNvSpPr txBox="1"/>
+          <p:nvPr/>
+        </p:nvSpPr>
+        <p:spPr>
+          <a:xfrm>
+            <a:off x="932985" y="86916"/>
+            <a:ext cx="10326030" cy="6771084"/>
+          </a:xfrm>
+          <a:prstGeom prst="rect">
+            <a:avLst/>
+          </a:prstGeom>
+          <a:noFill/>
+        </p:spPr>
+        <p:txBody>
+          <a:bodyPr wrap="square" rtlCol="0">
+            <a:spAutoFit/>
+          </a:bodyPr>
+          <a:lstStyle/>
+          <a:p>
+            <a:pPr marL="342900" indent="-342900" algn="l">
+              <a:buFont typeface="+mj-lt"/>
+              <a:buAutoNum type="arabicPeriod"/>
+            </a:pPr>
+            <a:r>
+              <a:rPr lang="en-GB" sz="1400" b="1" i="0" dirty="0">
+                <a:solidFill>
+                  <a:srgbClr val="393D3E"/>
+                </a:solidFill>
+                <a:effectLst/>
+                <a:latin typeface="Roboto" panose="020F0502020204030204" pitchFamily="34" charset="0"/>
+              </a:rPr>
+              <a:t>Background or context (1 minute)</a:t>
+            </a:r>
+            <a:endParaRPr lang="en-GB" sz="1400" b="1" dirty="0">
+              <a:solidFill>
+                <a:srgbClr val="393D3E"/>
+              </a:solidFill>
+              <a:latin typeface="Roboto" panose="020F0502020204030204" pitchFamily="34" charset="0"/>
+            </a:endParaRPr>
+          </a:p>
+          <a:p>
+            <a:pPr algn="l"/>
+            <a:endParaRPr lang="en-GB" sz="1400" b="0" i="0" dirty="0">
+              <a:solidFill>
+                <a:srgbClr val="393D3E"/>
+              </a:solidFill>
+              <a:effectLst/>
+              <a:latin typeface="Roboto" panose="020F0502020204030204" pitchFamily="34" charset="0"/>
+            </a:endParaRPr>
+          </a:p>
+          <a:p>
+            <a:r>
+              <a:rPr lang="en-GB" sz="1400" b="1" dirty="0">
+                <a:effectLst/>
+                <a:latin typeface="Arial" panose="020B0604020202020204" pitchFamily="34" charset="0"/>
+              </a:rPr>
+              <a:t>Context:</a:t>
+            </a:r>
+            <a:endParaRPr lang="en-GB" sz="1400" dirty="0"/>
+          </a:p>
+          <a:p>
+            <a:r>
+              <a:rPr lang="en-GB" sz="1400" dirty="0">
+                <a:effectLst/>
+                <a:latin typeface="ArialMT"/>
+              </a:rPr>
+              <a:t>Transport for London (TfL) is a local government body responsible for most of the transport network in London and guided by the </a:t>
+            </a:r>
+            <a:r>
+              <a:rPr lang="en-GB" sz="1400" dirty="0">
+                <a:solidFill>
+                  <a:srgbClr val="005EBC"/>
+                </a:solidFill>
+                <a:effectLst/>
+                <a:latin typeface="ArialMT"/>
+              </a:rPr>
+              <a:t>Mayor’s Transport Strategy 2018 </a:t>
+            </a:r>
+            <a:r>
+              <a:rPr lang="en-GB" sz="1400" dirty="0">
+                <a:effectLst/>
+                <a:latin typeface="ArialMT"/>
+              </a:rPr>
+              <a:t>(MTS). The central aim of MTS is for 80% of all trips in London to be made on foot, by cycle or using public transport by 2041. </a:t>
+            </a:r>
+            <a:endParaRPr lang="en-GB" sz="1400" dirty="0"/>
+          </a:p>
+          <a:p>
+            <a:r>
+              <a:rPr lang="en-GB" sz="1400" b="1" dirty="0">
+                <a:effectLst/>
+                <a:latin typeface="Arial" panose="020B0604020202020204" pitchFamily="34" charset="0"/>
+              </a:rPr>
+              <a:t>Business Question:</a:t>
+            </a:r>
+            <a:endParaRPr lang="en-GB" sz="1400" dirty="0"/>
+          </a:p>
+          <a:p>
+            <a:r>
+              <a:rPr lang="en-GB" sz="1400" dirty="0">
+                <a:effectLst/>
+                <a:latin typeface="ArialMT"/>
+              </a:rPr>
+              <a:t>What are the main factors which influence cycling uptake? How can improving these factors help contribute to achieving the goal of 80% of all trips in London to be made on foot, by cycle or using public transport by 2041. </a:t>
+            </a:r>
+            <a:endParaRPr lang="en-GB" sz="1400" dirty="0"/>
+          </a:p>
+          <a:p>
+            <a:r>
+              <a:rPr lang="en-GB" sz="1400" b="1" dirty="0">
+                <a:latin typeface="Arial" panose="020B0604020202020204" pitchFamily="34" charset="0"/>
+              </a:rPr>
+              <a:t>Initial </a:t>
+            </a:r>
+            <a:r>
+              <a:rPr lang="en-GB" sz="1400" b="1" dirty="0">
+                <a:effectLst/>
+                <a:latin typeface="Arial" panose="020B0604020202020204" pitchFamily="34" charset="0"/>
+              </a:rPr>
+              <a:t>Hypothesis to address the Business Question:</a:t>
+            </a:r>
+            <a:endParaRPr lang="en-GB" sz="1400" dirty="0"/>
+          </a:p>
+          <a:p>
+            <a:pPr marL="228600" indent="-228600">
+              <a:buFont typeface="+mj-lt"/>
+              <a:buAutoNum type="arabicPeriod"/>
+            </a:pPr>
+            <a:r>
+              <a:rPr lang="en-GB" sz="1400" dirty="0">
+                <a:effectLst/>
+                <a:latin typeface="ArialMT"/>
+              </a:rPr>
+              <a:t>How do socioeconomic factors contribute to cycling uptake?</a:t>
+            </a:r>
+          </a:p>
+          <a:p>
+            <a:pPr marL="742950" lvl="1" indent="-285750">
+              <a:buFont typeface="Arial" panose="020B0604020202020204" pitchFamily="34" charset="0"/>
+              <a:buChar char="•"/>
+            </a:pPr>
+            <a:r>
+              <a:rPr lang="en-GB" sz="1400" dirty="0">
+                <a:effectLst/>
+                <a:latin typeface="ArialMT"/>
+              </a:rPr>
+              <a:t>Is cycling uptake higher in areas of London where the average income </a:t>
+            </a:r>
+            <a:r>
+              <a:rPr lang="en-GB" sz="1400" dirty="0"/>
+              <a:t>i</a:t>
+            </a:r>
+            <a:r>
+              <a:rPr lang="en-GB" sz="1400" dirty="0">
+                <a:effectLst/>
+                <a:latin typeface="ArialMT"/>
+              </a:rPr>
+              <a:t>s higher?</a:t>
+            </a:r>
+            <a:endParaRPr lang="en-GB" sz="1400" dirty="0">
+              <a:latin typeface="ArialMT"/>
+            </a:endParaRPr>
+          </a:p>
+          <a:p>
+            <a:pPr marL="742950" lvl="1" indent="-285750">
+              <a:buFont typeface="Arial" panose="020B0604020202020204" pitchFamily="34" charset="0"/>
+              <a:buChar char="•"/>
+            </a:pPr>
+            <a:r>
+              <a:rPr lang="en-GB" sz="1400" dirty="0">
+                <a:effectLst/>
+                <a:latin typeface="ArialMT"/>
+              </a:rPr>
+              <a:t>Is cycling higher where the Education level is higher? </a:t>
+            </a:r>
+            <a:endParaRPr lang="en-GB" sz="1400" dirty="0"/>
+          </a:p>
+          <a:p>
+            <a:pPr marL="742950" lvl="1" indent="-285750">
+              <a:buFont typeface="Arial" panose="020B0604020202020204" pitchFamily="34" charset="0"/>
+              <a:buChar char="•"/>
+            </a:pPr>
+            <a:r>
+              <a:rPr lang="en-GB" sz="1400" dirty="0">
+                <a:effectLst/>
+                <a:latin typeface="ArialMT"/>
+              </a:rPr>
+              <a:t>How does cycling uptake change amongst different demographics?</a:t>
+            </a:r>
+          </a:p>
+          <a:p>
+            <a:pPr marL="742950" lvl="1" indent="-285750">
+              <a:buFont typeface="Arial" panose="020B0604020202020204" pitchFamily="34" charset="0"/>
+              <a:buChar char="•"/>
+            </a:pPr>
+            <a:r>
+              <a:rPr lang="en-GB" sz="1400" dirty="0">
+                <a:effectLst/>
+                <a:latin typeface="ArialMT"/>
+              </a:rPr>
+              <a:t>How can cycling uptake be improved amongst young black, Asian and mixed-ethnicity men and women?</a:t>
+            </a:r>
+            <a:endParaRPr lang="en-GB" sz="1400" dirty="0">
+              <a:latin typeface="ArialMT"/>
+            </a:endParaRPr>
+          </a:p>
+          <a:p>
+            <a:pPr marL="742950" lvl="1" indent="-285750">
+              <a:buFont typeface="Arial" panose="020B0604020202020204" pitchFamily="34" charset="0"/>
+              <a:buChar char="•"/>
+            </a:pPr>
+            <a:r>
+              <a:rPr lang="en-GB" sz="1400" dirty="0">
+                <a:effectLst/>
+                <a:latin typeface="ArialMT"/>
+              </a:rPr>
+              <a:t>This can include age, class, gender &amp; race </a:t>
+            </a:r>
+            <a:endParaRPr lang="en-GB" sz="1400" dirty="0"/>
+          </a:p>
+          <a:p>
+            <a:pPr marL="228600" indent="-228600">
+              <a:buFont typeface="+mj-lt"/>
+              <a:buAutoNum type="arabicPeriod"/>
+            </a:pPr>
+            <a:r>
+              <a:rPr lang="en-GB" sz="1400" dirty="0">
+                <a:effectLst/>
+                <a:latin typeface="ArialMT"/>
+              </a:rPr>
+              <a:t>Has cycling uptake been higher since the introduction of PAYG bikes? </a:t>
+            </a:r>
+            <a:endParaRPr lang="en-GB" sz="1400" dirty="0"/>
+          </a:p>
+          <a:p>
+            <a:pPr marL="742950" lvl="1" indent="-285750">
+              <a:buFont typeface="Arial" panose="020B0604020202020204" pitchFamily="34" charset="0"/>
+              <a:buChar char="•"/>
+            </a:pPr>
+            <a:r>
+              <a:rPr lang="en-GB" sz="1400" dirty="0">
+                <a:effectLst/>
+                <a:latin typeface="ArialMT"/>
+              </a:rPr>
+              <a:t>Where are PAYG cycling hubs situated? Are these based in areas of higher average income? </a:t>
+            </a:r>
+          </a:p>
+          <a:p>
+            <a:pPr marL="342900" indent="-342900">
+              <a:buFont typeface="+mj-lt"/>
+              <a:buAutoNum type="arabicPeriod"/>
+            </a:pPr>
+            <a:r>
+              <a:rPr lang="en-GB" sz="1400" dirty="0">
+                <a:effectLst/>
+                <a:latin typeface="ArialMT"/>
+              </a:rPr>
+              <a:t>How does infrastructure affect uptake in cycling?</a:t>
+            </a:r>
+            <a:endParaRPr lang="en-GB" sz="1400" dirty="0">
+              <a:latin typeface="ArialMT"/>
+            </a:endParaRPr>
+          </a:p>
+          <a:p>
+            <a:pPr marL="342900" indent="-342900">
+              <a:buFont typeface="+mj-lt"/>
+              <a:buAutoNum type="arabicPeriod"/>
+            </a:pPr>
+            <a:endParaRPr lang="en-GB" sz="1400" dirty="0">
+              <a:effectLst/>
+              <a:latin typeface="ArialMT"/>
+            </a:endParaRPr>
+          </a:p>
+          <a:p>
+            <a:pPr marL="342900" indent="-342900">
+              <a:buFont typeface="+mj-lt"/>
+              <a:buAutoNum type="arabicPeriod"/>
+            </a:pPr>
+            <a:r>
+              <a:rPr lang="en-GB" sz="1400" dirty="0">
+                <a:effectLst/>
+                <a:latin typeface="ArialMT"/>
+              </a:rPr>
+              <a:t>How safe is cycling in London? Are there the necessary cycling paths / infrastructure? </a:t>
+            </a:r>
+            <a:endParaRPr lang="en-GB" sz="1400" dirty="0"/>
+          </a:p>
+          <a:p>
+            <a:pPr marL="228600" indent="-228600">
+              <a:buFont typeface="+mj-lt"/>
+              <a:buAutoNum type="arabicPeriod"/>
+            </a:pPr>
+            <a:r>
+              <a:rPr lang="en-GB" sz="1400" dirty="0">
+                <a:effectLst/>
+                <a:latin typeface="ArialMT"/>
+              </a:rPr>
+              <a:t>How do technological advances affect the uptake of cycling?</a:t>
+            </a:r>
+            <a:endParaRPr lang="en-GB" sz="1400" dirty="0">
+              <a:latin typeface="ArialMT"/>
+            </a:endParaRPr>
+          </a:p>
+          <a:p>
+            <a:pPr marL="228600" indent="-228600">
+              <a:buFont typeface="+mj-lt"/>
+              <a:buAutoNum type="arabicPeriod"/>
+            </a:pPr>
+            <a:r>
+              <a:rPr lang="en-GB" sz="1400" dirty="0">
+                <a:effectLst/>
+                <a:latin typeface="ArialMT"/>
+              </a:rPr>
+              <a:t>Has the introduction of electric bikes increased cycling uptake? </a:t>
+            </a:r>
+            <a:endParaRPr lang="en-GB" sz="1400" dirty="0">
+              <a:latin typeface="SymbolMT"/>
+            </a:endParaRPr>
+          </a:p>
+          <a:p>
+            <a:pPr marL="228600" indent="-228600">
+              <a:buFont typeface="+mj-lt"/>
+              <a:buAutoNum type="arabicPeriod"/>
+            </a:pPr>
+            <a:r>
+              <a:rPr lang="en-GB" sz="1400" dirty="0">
+                <a:effectLst/>
+                <a:latin typeface="ArialMT"/>
+              </a:rPr>
+              <a:t>How does the weather affect cycling uptake?</a:t>
+            </a:r>
+            <a:endParaRPr lang="en-GB" sz="1400" dirty="0">
+              <a:latin typeface="ArialMT"/>
+            </a:endParaRPr>
+          </a:p>
+          <a:p>
+            <a:pPr marL="228600" indent="-228600">
+              <a:buFont typeface="+mj-lt"/>
+              <a:buAutoNum type="arabicPeriod"/>
+            </a:pPr>
+            <a:r>
+              <a:rPr lang="en-GB" sz="1400" dirty="0">
+                <a:effectLst/>
+                <a:latin typeface="ArialMT"/>
+              </a:rPr>
+              <a:t>Does an increase in temperature mean an increase in cycling? </a:t>
+            </a:r>
+            <a:endParaRPr lang="en-GB" sz="1400" dirty="0">
+              <a:effectLst/>
+              <a:latin typeface="CourierNewPSMT" panose="02070309020205020404" pitchFamily="49" charset="0"/>
+            </a:endParaRPr>
+          </a:p>
+          <a:p>
+            <a:pPr marL="228600" indent="-228600">
+              <a:buFont typeface="+mj-lt"/>
+              <a:buAutoNum type="arabicPeriod"/>
+            </a:pPr>
+            <a:r>
+              <a:rPr lang="en-GB" sz="1400" dirty="0">
+                <a:effectLst/>
+                <a:latin typeface="ArialMT"/>
+              </a:rPr>
+              <a:t>What do seasonal changes affect cycling uptake?</a:t>
+            </a:r>
+            <a:endParaRPr lang="en-GB" sz="1400" dirty="0">
+              <a:latin typeface="ArialMT"/>
+            </a:endParaRPr>
+          </a:p>
+          <a:p>
+            <a:pPr marL="228600" indent="-228600">
+              <a:buFont typeface="+mj-lt"/>
+              <a:buAutoNum type="arabicPeriod"/>
+            </a:pPr>
+            <a:r>
+              <a:rPr lang="en-GB" sz="1400" dirty="0">
+                <a:effectLst/>
+                <a:latin typeface="ArialMT"/>
+              </a:rPr>
+              <a:t>Could availability / price of PAYG change during high seasons? </a:t>
+            </a:r>
+            <a:endParaRPr lang="en-GB" sz="1400" dirty="0">
+              <a:latin typeface="SymbolMT"/>
+            </a:endParaRPr>
+          </a:p>
+          <a:p>
+            <a:pPr marL="228600" indent="-228600">
+              <a:buFont typeface="+mj-lt"/>
+              <a:buAutoNum type="arabicPeriod"/>
+            </a:pPr>
+            <a:r>
+              <a:rPr lang="en-GB" sz="1400" dirty="0">
+                <a:effectLst/>
+                <a:latin typeface="ArialMT"/>
+              </a:rPr>
+              <a:t>How has WFH affected cycling uptake?</a:t>
+            </a:r>
+            <a:endParaRPr lang="en-GB" sz="1400" dirty="0">
+              <a:latin typeface="ArialMT"/>
+            </a:endParaRPr>
+          </a:p>
+          <a:p>
+            <a:pPr marL="228600" indent="-228600">
+              <a:buFont typeface="+mj-lt"/>
+              <a:buAutoNum type="arabicPeriod"/>
+            </a:pPr>
+            <a:r>
+              <a:rPr lang="en-GB" sz="1400" dirty="0">
+                <a:effectLst/>
+                <a:latin typeface="ArialMT"/>
+              </a:rPr>
+              <a:t>How can government initiatives (Cycle to Work) help increase cycling uptake? </a:t>
+            </a:r>
+            <a:endParaRPr lang="en-GB" sz="1400" dirty="0">
+              <a:latin typeface="SymbolMT"/>
+            </a:endParaRPr>
+          </a:p>
+          <a:p>
+            <a:pPr marL="228600" indent="-228600">
+              <a:buFont typeface="+mj-lt"/>
+              <a:buAutoNum type="arabicPeriod"/>
+            </a:pPr>
+            <a:r>
+              <a:rPr lang="en-GB" sz="1400" dirty="0">
+                <a:effectLst/>
+                <a:latin typeface="ArialMT"/>
+              </a:rPr>
+              <a:t>How has tourism affected cycling uptake?</a:t>
+            </a:r>
+            <a:r>
+              <a:rPr lang="en-GB" sz="1400" dirty="0">
+                <a:latin typeface="ArialMT"/>
+              </a:rPr>
+              <a:t> </a:t>
+            </a:r>
+          </a:p>
+          <a:p>
+            <a:pPr marL="228600" indent="-228600">
+              <a:buFont typeface="+mj-lt"/>
+              <a:buAutoNum type="arabicPeriod"/>
+            </a:pPr>
+            <a:r>
+              <a:rPr lang="en-GB" sz="1400" dirty="0">
+                <a:effectLst/>
+                <a:latin typeface="ArialMT"/>
+              </a:rPr>
+              <a:t>Has there been a knock-on effect from Brexit on tourism / immigration to London and thus cycling uptake? </a:t>
+            </a:r>
+            <a:endParaRPr lang="en-GB" sz="1400" dirty="0">
+              <a:effectLst/>
+              <a:latin typeface="SymbolMT"/>
+            </a:endParaRPr>
+          </a:p>
+        </p:txBody>
+      </p:sp>
+    </p:spTree>
+    <p:extLst>
+      <p:ext uri="{BB962C8B-B14F-4D97-AF65-F5344CB8AC3E}">
+        <p14:creationId xmlns:p14="http://schemas.microsoft.com/office/powerpoint/2010/main" val="1914034834"/>
       </p:ext>
     </p:extLst>
   </p:cSld>
@@ -4905,4 +10059,299 @@
     </a:ext>
   </a:extLst>
 </a:theme>
+</file>
+
+<file path=ppt/theme/theme2.xml><?xml version="1.0" encoding="utf-8"?>
+<a:theme xmlns:a="http://schemas.openxmlformats.org/drawingml/2006/main" name="Office Theme">
+  <a:themeElements>
+    <a:clrScheme name="Office">
+      <a:dk1>
+        <a:sysClr val="windowText" lastClr="000000"/>
+      </a:dk1>
+      <a:lt1>
+        <a:sysClr val="window" lastClr="FFFFFF"/>
+      </a:lt1>
+      <a:dk2>
+        <a:srgbClr val="44546A"/>
+      </a:dk2>
+      <a:lt2>
+        <a:srgbClr val="E7E6E6"/>
+      </a:lt2>
+      <a:accent1>
+        <a:srgbClr val="4472C4"/>
+      </a:accent1>
+      <a:accent2>
+        <a:srgbClr val="ED7D31"/>
+      </a:accent2>
+      <a:accent3>
+        <a:srgbClr val="A5A5A5"/>
+      </a:accent3>
+      <a:accent4>
+        <a:srgbClr val="FFC000"/>
+      </a:accent4>
+      <a:accent5>
+        <a:srgbClr val="5B9BD5"/>
+      </a:accent5>
+      <a:accent6>
+        <a:srgbClr val="70AD47"/>
+      </a:accent6>
+      <a:hlink>
+        <a:srgbClr val="0563C1"/>
+      </a:hlink>
+      <a:folHlink>
+        <a:srgbClr val="954F72"/>
+      </a:folHlink>
+    </a:clrScheme>
+    <a:fontScheme name="Office">
+      <a:majorFont>
+        <a:latin typeface="Calibri Light" panose="020F0302020204030204"/>
+        <a:ea typeface=""/>
+        <a:cs typeface=""/>
+        <a:font script="Jpan" typeface="游ゴシック Light"/>
+        <a:font script="Hang" typeface="맑은 고딕"/>
+        <a:font script="Hans" typeface="等线 Light"/>
+        <a:font script="Hant" typeface="新細明體"/>
+        <a:font script="Arab" typeface="Times New Roman"/>
+        <a:font script="Hebr" typeface="Times New Roman"/>
+        <a:font script="Thai" typeface="Angsana New"/>
+        <a:font script="Ethi" typeface="Nyala"/>
+        <a:font script="Beng" typeface="Vrinda"/>
+        <a:font script="Gujr" typeface="Shruti"/>
+        <a:font script="Khmr" typeface="MoolBoran"/>
+        <a:font script="Knda" typeface="Tunga"/>
+        <a:font script="Guru" typeface="Raavi"/>
+        <a:font script="Cans" typeface="Euphemia"/>
+        <a:font script="Cher" typeface="Plantagenet Cherokee"/>
+        <a:font script="Yiii" typeface="Microsoft Yi Baiti"/>
+        <a:font script="Tibt" typeface="Microsoft Himalaya"/>
+        <a:font script="Thaa" typeface="MV Boli"/>
+        <a:font script="Deva" typeface="Mangal"/>
+        <a:font script="Telu" typeface="Gautami"/>
+        <a:font script="Taml" typeface="Latha"/>
+        <a:font script="Syrc" typeface="Estrangelo Edessa"/>
+        <a:font script="Orya" typeface="Kalinga"/>
+        <a:font script="Mlym" typeface="Kartika"/>
+        <a:font script="Laoo" typeface="DokChampa"/>
+        <a:font script="Sinh" typeface="Iskoola Pota"/>
+        <a:font script="Mong" typeface="Mongolian Baiti"/>
+        <a:font script="Viet" typeface="Times New Roman"/>
+        <a:font script="Uigh" typeface="Microsoft Uighur"/>
+        <a:font script="Geor" typeface="Sylfaen"/>
+        <a:font script="Armn" typeface="Arial"/>
+        <a:font script="Bugi" typeface="Leelawadee UI"/>
+        <a:font script="Bopo" typeface="Microsoft JhengHei"/>
+        <a:font script="Java" typeface="Javanese Text"/>
+        <a:font script="Lisu" typeface="Segoe UI"/>
+        <a:font script="Mymr" typeface="Myanmar Text"/>
+        <a:font script="Nkoo" typeface="Ebrima"/>
+        <a:font script="Olck" typeface="Nirmala UI"/>
+        <a:font script="Osma" typeface="Ebrima"/>
+        <a:font script="Phag" typeface="Phagspa"/>
+        <a:font script="Syrn" typeface="Estrangelo Edessa"/>
+        <a:font script="Syrj" typeface="Estrangelo Edessa"/>
+        <a:font script="Syre" typeface="Estrangelo Edessa"/>
+        <a:font script="Sora" typeface="Nirmala UI"/>
+        <a:font script="Tale" typeface="Microsoft Tai Le"/>
+        <a:font script="Talu" typeface="Microsoft New Tai Lue"/>
+        <a:font script="Tfng" typeface="Ebrima"/>
+      </a:majorFont>
+      <a:minorFont>
+        <a:latin typeface="Calibri" panose="020F0502020204030204"/>
+        <a:ea typeface=""/>
+        <a:cs typeface=""/>
+        <a:font script="Jpan" typeface="游ゴシック"/>
+        <a:font script="Hang" typeface="맑은 고딕"/>
+        <a:font script="Hans" typeface="等线"/>
+        <a:font script="Hant" typeface="新細明體"/>
+        <a:font script="Arab" typeface="Arial"/>
+        <a:font script="Hebr" typeface="Arial"/>
+        <a:font script="Thai" typeface="Cordia New"/>
+        <a:font script="Ethi" typeface="Nyala"/>
+        <a:font script="Beng" typeface="Vrinda"/>
+        <a:font script="Gujr" typeface="Shruti"/>
+        <a:font script="Khmr" typeface="DaunPenh"/>
+        <a:font script="Knda" typeface="Tunga"/>
+        <a:font script="Guru" typeface="Raavi"/>
+        <a:font script="Cans" typeface="Euphemia"/>
+        <a:font script="Cher" typeface="Plantagenet Cherokee"/>
+        <a:font script="Yiii" typeface="Microsoft Yi Baiti"/>
+        <a:font script="Tibt" typeface="Microsoft Himalaya"/>
+        <a:font script="Thaa" typeface="MV Boli"/>
+        <a:font script="Deva" typeface="Mangal"/>
+        <a:font script="Telu" typeface="Gautami"/>
+        <a:font script="Taml" typeface="Latha"/>
+        <a:font script="Syrc" typeface="Estrangelo Edessa"/>
+        <a:font script="Orya" typeface="Kalinga"/>
+        <a:font script="Mlym" typeface="Kartika"/>
+        <a:font script="Laoo" typeface="DokChampa"/>
+        <a:font script="Sinh" typeface="Iskoola Pota"/>
+        <a:font script="Mong" typeface="Mongolian Baiti"/>
+        <a:font script="Viet" typeface="Arial"/>
+        <a:font script="Uigh" typeface="Microsoft Uighur"/>
+        <a:font script="Geor" typeface="Sylfaen"/>
+        <a:font script="Armn" typeface="Arial"/>
+        <a:font script="Bugi" typeface="Leelawadee UI"/>
+        <a:font script="Bopo" typeface="Microsoft JhengHei"/>
+        <a:font script="Java" typeface="Javanese Text"/>
+        <a:font script="Lisu" typeface="Segoe UI"/>
+        <a:font script="Mymr" typeface="Myanmar Text"/>
+        <a:font script="Nkoo" typeface="Ebrima"/>
+        <a:font script="Olck" typeface="Nirmala UI"/>
+        <a:font script="Osma" typeface="Ebrima"/>
+        <a:font script="Phag" typeface="Phagspa"/>
+        <a:font script="Syrn" typeface="Estrangelo Edessa"/>
+        <a:font script="Syrj" typeface="Estrangelo Edessa"/>
+        <a:font script="Syre" typeface="Estrangelo Edessa"/>
+        <a:font script="Sora" typeface="Nirmala UI"/>
+        <a:font script="Tale" typeface="Microsoft Tai Le"/>
+        <a:font script="Talu" typeface="Microsoft New Tai Lue"/>
+        <a:font script="Tfng" typeface="Ebrima"/>
+      </a:minorFont>
+    </a:fontScheme>
+    <a:fmtScheme name="Office">
+      <a:fillStyleLst>
+        <a:solidFill>
+          <a:schemeClr val="phClr"/>
+        </a:solidFill>
+        <a:gradFill rotWithShape="1">
+          <a:gsLst>
+            <a:gs pos="0">
+              <a:schemeClr val="phClr">
+                <a:lumMod val="110000"/>
+                <a:satMod val="105000"/>
+                <a:tint val="67000"/>
+              </a:schemeClr>
+            </a:gs>
+            <a:gs pos="50000">
+              <a:schemeClr val="phClr">
+                <a:lumMod val="105000"/>
+                <a:satMod val="103000"/>
+                <a:tint val="73000"/>
+              </a:schemeClr>
+            </a:gs>
+            <a:gs pos="100000">
+              <a:schemeClr val="phClr">
+                <a:lumMod val="105000"/>
+                <a:satMod val="109000"/>
+                <a:tint val="81000"/>
+              </a:schemeClr>
+            </a:gs>
+          </a:gsLst>
+          <a:lin ang="5400000" scaled="0"/>
+        </a:gradFill>
+        <a:gradFill rotWithShape="1">
+          <a:gsLst>
+            <a:gs pos="0">
+              <a:schemeClr val="phClr">
+                <a:satMod val="103000"/>
+                <a:lumMod val="102000"/>
+                <a:tint val="94000"/>
+              </a:schemeClr>
+            </a:gs>
+            <a:gs pos="50000">
+              <a:schemeClr val="phClr">
+                <a:satMod val="110000"/>
+                <a:lumMod val="100000"/>
+                <a:shade val="100000"/>
+              </a:schemeClr>
+            </a:gs>
+            <a:gs pos="100000">
+              <a:schemeClr val="phClr">
+                <a:lumMod val="99000"/>
+                <a:satMod val="120000"/>
+                <a:shade val="78000"/>
+              </a:schemeClr>
+            </a:gs>
+          </a:gsLst>
+          <a:lin ang="5400000" scaled="0"/>
+        </a:gradFill>
+      </a:fillStyleLst>
+      <a:lnStyleLst>
+        <a:ln w="6350" cap="flat" cmpd="sng" algn="ctr">
+          <a:solidFill>
+            <a:schemeClr val="phClr"/>
+          </a:solidFill>
+          <a:prstDash val="solid"/>
+          <a:miter lim="800000"/>
+        </a:ln>
+        <a:ln w="12700" cap="flat" cmpd="sng" algn="ctr">
+          <a:solidFill>
+            <a:schemeClr val="phClr"/>
+          </a:solidFill>
+          <a:prstDash val="solid"/>
+          <a:miter lim="800000"/>
+        </a:ln>
+        <a:ln w="19050" cap="flat" cmpd="sng" algn="ctr">
+          <a:solidFill>
+            <a:schemeClr val="phClr"/>
+          </a:solidFill>
+          <a:prstDash val="solid"/>
+          <a:miter lim="800000"/>
+        </a:ln>
+      </a:lnStyleLst>
+      <a:effectStyleLst>
+        <a:effectStyle>
+          <a:effectLst/>
+        </a:effectStyle>
+        <a:effectStyle>
+          <a:effectLst/>
+        </a:effectStyle>
+        <a:effectStyle>
+          <a:effectLst>
+            <a:outerShdw blurRad="57150" dist="19050" dir="5400000" algn="ctr" rotWithShape="0">
+              <a:srgbClr val="000000">
+                <a:alpha val="63000"/>
+              </a:srgbClr>
+            </a:outerShdw>
+          </a:effectLst>
+        </a:effectStyle>
+      </a:effectStyleLst>
+      <a:bgFillStyleLst>
+        <a:solidFill>
+          <a:schemeClr val="phClr"/>
+        </a:solidFill>
+        <a:solidFill>
+          <a:schemeClr val="phClr">
+            <a:tint val="95000"/>
+            <a:satMod val="170000"/>
+          </a:schemeClr>
+        </a:solidFill>
+        <a:gradFill rotWithShape="1">
+          <a:gsLst>
+            <a:gs pos="0">
+              <a:schemeClr val="phClr">
+                <a:tint val="93000"/>
+                <a:satMod val="150000"/>
+                <a:shade val="98000"/>
+                <a:lumMod val="102000"/>
+              </a:schemeClr>
+            </a:gs>
+            <a:gs pos="50000">
+              <a:schemeClr val="phClr">
+                <a:tint val="98000"/>
+                <a:satMod val="130000"/>
+                <a:shade val="90000"/>
+                <a:lumMod val="103000"/>
+              </a:schemeClr>
+            </a:gs>
+            <a:gs pos="100000">
+              <a:schemeClr val="phClr">
+                <a:shade val="63000"/>
+                <a:satMod val="120000"/>
+              </a:schemeClr>
+            </a:gs>
+          </a:gsLst>
+          <a:lin ang="5400000" scaled="0"/>
+        </a:gradFill>
+      </a:bgFillStyleLst>
+    </a:fmtScheme>
+  </a:themeElements>
+  <a:objectDefaults/>
+  <a:extraClrSchemeLst/>
+  <a:extLst>
+    <a:ext uri="{05A4C25C-085E-4340-85A3-A5531E510DB2}">
+      <thm15:themeFamily xmlns:thm15="http://schemas.microsoft.com/office/thememl/2012/main" name="Office Theme" id="{62F939B6-93AF-4DB8-9C6B-D6C7DFDC589F}" vid="{4A3C46E8-61CC-4603-A589-7422A47A8E4A}"/>
+    </a:ext>
+  </a:extLst>
+</a:theme>
 </file>